--- a/Thesis/master/study_padding_0711.pptx
+++ b/Thesis/master/study_padding_0711.pptx
@@ -13,6 +13,7 @@
     <p:sldId id="261" r:id="rId7"/>
     <p:sldId id="262" r:id="rId8"/>
     <p:sldId id="263" r:id="rId9"/>
+    <p:sldId id="264" r:id="rId10"/>
   </p:sldIdLst>
   <p:sldSz cx="9144000" cy="6858000" type="screen4x3"/>
   <p:notesSz cx="6797675" cy="9926638"/>
@@ -250,7 +251,7 @@
           <a:p>
             <a:fld id="{E46C8778-F9A9-4177-8E79-9E20DC8F820F}" type="datetimeFigureOut">
               <a:rPr lang="ko-KR" altLang="en-US" smtClean="0"/>
-              <a:t>2017-07-12</a:t>
+              <a:t>2017-07-17</a:t>
             </a:fld>
             <a:endParaRPr lang="ko-KR" altLang="en-US"/>
           </a:p>
@@ -420,7 +421,7 @@
           <a:p>
             <a:fld id="{E46C8778-F9A9-4177-8E79-9E20DC8F820F}" type="datetimeFigureOut">
               <a:rPr lang="ko-KR" altLang="en-US" smtClean="0"/>
-              <a:t>2017-07-12</a:t>
+              <a:t>2017-07-17</a:t>
             </a:fld>
             <a:endParaRPr lang="ko-KR" altLang="en-US"/>
           </a:p>
@@ -600,7 +601,7 @@
           <a:p>
             <a:fld id="{E46C8778-F9A9-4177-8E79-9E20DC8F820F}" type="datetimeFigureOut">
               <a:rPr lang="ko-KR" altLang="en-US" smtClean="0"/>
-              <a:t>2017-07-12</a:t>
+              <a:t>2017-07-17</a:t>
             </a:fld>
             <a:endParaRPr lang="ko-KR" altLang="en-US"/>
           </a:p>
@@ -770,7 +771,7 @@
           <a:p>
             <a:fld id="{E46C8778-F9A9-4177-8E79-9E20DC8F820F}" type="datetimeFigureOut">
               <a:rPr lang="ko-KR" altLang="en-US" smtClean="0"/>
-              <a:t>2017-07-12</a:t>
+              <a:t>2017-07-17</a:t>
             </a:fld>
             <a:endParaRPr lang="ko-KR" altLang="en-US"/>
           </a:p>
@@ -1014,7 +1015,7 @@
           <a:p>
             <a:fld id="{E46C8778-F9A9-4177-8E79-9E20DC8F820F}" type="datetimeFigureOut">
               <a:rPr lang="ko-KR" altLang="en-US" smtClean="0"/>
-              <a:t>2017-07-12</a:t>
+              <a:t>2017-07-17</a:t>
             </a:fld>
             <a:endParaRPr lang="ko-KR" altLang="en-US"/>
           </a:p>
@@ -1246,7 +1247,7 @@
           <a:p>
             <a:fld id="{E46C8778-F9A9-4177-8E79-9E20DC8F820F}" type="datetimeFigureOut">
               <a:rPr lang="ko-KR" altLang="en-US" smtClean="0"/>
-              <a:t>2017-07-12</a:t>
+              <a:t>2017-07-17</a:t>
             </a:fld>
             <a:endParaRPr lang="ko-KR" altLang="en-US"/>
           </a:p>
@@ -1613,7 +1614,7 @@
           <a:p>
             <a:fld id="{E46C8778-F9A9-4177-8E79-9E20DC8F820F}" type="datetimeFigureOut">
               <a:rPr lang="ko-KR" altLang="en-US" smtClean="0"/>
-              <a:t>2017-07-12</a:t>
+              <a:t>2017-07-17</a:t>
             </a:fld>
             <a:endParaRPr lang="ko-KR" altLang="en-US"/>
           </a:p>
@@ -1731,7 +1732,7 @@
           <a:p>
             <a:fld id="{E46C8778-F9A9-4177-8E79-9E20DC8F820F}" type="datetimeFigureOut">
               <a:rPr lang="ko-KR" altLang="en-US" smtClean="0"/>
-              <a:t>2017-07-12</a:t>
+              <a:t>2017-07-17</a:t>
             </a:fld>
             <a:endParaRPr lang="ko-KR" altLang="en-US"/>
           </a:p>
@@ -1826,7 +1827,7 @@
           <a:p>
             <a:fld id="{E46C8778-F9A9-4177-8E79-9E20DC8F820F}" type="datetimeFigureOut">
               <a:rPr lang="ko-KR" altLang="en-US" smtClean="0"/>
-              <a:t>2017-07-12</a:t>
+              <a:t>2017-07-17</a:t>
             </a:fld>
             <a:endParaRPr lang="ko-KR" altLang="en-US"/>
           </a:p>
@@ -2103,7 +2104,7 @@
           <a:p>
             <a:fld id="{E46C8778-F9A9-4177-8E79-9E20DC8F820F}" type="datetimeFigureOut">
               <a:rPr lang="ko-KR" altLang="en-US" smtClean="0"/>
-              <a:t>2017-07-12</a:t>
+              <a:t>2017-07-17</a:t>
             </a:fld>
             <a:endParaRPr lang="ko-KR" altLang="en-US"/>
           </a:p>
@@ -2360,7 +2361,7 @@
           <a:p>
             <a:fld id="{E46C8778-F9A9-4177-8E79-9E20DC8F820F}" type="datetimeFigureOut">
               <a:rPr lang="ko-KR" altLang="en-US" smtClean="0"/>
-              <a:t>2017-07-12</a:t>
+              <a:t>2017-07-17</a:t>
             </a:fld>
             <a:endParaRPr lang="ko-KR" altLang="en-US"/>
           </a:p>
@@ -2573,7 +2574,7 @@
           <a:p>
             <a:fld id="{E46C8778-F9A9-4177-8E79-9E20DC8F820F}" type="datetimeFigureOut">
               <a:rPr lang="ko-KR" altLang="en-US" smtClean="0"/>
-              <a:t>2017-07-12</a:t>
+              <a:t>2017-07-17</a:t>
             </a:fld>
             <a:endParaRPr lang="ko-KR" altLang="en-US"/>
           </a:p>
@@ -3305,6 +3306,64 @@
           </p:sp>
         </mc:Fallback>
       </mc:AlternateContent>
+      <p:pic>
+        <p:nvPicPr>
+          <p:cNvPr id="7" name="그림 6"/>
+          <p:cNvPicPr>
+            <a:picLocks noChangeAspect="1"/>
+          </p:cNvPicPr>
+          <p:nvPr/>
+        </p:nvPicPr>
+        <p:blipFill>
+          <a:blip r:embed="rId3"/>
+          <a:stretch>
+            <a:fillRect/>
+          </a:stretch>
+        </p:blipFill>
+        <p:spPr>
+          <a:xfrm>
+            <a:off x="755158" y="3756394"/>
+            <a:ext cx="4810125" cy="2705100"/>
+          </a:xfrm>
+          <a:prstGeom prst="rect">
+            <a:avLst/>
+          </a:prstGeom>
+        </p:spPr>
+      </p:pic>
+      <p:sp>
+        <p:nvSpPr>
+          <p:cNvPr id="8" name="TextBox 7"/>
+          <p:cNvSpPr txBox="1"/>
+          <p:nvPr/>
+        </p:nvSpPr>
+        <p:spPr>
+          <a:xfrm>
+            <a:off x="781404" y="3338628"/>
+            <a:ext cx="3011717" cy="369332"/>
+          </a:xfrm>
+          <a:prstGeom prst="rect">
+            <a:avLst/>
+          </a:prstGeom>
+          <a:noFill/>
+        </p:spPr>
+        <p:txBody>
+          <a:bodyPr wrap="square" rtlCol="0">
+            <a:spAutoFit/>
+          </a:bodyPr>
+          <a:lstStyle/>
+          <a:p>
+            <a:r>
+              <a:rPr lang="en-US" altLang="ko-KR" dirty="0" smtClean="0"/>
+              <a:t>Node selection for Padding</a:t>
+            </a:r>
+            <a:r>
+              <a:rPr lang="ko-KR" altLang="en-US" dirty="0" smtClean="0"/>
+              <a:t> </a:t>
+            </a:r>
+            <a:endParaRPr lang="ko-KR" altLang="en-US" dirty="0"/>
+          </a:p>
+        </p:txBody>
+      </p:sp>
     </p:spTree>
     <p:extLst>
       <p:ext uri="{BB962C8B-B14F-4D97-AF65-F5344CB8AC3E}">
@@ -59541,6 +59600,6388 @@
     <p:extLst>
       <p:ext uri="{BB962C8B-B14F-4D97-AF65-F5344CB8AC3E}">
         <p14:creationId xmlns:p14="http://schemas.microsoft.com/office/powerpoint/2010/main" val="3798228105"/>
+      </p:ext>
+    </p:extLst>
+  </p:cSld>
+  <p:clrMapOvr>
+    <a:masterClrMapping/>
+  </p:clrMapOvr>
+</p:sld>
+</file>
+
+<file path=ppt/slides/slide9.xml><?xml version="1.0" encoding="utf-8"?>
+<p:sld xmlns:a="http://schemas.openxmlformats.org/drawingml/2006/main" xmlns:r="http://schemas.openxmlformats.org/officeDocument/2006/relationships" xmlns:p="http://schemas.openxmlformats.org/presentationml/2006/main">
+  <p:cSld>
+    <p:spTree>
+      <p:nvGrpSpPr>
+        <p:cNvPr id="1" name=""/>
+        <p:cNvGrpSpPr/>
+        <p:nvPr/>
+      </p:nvGrpSpPr>
+      <p:grpSpPr>
+        <a:xfrm>
+          <a:off x="0" y="0"/>
+          <a:ext cx="0" cy="0"/>
+          <a:chOff x="0" y="0"/>
+          <a:chExt cx="0" cy="0"/>
+        </a:xfrm>
+      </p:grpSpPr>
+      <p:sp>
+        <p:nvSpPr>
+          <p:cNvPr id="4" name="타원 3"/>
+          <p:cNvSpPr/>
+          <p:nvPr/>
+        </p:nvSpPr>
+        <p:spPr>
+          <a:xfrm>
+            <a:off x="279396" y="370270"/>
+            <a:ext cx="268515" cy="268515"/>
+          </a:xfrm>
+          <a:prstGeom prst="ellipse">
+            <a:avLst/>
+          </a:prstGeom>
+          <a:solidFill>
+            <a:schemeClr val="accent2"/>
+          </a:solidFill>
+          <a:ln>
+            <a:noFill/>
+          </a:ln>
+        </p:spPr>
+        <p:style>
+          <a:lnRef idx="2">
+            <a:schemeClr val="accent1">
+              <a:shade val="50000"/>
+            </a:schemeClr>
+          </a:lnRef>
+          <a:fillRef idx="1">
+            <a:schemeClr val="accent1"/>
+          </a:fillRef>
+          <a:effectRef idx="0">
+            <a:schemeClr val="accent1"/>
+          </a:effectRef>
+          <a:fontRef idx="minor">
+            <a:schemeClr val="lt1"/>
+          </a:fontRef>
+        </p:style>
+        <p:txBody>
+          <a:bodyPr rtlCol="0" anchor="ctr"/>
+          <a:lstStyle/>
+          <a:p>
+            <a:pPr algn="ctr"/>
+            <a:endParaRPr lang="ko-KR" altLang="en-US"/>
+          </a:p>
+        </p:txBody>
+      </p:sp>
+      <p:sp>
+        <p:nvSpPr>
+          <p:cNvPr id="5" name="타원 4"/>
+          <p:cNvSpPr/>
+          <p:nvPr/>
+        </p:nvSpPr>
+        <p:spPr>
+          <a:xfrm>
+            <a:off x="682168" y="370269"/>
+            <a:ext cx="268515" cy="268515"/>
+          </a:xfrm>
+          <a:prstGeom prst="ellipse">
+            <a:avLst/>
+          </a:prstGeom>
+          <a:solidFill>
+            <a:schemeClr val="accent2"/>
+          </a:solidFill>
+          <a:ln>
+            <a:noFill/>
+          </a:ln>
+        </p:spPr>
+        <p:style>
+          <a:lnRef idx="2">
+            <a:schemeClr val="accent1">
+              <a:shade val="50000"/>
+            </a:schemeClr>
+          </a:lnRef>
+          <a:fillRef idx="1">
+            <a:schemeClr val="accent1"/>
+          </a:fillRef>
+          <a:effectRef idx="0">
+            <a:schemeClr val="accent1"/>
+          </a:effectRef>
+          <a:fontRef idx="minor">
+            <a:schemeClr val="lt1"/>
+          </a:fontRef>
+        </p:style>
+        <p:txBody>
+          <a:bodyPr rtlCol="0" anchor="ctr"/>
+          <a:lstStyle/>
+          <a:p>
+            <a:pPr algn="ctr"/>
+            <a:endParaRPr lang="ko-KR" altLang="en-US"/>
+          </a:p>
+        </p:txBody>
+      </p:sp>
+      <p:sp>
+        <p:nvSpPr>
+          <p:cNvPr id="6" name="타원 5"/>
+          <p:cNvSpPr/>
+          <p:nvPr/>
+        </p:nvSpPr>
+        <p:spPr>
+          <a:xfrm>
+            <a:off x="1084940" y="370268"/>
+            <a:ext cx="268515" cy="268515"/>
+          </a:xfrm>
+          <a:prstGeom prst="ellipse">
+            <a:avLst/>
+          </a:prstGeom>
+          <a:solidFill>
+            <a:schemeClr val="accent2"/>
+          </a:solidFill>
+          <a:ln>
+            <a:noFill/>
+          </a:ln>
+        </p:spPr>
+        <p:style>
+          <a:lnRef idx="2">
+            <a:schemeClr val="accent1">
+              <a:shade val="50000"/>
+            </a:schemeClr>
+          </a:lnRef>
+          <a:fillRef idx="1">
+            <a:schemeClr val="accent1"/>
+          </a:fillRef>
+          <a:effectRef idx="0">
+            <a:schemeClr val="accent1"/>
+          </a:effectRef>
+          <a:fontRef idx="minor">
+            <a:schemeClr val="lt1"/>
+          </a:fontRef>
+        </p:style>
+        <p:txBody>
+          <a:bodyPr rtlCol="0" anchor="ctr"/>
+          <a:lstStyle/>
+          <a:p>
+            <a:pPr algn="ctr"/>
+            <a:endParaRPr lang="ko-KR" altLang="en-US"/>
+          </a:p>
+        </p:txBody>
+      </p:sp>
+      <p:sp>
+        <p:nvSpPr>
+          <p:cNvPr id="7" name="타원 6"/>
+          <p:cNvSpPr/>
+          <p:nvPr/>
+        </p:nvSpPr>
+        <p:spPr>
+          <a:xfrm>
+            <a:off x="1491341" y="370267"/>
+            <a:ext cx="268515" cy="268515"/>
+          </a:xfrm>
+          <a:prstGeom prst="ellipse">
+            <a:avLst/>
+          </a:prstGeom>
+          <a:solidFill>
+            <a:schemeClr val="accent2"/>
+          </a:solidFill>
+          <a:ln>
+            <a:noFill/>
+          </a:ln>
+        </p:spPr>
+        <p:style>
+          <a:lnRef idx="2">
+            <a:schemeClr val="accent1">
+              <a:shade val="50000"/>
+            </a:schemeClr>
+          </a:lnRef>
+          <a:fillRef idx="1">
+            <a:schemeClr val="accent1"/>
+          </a:fillRef>
+          <a:effectRef idx="0">
+            <a:schemeClr val="accent1"/>
+          </a:effectRef>
+          <a:fontRef idx="minor">
+            <a:schemeClr val="lt1"/>
+          </a:fontRef>
+        </p:style>
+        <p:txBody>
+          <a:bodyPr rtlCol="0" anchor="ctr"/>
+          <a:lstStyle/>
+          <a:p>
+            <a:pPr algn="ctr"/>
+            <a:endParaRPr lang="ko-KR" altLang="en-US"/>
+          </a:p>
+        </p:txBody>
+      </p:sp>
+      <p:sp>
+        <p:nvSpPr>
+          <p:cNvPr id="12" name="타원 11"/>
+          <p:cNvSpPr/>
+          <p:nvPr/>
+        </p:nvSpPr>
+        <p:spPr>
+          <a:xfrm>
+            <a:off x="1897742" y="370267"/>
+            <a:ext cx="268515" cy="268515"/>
+          </a:xfrm>
+          <a:prstGeom prst="ellipse">
+            <a:avLst/>
+          </a:prstGeom>
+          <a:solidFill>
+            <a:schemeClr val="accent2"/>
+          </a:solidFill>
+          <a:ln>
+            <a:noFill/>
+          </a:ln>
+        </p:spPr>
+        <p:style>
+          <a:lnRef idx="2">
+            <a:schemeClr val="accent1">
+              <a:shade val="50000"/>
+            </a:schemeClr>
+          </a:lnRef>
+          <a:fillRef idx="1">
+            <a:schemeClr val="accent1"/>
+          </a:fillRef>
+          <a:effectRef idx="0">
+            <a:schemeClr val="accent1"/>
+          </a:effectRef>
+          <a:fontRef idx="minor">
+            <a:schemeClr val="lt1"/>
+          </a:fontRef>
+        </p:style>
+        <p:txBody>
+          <a:bodyPr rtlCol="0" anchor="ctr"/>
+          <a:lstStyle/>
+          <a:p>
+            <a:pPr algn="ctr"/>
+            <a:endParaRPr lang="ko-KR" altLang="en-US"/>
+          </a:p>
+        </p:txBody>
+      </p:sp>
+      <p:sp>
+        <p:nvSpPr>
+          <p:cNvPr id="13" name="타원 12"/>
+          <p:cNvSpPr/>
+          <p:nvPr/>
+        </p:nvSpPr>
+        <p:spPr>
+          <a:xfrm>
+            <a:off x="2304143" y="370266"/>
+            <a:ext cx="268515" cy="268515"/>
+          </a:xfrm>
+          <a:prstGeom prst="ellipse">
+            <a:avLst/>
+          </a:prstGeom>
+          <a:solidFill>
+            <a:schemeClr val="accent2"/>
+          </a:solidFill>
+          <a:ln>
+            <a:noFill/>
+          </a:ln>
+        </p:spPr>
+        <p:style>
+          <a:lnRef idx="2">
+            <a:schemeClr val="accent1">
+              <a:shade val="50000"/>
+            </a:schemeClr>
+          </a:lnRef>
+          <a:fillRef idx="1">
+            <a:schemeClr val="accent1"/>
+          </a:fillRef>
+          <a:effectRef idx="0">
+            <a:schemeClr val="accent1"/>
+          </a:effectRef>
+          <a:fontRef idx="minor">
+            <a:schemeClr val="lt1"/>
+          </a:fontRef>
+        </p:style>
+        <p:txBody>
+          <a:bodyPr rtlCol="0" anchor="ctr"/>
+          <a:lstStyle/>
+          <a:p>
+            <a:pPr algn="ctr"/>
+            <a:endParaRPr lang="ko-KR" altLang="en-US"/>
+          </a:p>
+        </p:txBody>
+      </p:sp>
+      <p:sp>
+        <p:nvSpPr>
+          <p:cNvPr id="14" name="타원 13"/>
+          <p:cNvSpPr/>
+          <p:nvPr/>
+        </p:nvSpPr>
+        <p:spPr>
+          <a:xfrm>
+            <a:off x="2714173" y="370265"/>
+            <a:ext cx="268515" cy="268515"/>
+          </a:xfrm>
+          <a:prstGeom prst="ellipse">
+            <a:avLst/>
+          </a:prstGeom>
+          <a:solidFill>
+            <a:schemeClr val="accent2"/>
+          </a:solidFill>
+          <a:ln>
+            <a:noFill/>
+          </a:ln>
+        </p:spPr>
+        <p:style>
+          <a:lnRef idx="2">
+            <a:schemeClr val="accent1">
+              <a:shade val="50000"/>
+            </a:schemeClr>
+          </a:lnRef>
+          <a:fillRef idx="1">
+            <a:schemeClr val="accent1"/>
+          </a:fillRef>
+          <a:effectRef idx="0">
+            <a:schemeClr val="accent1"/>
+          </a:effectRef>
+          <a:fontRef idx="minor">
+            <a:schemeClr val="lt1"/>
+          </a:fontRef>
+        </p:style>
+        <p:txBody>
+          <a:bodyPr rtlCol="0" anchor="ctr"/>
+          <a:lstStyle/>
+          <a:p>
+            <a:pPr algn="ctr"/>
+            <a:endParaRPr lang="ko-KR" altLang="en-US"/>
+          </a:p>
+        </p:txBody>
+      </p:sp>
+      <p:sp>
+        <p:nvSpPr>
+          <p:cNvPr id="15" name="타원 14"/>
+          <p:cNvSpPr/>
+          <p:nvPr/>
+        </p:nvSpPr>
+        <p:spPr>
+          <a:xfrm>
+            <a:off x="3124203" y="370265"/>
+            <a:ext cx="268515" cy="268515"/>
+          </a:xfrm>
+          <a:prstGeom prst="ellipse">
+            <a:avLst/>
+          </a:prstGeom>
+          <a:solidFill>
+            <a:schemeClr val="accent2"/>
+          </a:solidFill>
+          <a:ln>
+            <a:noFill/>
+          </a:ln>
+        </p:spPr>
+        <p:style>
+          <a:lnRef idx="2">
+            <a:schemeClr val="accent1">
+              <a:shade val="50000"/>
+            </a:schemeClr>
+          </a:lnRef>
+          <a:fillRef idx="1">
+            <a:schemeClr val="accent1"/>
+          </a:fillRef>
+          <a:effectRef idx="0">
+            <a:schemeClr val="accent1"/>
+          </a:effectRef>
+          <a:fontRef idx="minor">
+            <a:schemeClr val="lt1"/>
+          </a:fontRef>
+        </p:style>
+        <p:txBody>
+          <a:bodyPr rtlCol="0" anchor="ctr"/>
+          <a:lstStyle/>
+          <a:p>
+            <a:pPr algn="ctr"/>
+            <a:endParaRPr lang="ko-KR" altLang="en-US"/>
+          </a:p>
+        </p:txBody>
+      </p:sp>
+      <p:sp>
+        <p:nvSpPr>
+          <p:cNvPr id="16" name="타원 15"/>
+          <p:cNvSpPr/>
+          <p:nvPr/>
+        </p:nvSpPr>
+        <p:spPr>
+          <a:xfrm>
+            <a:off x="279396" y="725870"/>
+            <a:ext cx="268515" cy="268515"/>
+          </a:xfrm>
+          <a:prstGeom prst="ellipse">
+            <a:avLst/>
+          </a:prstGeom>
+          <a:solidFill>
+            <a:schemeClr val="accent2"/>
+          </a:solidFill>
+          <a:ln>
+            <a:noFill/>
+          </a:ln>
+        </p:spPr>
+        <p:style>
+          <a:lnRef idx="2">
+            <a:schemeClr val="accent1">
+              <a:shade val="50000"/>
+            </a:schemeClr>
+          </a:lnRef>
+          <a:fillRef idx="1">
+            <a:schemeClr val="accent1"/>
+          </a:fillRef>
+          <a:effectRef idx="0">
+            <a:schemeClr val="accent1"/>
+          </a:effectRef>
+          <a:fontRef idx="minor">
+            <a:schemeClr val="lt1"/>
+          </a:fontRef>
+        </p:style>
+        <p:txBody>
+          <a:bodyPr rtlCol="0" anchor="ctr"/>
+          <a:lstStyle/>
+          <a:p>
+            <a:pPr algn="ctr"/>
+            <a:endParaRPr lang="ko-KR" altLang="en-US"/>
+          </a:p>
+        </p:txBody>
+      </p:sp>
+      <p:sp>
+        <p:nvSpPr>
+          <p:cNvPr id="17" name="타원 16"/>
+          <p:cNvSpPr/>
+          <p:nvPr/>
+        </p:nvSpPr>
+        <p:spPr>
+          <a:xfrm>
+            <a:off x="682168" y="725869"/>
+            <a:ext cx="268515" cy="268515"/>
+          </a:xfrm>
+          <a:prstGeom prst="ellipse">
+            <a:avLst/>
+          </a:prstGeom>
+          <a:solidFill>
+            <a:schemeClr val="accent2"/>
+          </a:solidFill>
+          <a:ln>
+            <a:noFill/>
+          </a:ln>
+        </p:spPr>
+        <p:style>
+          <a:lnRef idx="2">
+            <a:schemeClr val="accent1">
+              <a:shade val="50000"/>
+            </a:schemeClr>
+          </a:lnRef>
+          <a:fillRef idx="1">
+            <a:schemeClr val="accent1"/>
+          </a:fillRef>
+          <a:effectRef idx="0">
+            <a:schemeClr val="accent1"/>
+          </a:effectRef>
+          <a:fontRef idx="minor">
+            <a:schemeClr val="lt1"/>
+          </a:fontRef>
+        </p:style>
+        <p:txBody>
+          <a:bodyPr rtlCol="0" anchor="ctr"/>
+          <a:lstStyle/>
+          <a:p>
+            <a:pPr algn="ctr"/>
+            <a:endParaRPr lang="ko-KR" altLang="en-US"/>
+          </a:p>
+        </p:txBody>
+      </p:sp>
+      <p:sp>
+        <p:nvSpPr>
+          <p:cNvPr id="18" name="타원 17"/>
+          <p:cNvSpPr/>
+          <p:nvPr/>
+        </p:nvSpPr>
+        <p:spPr>
+          <a:xfrm>
+            <a:off x="1084940" y="725868"/>
+            <a:ext cx="268515" cy="268515"/>
+          </a:xfrm>
+          <a:prstGeom prst="ellipse">
+            <a:avLst/>
+          </a:prstGeom>
+          <a:solidFill>
+            <a:schemeClr val="accent2"/>
+          </a:solidFill>
+          <a:ln>
+            <a:noFill/>
+          </a:ln>
+        </p:spPr>
+        <p:style>
+          <a:lnRef idx="2">
+            <a:schemeClr val="accent1">
+              <a:shade val="50000"/>
+            </a:schemeClr>
+          </a:lnRef>
+          <a:fillRef idx="1">
+            <a:schemeClr val="accent1"/>
+          </a:fillRef>
+          <a:effectRef idx="0">
+            <a:schemeClr val="accent1"/>
+          </a:effectRef>
+          <a:fontRef idx="minor">
+            <a:schemeClr val="lt1"/>
+          </a:fontRef>
+        </p:style>
+        <p:txBody>
+          <a:bodyPr rtlCol="0" anchor="ctr"/>
+          <a:lstStyle/>
+          <a:p>
+            <a:pPr algn="ctr"/>
+            <a:endParaRPr lang="ko-KR" altLang="en-US"/>
+          </a:p>
+        </p:txBody>
+      </p:sp>
+      <p:sp>
+        <p:nvSpPr>
+          <p:cNvPr id="19" name="타원 18"/>
+          <p:cNvSpPr/>
+          <p:nvPr/>
+        </p:nvSpPr>
+        <p:spPr>
+          <a:xfrm>
+            <a:off x="1491341" y="725867"/>
+            <a:ext cx="268515" cy="268515"/>
+          </a:xfrm>
+          <a:prstGeom prst="ellipse">
+            <a:avLst/>
+          </a:prstGeom>
+          <a:solidFill>
+            <a:schemeClr val="accent2"/>
+          </a:solidFill>
+          <a:ln>
+            <a:noFill/>
+          </a:ln>
+        </p:spPr>
+        <p:style>
+          <a:lnRef idx="2">
+            <a:schemeClr val="accent1">
+              <a:shade val="50000"/>
+            </a:schemeClr>
+          </a:lnRef>
+          <a:fillRef idx="1">
+            <a:schemeClr val="accent1"/>
+          </a:fillRef>
+          <a:effectRef idx="0">
+            <a:schemeClr val="accent1"/>
+          </a:effectRef>
+          <a:fontRef idx="minor">
+            <a:schemeClr val="lt1"/>
+          </a:fontRef>
+        </p:style>
+        <p:txBody>
+          <a:bodyPr rtlCol="0" anchor="ctr"/>
+          <a:lstStyle/>
+          <a:p>
+            <a:pPr algn="ctr"/>
+            <a:endParaRPr lang="ko-KR" altLang="en-US"/>
+          </a:p>
+        </p:txBody>
+      </p:sp>
+      <p:sp>
+        <p:nvSpPr>
+          <p:cNvPr id="20" name="타원 19"/>
+          <p:cNvSpPr/>
+          <p:nvPr/>
+        </p:nvSpPr>
+        <p:spPr>
+          <a:xfrm>
+            <a:off x="1897742" y="725867"/>
+            <a:ext cx="268515" cy="268515"/>
+          </a:xfrm>
+          <a:prstGeom prst="ellipse">
+            <a:avLst/>
+          </a:prstGeom>
+          <a:solidFill>
+            <a:schemeClr val="accent2"/>
+          </a:solidFill>
+          <a:ln>
+            <a:noFill/>
+          </a:ln>
+        </p:spPr>
+        <p:style>
+          <a:lnRef idx="2">
+            <a:schemeClr val="accent1">
+              <a:shade val="50000"/>
+            </a:schemeClr>
+          </a:lnRef>
+          <a:fillRef idx="1">
+            <a:schemeClr val="accent1"/>
+          </a:fillRef>
+          <a:effectRef idx="0">
+            <a:schemeClr val="accent1"/>
+          </a:effectRef>
+          <a:fontRef idx="minor">
+            <a:schemeClr val="lt1"/>
+          </a:fontRef>
+        </p:style>
+        <p:txBody>
+          <a:bodyPr rtlCol="0" anchor="ctr"/>
+          <a:lstStyle/>
+          <a:p>
+            <a:pPr algn="ctr"/>
+            <a:endParaRPr lang="ko-KR" altLang="en-US"/>
+          </a:p>
+        </p:txBody>
+      </p:sp>
+      <p:sp>
+        <p:nvSpPr>
+          <p:cNvPr id="21" name="타원 20"/>
+          <p:cNvSpPr/>
+          <p:nvPr/>
+        </p:nvSpPr>
+        <p:spPr>
+          <a:xfrm>
+            <a:off x="2304143" y="725866"/>
+            <a:ext cx="268515" cy="268515"/>
+          </a:xfrm>
+          <a:prstGeom prst="ellipse">
+            <a:avLst/>
+          </a:prstGeom>
+          <a:solidFill>
+            <a:schemeClr val="accent2"/>
+          </a:solidFill>
+          <a:ln>
+            <a:noFill/>
+          </a:ln>
+        </p:spPr>
+        <p:style>
+          <a:lnRef idx="2">
+            <a:schemeClr val="accent1">
+              <a:shade val="50000"/>
+            </a:schemeClr>
+          </a:lnRef>
+          <a:fillRef idx="1">
+            <a:schemeClr val="accent1"/>
+          </a:fillRef>
+          <a:effectRef idx="0">
+            <a:schemeClr val="accent1"/>
+          </a:effectRef>
+          <a:fontRef idx="minor">
+            <a:schemeClr val="lt1"/>
+          </a:fontRef>
+        </p:style>
+        <p:txBody>
+          <a:bodyPr rtlCol="0" anchor="ctr"/>
+          <a:lstStyle/>
+          <a:p>
+            <a:pPr algn="ctr"/>
+            <a:endParaRPr lang="ko-KR" altLang="en-US"/>
+          </a:p>
+        </p:txBody>
+      </p:sp>
+      <p:sp>
+        <p:nvSpPr>
+          <p:cNvPr id="22" name="타원 21"/>
+          <p:cNvSpPr/>
+          <p:nvPr/>
+        </p:nvSpPr>
+        <p:spPr>
+          <a:xfrm>
+            <a:off x="2714173" y="725865"/>
+            <a:ext cx="268515" cy="268515"/>
+          </a:xfrm>
+          <a:prstGeom prst="ellipse">
+            <a:avLst/>
+          </a:prstGeom>
+          <a:solidFill>
+            <a:schemeClr val="accent2"/>
+          </a:solidFill>
+          <a:ln>
+            <a:noFill/>
+          </a:ln>
+        </p:spPr>
+        <p:style>
+          <a:lnRef idx="2">
+            <a:schemeClr val="accent1">
+              <a:shade val="50000"/>
+            </a:schemeClr>
+          </a:lnRef>
+          <a:fillRef idx="1">
+            <a:schemeClr val="accent1"/>
+          </a:fillRef>
+          <a:effectRef idx="0">
+            <a:schemeClr val="accent1"/>
+          </a:effectRef>
+          <a:fontRef idx="minor">
+            <a:schemeClr val="lt1"/>
+          </a:fontRef>
+        </p:style>
+        <p:txBody>
+          <a:bodyPr rtlCol="0" anchor="ctr"/>
+          <a:lstStyle/>
+          <a:p>
+            <a:pPr algn="ctr"/>
+            <a:endParaRPr lang="ko-KR" altLang="en-US"/>
+          </a:p>
+        </p:txBody>
+      </p:sp>
+      <p:sp>
+        <p:nvSpPr>
+          <p:cNvPr id="23" name="타원 22"/>
+          <p:cNvSpPr/>
+          <p:nvPr/>
+        </p:nvSpPr>
+        <p:spPr>
+          <a:xfrm>
+            <a:off x="3124203" y="725865"/>
+            <a:ext cx="268515" cy="268515"/>
+          </a:xfrm>
+          <a:prstGeom prst="ellipse">
+            <a:avLst/>
+          </a:prstGeom>
+          <a:solidFill>
+            <a:schemeClr val="accent2"/>
+          </a:solidFill>
+          <a:ln>
+            <a:noFill/>
+          </a:ln>
+        </p:spPr>
+        <p:style>
+          <a:lnRef idx="2">
+            <a:schemeClr val="accent1">
+              <a:shade val="50000"/>
+            </a:schemeClr>
+          </a:lnRef>
+          <a:fillRef idx="1">
+            <a:schemeClr val="accent1"/>
+          </a:fillRef>
+          <a:effectRef idx="0">
+            <a:schemeClr val="accent1"/>
+          </a:effectRef>
+          <a:fontRef idx="minor">
+            <a:schemeClr val="lt1"/>
+          </a:fontRef>
+        </p:style>
+        <p:txBody>
+          <a:bodyPr rtlCol="0" anchor="ctr"/>
+          <a:lstStyle/>
+          <a:p>
+            <a:pPr algn="ctr"/>
+            <a:endParaRPr lang="ko-KR" altLang="en-US"/>
+          </a:p>
+        </p:txBody>
+      </p:sp>
+      <p:sp>
+        <p:nvSpPr>
+          <p:cNvPr id="24" name="타원 23"/>
+          <p:cNvSpPr/>
+          <p:nvPr/>
+        </p:nvSpPr>
+        <p:spPr>
+          <a:xfrm>
+            <a:off x="279396" y="1081470"/>
+            <a:ext cx="268515" cy="268515"/>
+          </a:xfrm>
+          <a:prstGeom prst="ellipse">
+            <a:avLst/>
+          </a:prstGeom>
+          <a:solidFill>
+            <a:schemeClr val="accent2"/>
+          </a:solidFill>
+          <a:ln>
+            <a:noFill/>
+          </a:ln>
+        </p:spPr>
+        <p:style>
+          <a:lnRef idx="2">
+            <a:schemeClr val="accent1">
+              <a:shade val="50000"/>
+            </a:schemeClr>
+          </a:lnRef>
+          <a:fillRef idx="1">
+            <a:schemeClr val="accent1"/>
+          </a:fillRef>
+          <a:effectRef idx="0">
+            <a:schemeClr val="accent1"/>
+          </a:effectRef>
+          <a:fontRef idx="minor">
+            <a:schemeClr val="lt1"/>
+          </a:fontRef>
+        </p:style>
+        <p:txBody>
+          <a:bodyPr rtlCol="0" anchor="ctr"/>
+          <a:lstStyle/>
+          <a:p>
+            <a:pPr algn="ctr"/>
+            <a:endParaRPr lang="ko-KR" altLang="en-US"/>
+          </a:p>
+        </p:txBody>
+      </p:sp>
+      <p:sp>
+        <p:nvSpPr>
+          <p:cNvPr id="25" name="타원 24"/>
+          <p:cNvSpPr/>
+          <p:nvPr/>
+        </p:nvSpPr>
+        <p:spPr>
+          <a:xfrm>
+            <a:off x="682168" y="1081469"/>
+            <a:ext cx="268515" cy="268515"/>
+          </a:xfrm>
+          <a:prstGeom prst="ellipse">
+            <a:avLst/>
+          </a:prstGeom>
+          <a:solidFill>
+            <a:schemeClr val="accent2"/>
+          </a:solidFill>
+          <a:ln>
+            <a:noFill/>
+          </a:ln>
+        </p:spPr>
+        <p:style>
+          <a:lnRef idx="2">
+            <a:schemeClr val="accent1">
+              <a:shade val="50000"/>
+            </a:schemeClr>
+          </a:lnRef>
+          <a:fillRef idx="1">
+            <a:schemeClr val="accent1"/>
+          </a:fillRef>
+          <a:effectRef idx="0">
+            <a:schemeClr val="accent1"/>
+          </a:effectRef>
+          <a:fontRef idx="minor">
+            <a:schemeClr val="lt1"/>
+          </a:fontRef>
+        </p:style>
+        <p:txBody>
+          <a:bodyPr rtlCol="0" anchor="ctr"/>
+          <a:lstStyle/>
+          <a:p>
+            <a:pPr algn="ctr"/>
+            <a:endParaRPr lang="ko-KR" altLang="en-US"/>
+          </a:p>
+        </p:txBody>
+      </p:sp>
+      <p:sp>
+        <p:nvSpPr>
+          <p:cNvPr id="26" name="타원 25"/>
+          <p:cNvSpPr/>
+          <p:nvPr/>
+        </p:nvSpPr>
+        <p:spPr>
+          <a:xfrm>
+            <a:off x="1084940" y="1081468"/>
+            <a:ext cx="268515" cy="268515"/>
+          </a:xfrm>
+          <a:prstGeom prst="ellipse">
+            <a:avLst/>
+          </a:prstGeom>
+          <a:solidFill>
+            <a:schemeClr val="accent2"/>
+          </a:solidFill>
+          <a:ln>
+            <a:noFill/>
+          </a:ln>
+        </p:spPr>
+        <p:style>
+          <a:lnRef idx="2">
+            <a:schemeClr val="accent1">
+              <a:shade val="50000"/>
+            </a:schemeClr>
+          </a:lnRef>
+          <a:fillRef idx="1">
+            <a:schemeClr val="accent1"/>
+          </a:fillRef>
+          <a:effectRef idx="0">
+            <a:schemeClr val="accent1"/>
+          </a:effectRef>
+          <a:fontRef idx="minor">
+            <a:schemeClr val="lt1"/>
+          </a:fontRef>
+        </p:style>
+        <p:txBody>
+          <a:bodyPr rtlCol="0" anchor="ctr"/>
+          <a:lstStyle/>
+          <a:p>
+            <a:pPr algn="ctr"/>
+            <a:endParaRPr lang="ko-KR" altLang="en-US"/>
+          </a:p>
+        </p:txBody>
+      </p:sp>
+      <p:sp>
+        <p:nvSpPr>
+          <p:cNvPr id="27" name="타원 26"/>
+          <p:cNvSpPr/>
+          <p:nvPr/>
+        </p:nvSpPr>
+        <p:spPr>
+          <a:xfrm>
+            <a:off x="1491341" y="1081467"/>
+            <a:ext cx="268515" cy="268515"/>
+          </a:xfrm>
+          <a:prstGeom prst="ellipse">
+            <a:avLst/>
+          </a:prstGeom>
+          <a:solidFill>
+            <a:schemeClr val="accent2"/>
+          </a:solidFill>
+          <a:ln>
+            <a:noFill/>
+          </a:ln>
+        </p:spPr>
+        <p:style>
+          <a:lnRef idx="2">
+            <a:schemeClr val="accent1">
+              <a:shade val="50000"/>
+            </a:schemeClr>
+          </a:lnRef>
+          <a:fillRef idx="1">
+            <a:schemeClr val="accent1"/>
+          </a:fillRef>
+          <a:effectRef idx="0">
+            <a:schemeClr val="accent1"/>
+          </a:effectRef>
+          <a:fontRef idx="minor">
+            <a:schemeClr val="lt1"/>
+          </a:fontRef>
+        </p:style>
+        <p:txBody>
+          <a:bodyPr rtlCol="0" anchor="ctr"/>
+          <a:lstStyle/>
+          <a:p>
+            <a:pPr algn="ctr"/>
+            <a:endParaRPr lang="ko-KR" altLang="en-US"/>
+          </a:p>
+        </p:txBody>
+      </p:sp>
+      <p:sp>
+        <p:nvSpPr>
+          <p:cNvPr id="28" name="타원 27"/>
+          <p:cNvSpPr/>
+          <p:nvPr/>
+        </p:nvSpPr>
+        <p:spPr>
+          <a:xfrm>
+            <a:off x="1897742" y="1081467"/>
+            <a:ext cx="268515" cy="268515"/>
+          </a:xfrm>
+          <a:prstGeom prst="ellipse">
+            <a:avLst/>
+          </a:prstGeom>
+          <a:solidFill>
+            <a:schemeClr val="accent2"/>
+          </a:solidFill>
+          <a:ln>
+            <a:noFill/>
+          </a:ln>
+        </p:spPr>
+        <p:style>
+          <a:lnRef idx="2">
+            <a:schemeClr val="accent1">
+              <a:shade val="50000"/>
+            </a:schemeClr>
+          </a:lnRef>
+          <a:fillRef idx="1">
+            <a:schemeClr val="accent1"/>
+          </a:fillRef>
+          <a:effectRef idx="0">
+            <a:schemeClr val="accent1"/>
+          </a:effectRef>
+          <a:fontRef idx="minor">
+            <a:schemeClr val="lt1"/>
+          </a:fontRef>
+        </p:style>
+        <p:txBody>
+          <a:bodyPr rtlCol="0" anchor="ctr"/>
+          <a:lstStyle/>
+          <a:p>
+            <a:pPr algn="ctr"/>
+            <a:endParaRPr lang="ko-KR" altLang="en-US"/>
+          </a:p>
+        </p:txBody>
+      </p:sp>
+      <p:sp>
+        <p:nvSpPr>
+          <p:cNvPr id="29" name="타원 28"/>
+          <p:cNvSpPr/>
+          <p:nvPr/>
+        </p:nvSpPr>
+        <p:spPr>
+          <a:xfrm>
+            <a:off x="2304143" y="1081466"/>
+            <a:ext cx="268515" cy="268515"/>
+          </a:xfrm>
+          <a:prstGeom prst="ellipse">
+            <a:avLst/>
+          </a:prstGeom>
+          <a:solidFill>
+            <a:schemeClr val="accent2"/>
+          </a:solidFill>
+          <a:ln>
+            <a:noFill/>
+          </a:ln>
+        </p:spPr>
+        <p:style>
+          <a:lnRef idx="2">
+            <a:schemeClr val="accent1">
+              <a:shade val="50000"/>
+            </a:schemeClr>
+          </a:lnRef>
+          <a:fillRef idx="1">
+            <a:schemeClr val="accent1"/>
+          </a:fillRef>
+          <a:effectRef idx="0">
+            <a:schemeClr val="accent1"/>
+          </a:effectRef>
+          <a:fontRef idx="minor">
+            <a:schemeClr val="lt1"/>
+          </a:fontRef>
+        </p:style>
+        <p:txBody>
+          <a:bodyPr rtlCol="0" anchor="ctr"/>
+          <a:lstStyle/>
+          <a:p>
+            <a:pPr algn="ctr"/>
+            <a:endParaRPr lang="ko-KR" altLang="en-US"/>
+          </a:p>
+        </p:txBody>
+      </p:sp>
+      <p:sp>
+        <p:nvSpPr>
+          <p:cNvPr id="30" name="타원 29"/>
+          <p:cNvSpPr/>
+          <p:nvPr/>
+        </p:nvSpPr>
+        <p:spPr>
+          <a:xfrm>
+            <a:off x="2714173" y="1081465"/>
+            <a:ext cx="268515" cy="268515"/>
+          </a:xfrm>
+          <a:prstGeom prst="ellipse">
+            <a:avLst/>
+          </a:prstGeom>
+          <a:solidFill>
+            <a:schemeClr val="accent2"/>
+          </a:solidFill>
+          <a:ln>
+            <a:noFill/>
+          </a:ln>
+        </p:spPr>
+        <p:style>
+          <a:lnRef idx="2">
+            <a:schemeClr val="accent1">
+              <a:shade val="50000"/>
+            </a:schemeClr>
+          </a:lnRef>
+          <a:fillRef idx="1">
+            <a:schemeClr val="accent1"/>
+          </a:fillRef>
+          <a:effectRef idx="0">
+            <a:schemeClr val="accent1"/>
+          </a:effectRef>
+          <a:fontRef idx="minor">
+            <a:schemeClr val="lt1"/>
+          </a:fontRef>
+        </p:style>
+        <p:txBody>
+          <a:bodyPr rtlCol="0" anchor="ctr"/>
+          <a:lstStyle/>
+          <a:p>
+            <a:pPr algn="ctr"/>
+            <a:endParaRPr lang="ko-KR" altLang="en-US"/>
+          </a:p>
+        </p:txBody>
+      </p:sp>
+      <p:sp>
+        <p:nvSpPr>
+          <p:cNvPr id="31" name="타원 30"/>
+          <p:cNvSpPr/>
+          <p:nvPr/>
+        </p:nvSpPr>
+        <p:spPr>
+          <a:xfrm>
+            <a:off x="3124203" y="1081465"/>
+            <a:ext cx="268515" cy="268515"/>
+          </a:xfrm>
+          <a:prstGeom prst="ellipse">
+            <a:avLst/>
+          </a:prstGeom>
+          <a:solidFill>
+            <a:schemeClr val="accent2"/>
+          </a:solidFill>
+          <a:ln>
+            <a:noFill/>
+          </a:ln>
+        </p:spPr>
+        <p:style>
+          <a:lnRef idx="2">
+            <a:schemeClr val="accent1">
+              <a:shade val="50000"/>
+            </a:schemeClr>
+          </a:lnRef>
+          <a:fillRef idx="1">
+            <a:schemeClr val="accent1"/>
+          </a:fillRef>
+          <a:effectRef idx="0">
+            <a:schemeClr val="accent1"/>
+          </a:effectRef>
+          <a:fontRef idx="minor">
+            <a:schemeClr val="lt1"/>
+          </a:fontRef>
+        </p:style>
+        <p:txBody>
+          <a:bodyPr rtlCol="0" anchor="ctr"/>
+          <a:lstStyle/>
+          <a:p>
+            <a:pPr algn="ctr"/>
+            <a:endParaRPr lang="ko-KR" altLang="en-US"/>
+          </a:p>
+        </p:txBody>
+      </p:sp>
+      <p:sp>
+        <p:nvSpPr>
+          <p:cNvPr id="171" name="타원 170"/>
+          <p:cNvSpPr/>
+          <p:nvPr/>
+        </p:nvSpPr>
+        <p:spPr>
+          <a:xfrm>
+            <a:off x="3530604" y="370268"/>
+            <a:ext cx="268515" cy="268515"/>
+          </a:xfrm>
+          <a:prstGeom prst="ellipse">
+            <a:avLst/>
+          </a:prstGeom>
+          <a:solidFill>
+            <a:srgbClr val="FFC000"/>
+          </a:solidFill>
+          <a:ln>
+            <a:noFill/>
+          </a:ln>
+        </p:spPr>
+        <p:style>
+          <a:lnRef idx="2">
+            <a:schemeClr val="accent1">
+              <a:shade val="50000"/>
+            </a:schemeClr>
+          </a:lnRef>
+          <a:fillRef idx="1">
+            <a:schemeClr val="accent1"/>
+          </a:fillRef>
+          <a:effectRef idx="0">
+            <a:schemeClr val="accent1"/>
+          </a:effectRef>
+          <a:fontRef idx="minor">
+            <a:schemeClr val="lt1"/>
+          </a:fontRef>
+        </p:style>
+        <p:txBody>
+          <a:bodyPr rtlCol="0" anchor="ctr"/>
+          <a:lstStyle/>
+          <a:p>
+            <a:pPr algn="ctr"/>
+            <a:endParaRPr lang="ko-KR" altLang="en-US"/>
+          </a:p>
+        </p:txBody>
+      </p:sp>
+      <p:sp>
+        <p:nvSpPr>
+          <p:cNvPr id="173" name="타원 172"/>
+          <p:cNvSpPr/>
+          <p:nvPr/>
+        </p:nvSpPr>
+        <p:spPr>
+          <a:xfrm>
+            <a:off x="3937005" y="370267"/>
+            <a:ext cx="268515" cy="268515"/>
+          </a:xfrm>
+          <a:prstGeom prst="ellipse">
+            <a:avLst/>
+          </a:prstGeom>
+          <a:solidFill>
+            <a:srgbClr val="FFC000"/>
+          </a:solidFill>
+          <a:ln>
+            <a:noFill/>
+          </a:ln>
+        </p:spPr>
+        <p:style>
+          <a:lnRef idx="2">
+            <a:schemeClr val="accent1">
+              <a:shade val="50000"/>
+            </a:schemeClr>
+          </a:lnRef>
+          <a:fillRef idx="1">
+            <a:schemeClr val="accent1"/>
+          </a:fillRef>
+          <a:effectRef idx="0">
+            <a:schemeClr val="accent1"/>
+          </a:effectRef>
+          <a:fontRef idx="minor">
+            <a:schemeClr val="lt1"/>
+          </a:fontRef>
+        </p:style>
+        <p:txBody>
+          <a:bodyPr rtlCol="0" anchor="ctr"/>
+          <a:lstStyle/>
+          <a:p>
+            <a:pPr algn="ctr"/>
+            <a:endParaRPr lang="ko-KR" altLang="en-US"/>
+          </a:p>
+        </p:txBody>
+      </p:sp>
+      <p:sp>
+        <p:nvSpPr>
+          <p:cNvPr id="174" name="타원 173"/>
+          <p:cNvSpPr/>
+          <p:nvPr/>
+        </p:nvSpPr>
+        <p:spPr>
+          <a:xfrm>
+            <a:off x="4343406" y="370267"/>
+            <a:ext cx="268515" cy="268515"/>
+          </a:xfrm>
+          <a:prstGeom prst="ellipse">
+            <a:avLst/>
+          </a:prstGeom>
+          <a:solidFill>
+            <a:srgbClr val="FFC000"/>
+          </a:solidFill>
+          <a:ln>
+            <a:noFill/>
+          </a:ln>
+        </p:spPr>
+        <p:style>
+          <a:lnRef idx="2">
+            <a:schemeClr val="accent1">
+              <a:shade val="50000"/>
+            </a:schemeClr>
+          </a:lnRef>
+          <a:fillRef idx="1">
+            <a:schemeClr val="accent1"/>
+          </a:fillRef>
+          <a:effectRef idx="0">
+            <a:schemeClr val="accent1"/>
+          </a:effectRef>
+          <a:fontRef idx="minor">
+            <a:schemeClr val="lt1"/>
+          </a:fontRef>
+        </p:style>
+        <p:txBody>
+          <a:bodyPr rtlCol="0" anchor="ctr"/>
+          <a:lstStyle/>
+          <a:p>
+            <a:pPr algn="ctr"/>
+            <a:endParaRPr lang="ko-KR" altLang="en-US"/>
+          </a:p>
+        </p:txBody>
+      </p:sp>
+      <p:sp>
+        <p:nvSpPr>
+          <p:cNvPr id="193" name="타원 192"/>
+          <p:cNvSpPr/>
+          <p:nvPr/>
+        </p:nvSpPr>
+        <p:spPr>
+          <a:xfrm>
+            <a:off x="4749807" y="370266"/>
+            <a:ext cx="268515" cy="268515"/>
+          </a:xfrm>
+          <a:prstGeom prst="ellipse">
+            <a:avLst/>
+          </a:prstGeom>
+          <a:solidFill>
+            <a:srgbClr val="FFC000"/>
+          </a:solidFill>
+          <a:ln>
+            <a:noFill/>
+          </a:ln>
+        </p:spPr>
+        <p:style>
+          <a:lnRef idx="2">
+            <a:schemeClr val="accent1">
+              <a:shade val="50000"/>
+            </a:schemeClr>
+          </a:lnRef>
+          <a:fillRef idx="1">
+            <a:schemeClr val="accent1"/>
+          </a:fillRef>
+          <a:effectRef idx="0">
+            <a:schemeClr val="accent1"/>
+          </a:effectRef>
+          <a:fontRef idx="minor">
+            <a:schemeClr val="lt1"/>
+          </a:fontRef>
+        </p:style>
+        <p:txBody>
+          <a:bodyPr rtlCol="0" anchor="ctr"/>
+          <a:lstStyle/>
+          <a:p>
+            <a:pPr algn="ctr"/>
+            <a:endParaRPr lang="ko-KR" altLang="en-US"/>
+          </a:p>
+        </p:txBody>
+      </p:sp>
+      <p:sp>
+        <p:nvSpPr>
+          <p:cNvPr id="194" name="타원 193"/>
+          <p:cNvSpPr/>
+          <p:nvPr/>
+        </p:nvSpPr>
+        <p:spPr>
+          <a:xfrm>
+            <a:off x="5159837" y="370265"/>
+            <a:ext cx="268515" cy="268515"/>
+          </a:xfrm>
+          <a:prstGeom prst="ellipse">
+            <a:avLst/>
+          </a:prstGeom>
+          <a:solidFill>
+            <a:srgbClr val="FFC000"/>
+          </a:solidFill>
+          <a:ln>
+            <a:noFill/>
+          </a:ln>
+        </p:spPr>
+        <p:style>
+          <a:lnRef idx="2">
+            <a:schemeClr val="accent1">
+              <a:shade val="50000"/>
+            </a:schemeClr>
+          </a:lnRef>
+          <a:fillRef idx="1">
+            <a:schemeClr val="accent1"/>
+          </a:fillRef>
+          <a:effectRef idx="0">
+            <a:schemeClr val="accent1"/>
+          </a:effectRef>
+          <a:fontRef idx="minor">
+            <a:schemeClr val="lt1"/>
+          </a:fontRef>
+        </p:style>
+        <p:txBody>
+          <a:bodyPr rtlCol="0" anchor="ctr"/>
+          <a:lstStyle/>
+          <a:p>
+            <a:pPr algn="ctr"/>
+            <a:endParaRPr lang="ko-KR" altLang="en-US"/>
+          </a:p>
+        </p:txBody>
+      </p:sp>
+      <p:sp>
+        <p:nvSpPr>
+          <p:cNvPr id="195" name="타원 194"/>
+          <p:cNvSpPr/>
+          <p:nvPr/>
+        </p:nvSpPr>
+        <p:spPr>
+          <a:xfrm>
+            <a:off x="5569867" y="370265"/>
+            <a:ext cx="268515" cy="268515"/>
+          </a:xfrm>
+          <a:prstGeom prst="ellipse">
+            <a:avLst/>
+          </a:prstGeom>
+          <a:solidFill>
+            <a:srgbClr val="FFC000"/>
+          </a:solidFill>
+          <a:ln>
+            <a:noFill/>
+          </a:ln>
+        </p:spPr>
+        <p:style>
+          <a:lnRef idx="2">
+            <a:schemeClr val="accent1">
+              <a:shade val="50000"/>
+            </a:schemeClr>
+          </a:lnRef>
+          <a:fillRef idx="1">
+            <a:schemeClr val="accent1"/>
+          </a:fillRef>
+          <a:effectRef idx="0">
+            <a:schemeClr val="accent1"/>
+          </a:effectRef>
+          <a:fontRef idx="minor">
+            <a:schemeClr val="lt1"/>
+          </a:fontRef>
+        </p:style>
+        <p:txBody>
+          <a:bodyPr rtlCol="0" anchor="ctr"/>
+          <a:lstStyle/>
+          <a:p>
+            <a:pPr algn="ctr"/>
+            <a:endParaRPr lang="ko-KR" altLang="en-US"/>
+          </a:p>
+        </p:txBody>
+      </p:sp>
+      <p:sp>
+        <p:nvSpPr>
+          <p:cNvPr id="196" name="타원 195"/>
+          <p:cNvSpPr/>
+          <p:nvPr/>
+        </p:nvSpPr>
+        <p:spPr>
+          <a:xfrm>
+            <a:off x="3530604" y="725868"/>
+            <a:ext cx="268515" cy="268515"/>
+          </a:xfrm>
+          <a:prstGeom prst="ellipse">
+            <a:avLst/>
+          </a:prstGeom>
+          <a:solidFill>
+            <a:srgbClr val="FFC000"/>
+          </a:solidFill>
+          <a:ln>
+            <a:noFill/>
+          </a:ln>
+        </p:spPr>
+        <p:style>
+          <a:lnRef idx="2">
+            <a:schemeClr val="accent1">
+              <a:shade val="50000"/>
+            </a:schemeClr>
+          </a:lnRef>
+          <a:fillRef idx="1">
+            <a:schemeClr val="accent1"/>
+          </a:fillRef>
+          <a:effectRef idx="0">
+            <a:schemeClr val="accent1"/>
+          </a:effectRef>
+          <a:fontRef idx="minor">
+            <a:schemeClr val="lt1"/>
+          </a:fontRef>
+        </p:style>
+        <p:txBody>
+          <a:bodyPr rtlCol="0" anchor="ctr"/>
+          <a:lstStyle/>
+          <a:p>
+            <a:pPr algn="ctr"/>
+            <a:endParaRPr lang="ko-KR" altLang="en-US"/>
+          </a:p>
+        </p:txBody>
+      </p:sp>
+      <p:sp>
+        <p:nvSpPr>
+          <p:cNvPr id="197" name="타원 196"/>
+          <p:cNvSpPr/>
+          <p:nvPr/>
+        </p:nvSpPr>
+        <p:spPr>
+          <a:xfrm>
+            <a:off x="3937005" y="725867"/>
+            <a:ext cx="268515" cy="268515"/>
+          </a:xfrm>
+          <a:prstGeom prst="ellipse">
+            <a:avLst/>
+          </a:prstGeom>
+          <a:solidFill>
+            <a:srgbClr val="FFC000"/>
+          </a:solidFill>
+          <a:ln>
+            <a:noFill/>
+          </a:ln>
+        </p:spPr>
+        <p:style>
+          <a:lnRef idx="2">
+            <a:schemeClr val="accent1">
+              <a:shade val="50000"/>
+            </a:schemeClr>
+          </a:lnRef>
+          <a:fillRef idx="1">
+            <a:schemeClr val="accent1"/>
+          </a:fillRef>
+          <a:effectRef idx="0">
+            <a:schemeClr val="accent1"/>
+          </a:effectRef>
+          <a:fontRef idx="minor">
+            <a:schemeClr val="lt1"/>
+          </a:fontRef>
+        </p:style>
+        <p:txBody>
+          <a:bodyPr rtlCol="0" anchor="ctr"/>
+          <a:lstStyle/>
+          <a:p>
+            <a:pPr algn="ctr"/>
+            <a:endParaRPr lang="ko-KR" altLang="en-US"/>
+          </a:p>
+        </p:txBody>
+      </p:sp>
+      <p:sp>
+        <p:nvSpPr>
+          <p:cNvPr id="198" name="타원 197"/>
+          <p:cNvSpPr/>
+          <p:nvPr/>
+        </p:nvSpPr>
+        <p:spPr>
+          <a:xfrm>
+            <a:off x="4343406" y="725867"/>
+            <a:ext cx="268515" cy="268515"/>
+          </a:xfrm>
+          <a:prstGeom prst="ellipse">
+            <a:avLst/>
+          </a:prstGeom>
+          <a:solidFill>
+            <a:srgbClr val="FFC000"/>
+          </a:solidFill>
+          <a:ln>
+            <a:noFill/>
+          </a:ln>
+        </p:spPr>
+        <p:style>
+          <a:lnRef idx="2">
+            <a:schemeClr val="accent1">
+              <a:shade val="50000"/>
+            </a:schemeClr>
+          </a:lnRef>
+          <a:fillRef idx="1">
+            <a:schemeClr val="accent1"/>
+          </a:fillRef>
+          <a:effectRef idx="0">
+            <a:schemeClr val="accent1"/>
+          </a:effectRef>
+          <a:fontRef idx="minor">
+            <a:schemeClr val="lt1"/>
+          </a:fontRef>
+        </p:style>
+        <p:txBody>
+          <a:bodyPr rtlCol="0" anchor="ctr"/>
+          <a:lstStyle/>
+          <a:p>
+            <a:pPr algn="ctr"/>
+            <a:endParaRPr lang="ko-KR" altLang="en-US"/>
+          </a:p>
+        </p:txBody>
+      </p:sp>
+      <p:sp>
+        <p:nvSpPr>
+          <p:cNvPr id="199" name="타원 198"/>
+          <p:cNvSpPr/>
+          <p:nvPr/>
+        </p:nvSpPr>
+        <p:spPr>
+          <a:xfrm>
+            <a:off x="4749807" y="725866"/>
+            <a:ext cx="268515" cy="268515"/>
+          </a:xfrm>
+          <a:prstGeom prst="ellipse">
+            <a:avLst/>
+          </a:prstGeom>
+          <a:solidFill>
+            <a:srgbClr val="FFC000"/>
+          </a:solidFill>
+          <a:ln>
+            <a:noFill/>
+          </a:ln>
+        </p:spPr>
+        <p:style>
+          <a:lnRef idx="2">
+            <a:schemeClr val="accent1">
+              <a:shade val="50000"/>
+            </a:schemeClr>
+          </a:lnRef>
+          <a:fillRef idx="1">
+            <a:schemeClr val="accent1"/>
+          </a:fillRef>
+          <a:effectRef idx="0">
+            <a:schemeClr val="accent1"/>
+          </a:effectRef>
+          <a:fontRef idx="minor">
+            <a:schemeClr val="lt1"/>
+          </a:fontRef>
+        </p:style>
+        <p:txBody>
+          <a:bodyPr rtlCol="0" anchor="ctr"/>
+          <a:lstStyle/>
+          <a:p>
+            <a:pPr algn="ctr"/>
+            <a:endParaRPr lang="ko-KR" altLang="en-US"/>
+          </a:p>
+        </p:txBody>
+      </p:sp>
+      <p:sp>
+        <p:nvSpPr>
+          <p:cNvPr id="200" name="타원 199"/>
+          <p:cNvSpPr/>
+          <p:nvPr/>
+        </p:nvSpPr>
+        <p:spPr>
+          <a:xfrm>
+            <a:off x="5159837" y="725865"/>
+            <a:ext cx="268515" cy="268515"/>
+          </a:xfrm>
+          <a:prstGeom prst="ellipse">
+            <a:avLst/>
+          </a:prstGeom>
+          <a:solidFill>
+            <a:srgbClr val="FFC000"/>
+          </a:solidFill>
+          <a:ln>
+            <a:noFill/>
+          </a:ln>
+        </p:spPr>
+        <p:style>
+          <a:lnRef idx="2">
+            <a:schemeClr val="accent1">
+              <a:shade val="50000"/>
+            </a:schemeClr>
+          </a:lnRef>
+          <a:fillRef idx="1">
+            <a:schemeClr val="accent1"/>
+          </a:fillRef>
+          <a:effectRef idx="0">
+            <a:schemeClr val="accent1"/>
+          </a:effectRef>
+          <a:fontRef idx="minor">
+            <a:schemeClr val="lt1"/>
+          </a:fontRef>
+        </p:style>
+        <p:txBody>
+          <a:bodyPr rtlCol="0" anchor="ctr"/>
+          <a:lstStyle/>
+          <a:p>
+            <a:pPr algn="ctr"/>
+            <a:endParaRPr lang="ko-KR" altLang="en-US"/>
+          </a:p>
+        </p:txBody>
+      </p:sp>
+      <p:sp>
+        <p:nvSpPr>
+          <p:cNvPr id="201" name="타원 200"/>
+          <p:cNvSpPr/>
+          <p:nvPr/>
+        </p:nvSpPr>
+        <p:spPr>
+          <a:xfrm>
+            <a:off x="5569867" y="725865"/>
+            <a:ext cx="268515" cy="268515"/>
+          </a:xfrm>
+          <a:prstGeom prst="ellipse">
+            <a:avLst/>
+          </a:prstGeom>
+          <a:solidFill>
+            <a:srgbClr val="FFC000"/>
+          </a:solidFill>
+          <a:ln>
+            <a:noFill/>
+          </a:ln>
+        </p:spPr>
+        <p:style>
+          <a:lnRef idx="2">
+            <a:schemeClr val="accent1">
+              <a:shade val="50000"/>
+            </a:schemeClr>
+          </a:lnRef>
+          <a:fillRef idx="1">
+            <a:schemeClr val="accent1"/>
+          </a:fillRef>
+          <a:effectRef idx="0">
+            <a:schemeClr val="accent1"/>
+          </a:effectRef>
+          <a:fontRef idx="minor">
+            <a:schemeClr val="lt1"/>
+          </a:fontRef>
+        </p:style>
+        <p:txBody>
+          <a:bodyPr rtlCol="0" anchor="ctr"/>
+          <a:lstStyle/>
+          <a:p>
+            <a:pPr algn="ctr"/>
+            <a:endParaRPr lang="ko-KR" altLang="en-US"/>
+          </a:p>
+        </p:txBody>
+      </p:sp>
+      <p:sp>
+        <p:nvSpPr>
+          <p:cNvPr id="202" name="타원 201"/>
+          <p:cNvSpPr/>
+          <p:nvPr/>
+        </p:nvSpPr>
+        <p:spPr>
+          <a:xfrm>
+            <a:off x="3530604" y="1081468"/>
+            <a:ext cx="268515" cy="268515"/>
+          </a:xfrm>
+          <a:prstGeom prst="ellipse">
+            <a:avLst/>
+          </a:prstGeom>
+          <a:solidFill>
+            <a:srgbClr val="FFC000"/>
+          </a:solidFill>
+          <a:ln>
+            <a:noFill/>
+          </a:ln>
+        </p:spPr>
+        <p:style>
+          <a:lnRef idx="2">
+            <a:schemeClr val="accent1">
+              <a:shade val="50000"/>
+            </a:schemeClr>
+          </a:lnRef>
+          <a:fillRef idx="1">
+            <a:schemeClr val="accent1"/>
+          </a:fillRef>
+          <a:effectRef idx="0">
+            <a:schemeClr val="accent1"/>
+          </a:effectRef>
+          <a:fontRef idx="minor">
+            <a:schemeClr val="lt1"/>
+          </a:fontRef>
+        </p:style>
+        <p:txBody>
+          <a:bodyPr rtlCol="0" anchor="ctr"/>
+          <a:lstStyle/>
+          <a:p>
+            <a:pPr algn="ctr"/>
+            <a:endParaRPr lang="ko-KR" altLang="en-US"/>
+          </a:p>
+        </p:txBody>
+      </p:sp>
+      <p:sp>
+        <p:nvSpPr>
+          <p:cNvPr id="203" name="타원 202"/>
+          <p:cNvSpPr/>
+          <p:nvPr/>
+        </p:nvSpPr>
+        <p:spPr>
+          <a:xfrm>
+            <a:off x="3937005" y="1081467"/>
+            <a:ext cx="268515" cy="268515"/>
+          </a:xfrm>
+          <a:prstGeom prst="ellipse">
+            <a:avLst/>
+          </a:prstGeom>
+          <a:solidFill>
+            <a:srgbClr val="FFC000"/>
+          </a:solidFill>
+          <a:ln>
+            <a:noFill/>
+          </a:ln>
+        </p:spPr>
+        <p:style>
+          <a:lnRef idx="2">
+            <a:schemeClr val="accent1">
+              <a:shade val="50000"/>
+            </a:schemeClr>
+          </a:lnRef>
+          <a:fillRef idx="1">
+            <a:schemeClr val="accent1"/>
+          </a:fillRef>
+          <a:effectRef idx="0">
+            <a:schemeClr val="accent1"/>
+          </a:effectRef>
+          <a:fontRef idx="minor">
+            <a:schemeClr val="lt1"/>
+          </a:fontRef>
+        </p:style>
+        <p:txBody>
+          <a:bodyPr rtlCol="0" anchor="ctr"/>
+          <a:lstStyle/>
+          <a:p>
+            <a:pPr algn="ctr"/>
+            <a:endParaRPr lang="ko-KR" altLang="en-US"/>
+          </a:p>
+        </p:txBody>
+      </p:sp>
+      <p:sp>
+        <p:nvSpPr>
+          <p:cNvPr id="204" name="타원 203"/>
+          <p:cNvSpPr/>
+          <p:nvPr/>
+        </p:nvSpPr>
+        <p:spPr>
+          <a:xfrm>
+            <a:off x="4343406" y="1081467"/>
+            <a:ext cx="268515" cy="268515"/>
+          </a:xfrm>
+          <a:prstGeom prst="ellipse">
+            <a:avLst/>
+          </a:prstGeom>
+          <a:solidFill>
+            <a:srgbClr val="FFC000"/>
+          </a:solidFill>
+          <a:ln>
+            <a:noFill/>
+          </a:ln>
+        </p:spPr>
+        <p:style>
+          <a:lnRef idx="2">
+            <a:schemeClr val="accent1">
+              <a:shade val="50000"/>
+            </a:schemeClr>
+          </a:lnRef>
+          <a:fillRef idx="1">
+            <a:schemeClr val="accent1"/>
+          </a:fillRef>
+          <a:effectRef idx="0">
+            <a:schemeClr val="accent1"/>
+          </a:effectRef>
+          <a:fontRef idx="minor">
+            <a:schemeClr val="lt1"/>
+          </a:fontRef>
+        </p:style>
+        <p:txBody>
+          <a:bodyPr rtlCol="0" anchor="ctr"/>
+          <a:lstStyle/>
+          <a:p>
+            <a:pPr algn="ctr"/>
+            <a:endParaRPr lang="ko-KR" altLang="en-US"/>
+          </a:p>
+        </p:txBody>
+      </p:sp>
+      <p:sp>
+        <p:nvSpPr>
+          <p:cNvPr id="205" name="타원 204"/>
+          <p:cNvSpPr/>
+          <p:nvPr/>
+        </p:nvSpPr>
+        <p:spPr>
+          <a:xfrm>
+            <a:off x="4749807" y="1081466"/>
+            <a:ext cx="268515" cy="268515"/>
+          </a:xfrm>
+          <a:prstGeom prst="ellipse">
+            <a:avLst/>
+          </a:prstGeom>
+          <a:solidFill>
+            <a:srgbClr val="FFC000"/>
+          </a:solidFill>
+          <a:ln>
+            <a:noFill/>
+          </a:ln>
+        </p:spPr>
+        <p:style>
+          <a:lnRef idx="2">
+            <a:schemeClr val="accent1">
+              <a:shade val="50000"/>
+            </a:schemeClr>
+          </a:lnRef>
+          <a:fillRef idx="1">
+            <a:schemeClr val="accent1"/>
+          </a:fillRef>
+          <a:effectRef idx="0">
+            <a:schemeClr val="accent1"/>
+          </a:effectRef>
+          <a:fontRef idx="minor">
+            <a:schemeClr val="lt1"/>
+          </a:fontRef>
+        </p:style>
+        <p:txBody>
+          <a:bodyPr rtlCol="0" anchor="ctr"/>
+          <a:lstStyle/>
+          <a:p>
+            <a:pPr algn="ctr"/>
+            <a:endParaRPr lang="ko-KR" altLang="en-US"/>
+          </a:p>
+        </p:txBody>
+      </p:sp>
+      <p:sp>
+        <p:nvSpPr>
+          <p:cNvPr id="206" name="타원 205"/>
+          <p:cNvSpPr/>
+          <p:nvPr/>
+        </p:nvSpPr>
+        <p:spPr>
+          <a:xfrm>
+            <a:off x="5159837" y="1081465"/>
+            <a:ext cx="268515" cy="268515"/>
+          </a:xfrm>
+          <a:prstGeom prst="ellipse">
+            <a:avLst/>
+          </a:prstGeom>
+          <a:solidFill>
+            <a:srgbClr val="FFC000"/>
+          </a:solidFill>
+          <a:ln>
+            <a:noFill/>
+          </a:ln>
+        </p:spPr>
+        <p:style>
+          <a:lnRef idx="2">
+            <a:schemeClr val="accent1">
+              <a:shade val="50000"/>
+            </a:schemeClr>
+          </a:lnRef>
+          <a:fillRef idx="1">
+            <a:schemeClr val="accent1"/>
+          </a:fillRef>
+          <a:effectRef idx="0">
+            <a:schemeClr val="accent1"/>
+          </a:effectRef>
+          <a:fontRef idx="minor">
+            <a:schemeClr val="lt1"/>
+          </a:fontRef>
+        </p:style>
+        <p:txBody>
+          <a:bodyPr rtlCol="0" anchor="ctr"/>
+          <a:lstStyle/>
+          <a:p>
+            <a:pPr algn="ctr"/>
+            <a:endParaRPr lang="ko-KR" altLang="en-US"/>
+          </a:p>
+        </p:txBody>
+      </p:sp>
+      <p:sp>
+        <p:nvSpPr>
+          <p:cNvPr id="207" name="타원 206"/>
+          <p:cNvSpPr/>
+          <p:nvPr/>
+        </p:nvSpPr>
+        <p:spPr>
+          <a:xfrm>
+            <a:off x="5569867" y="1081465"/>
+            <a:ext cx="268515" cy="268515"/>
+          </a:xfrm>
+          <a:prstGeom prst="ellipse">
+            <a:avLst/>
+          </a:prstGeom>
+          <a:solidFill>
+            <a:srgbClr val="FFC000"/>
+          </a:solidFill>
+          <a:ln>
+            <a:noFill/>
+          </a:ln>
+        </p:spPr>
+        <p:style>
+          <a:lnRef idx="2">
+            <a:schemeClr val="accent1">
+              <a:shade val="50000"/>
+            </a:schemeClr>
+          </a:lnRef>
+          <a:fillRef idx="1">
+            <a:schemeClr val="accent1"/>
+          </a:fillRef>
+          <a:effectRef idx="0">
+            <a:schemeClr val="accent1"/>
+          </a:effectRef>
+          <a:fontRef idx="minor">
+            <a:schemeClr val="lt1"/>
+          </a:fontRef>
+        </p:style>
+        <p:txBody>
+          <a:bodyPr rtlCol="0" anchor="ctr"/>
+          <a:lstStyle/>
+          <a:p>
+            <a:pPr algn="ctr"/>
+            <a:endParaRPr lang="ko-KR" altLang="en-US"/>
+          </a:p>
+        </p:txBody>
+      </p:sp>
+      <p:sp>
+        <p:nvSpPr>
+          <p:cNvPr id="208" name="TextBox 207"/>
+          <p:cNvSpPr txBox="1"/>
+          <p:nvPr/>
+        </p:nvSpPr>
+        <p:spPr>
+          <a:xfrm>
+            <a:off x="278131" y="20008"/>
+            <a:ext cx="3167750" cy="369332"/>
+          </a:xfrm>
+          <a:prstGeom prst="rect">
+            <a:avLst/>
+          </a:prstGeom>
+          <a:noFill/>
+        </p:spPr>
+        <p:txBody>
+          <a:bodyPr wrap="square" rtlCol="0">
+            <a:spAutoFit/>
+          </a:bodyPr>
+          <a:lstStyle/>
+          <a:p>
+            <a:r>
+              <a:rPr lang="en-US" altLang="ko-KR" dirty="0" smtClean="0"/>
+              <a:t>B = 8, P = </a:t>
+            </a:r>
+            <a:r>
+              <a:rPr lang="en-US" altLang="ko-KR" dirty="0" smtClean="0"/>
+              <a:t>4</a:t>
+            </a:r>
+            <a:endParaRPr lang="ko-KR" altLang="en-US" dirty="0"/>
+          </a:p>
+        </p:txBody>
+      </p:sp>
+      <p:sp>
+        <p:nvSpPr>
+          <p:cNvPr id="209" name="타원 208"/>
+          <p:cNvSpPr/>
+          <p:nvPr/>
+        </p:nvSpPr>
+        <p:spPr>
+          <a:xfrm>
+            <a:off x="105228" y="1836210"/>
+            <a:ext cx="268515" cy="268515"/>
+          </a:xfrm>
+          <a:prstGeom prst="ellipse">
+            <a:avLst/>
+          </a:prstGeom>
+          <a:solidFill>
+            <a:schemeClr val="bg1"/>
+          </a:solidFill>
+          <a:ln>
+            <a:solidFill>
+              <a:schemeClr val="tx1"/>
+            </a:solidFill>
+            <a:prstDash val="sysDot"/>
+          </a:ln>
+        </p:spPr>
+        <p:style>
+          <a:lnRef idx="2">
+            <a:schemeClr val="accent1">
+              <a:shade val="50000"/>
+            </a:schemeClr>
+          </a:lnRef>
+          <a:fillRef idx="1">
+            <a:schemeClr val="accent1"/>
+          </a:fillRef>
+          <a:effectRef idx="0">
+            <a:schemeClr val="accent1"/>
+          </a:effectRef>
+          <a:fontRef idx="minor">
+            <a:schemeClr val="lt1"/>
+          </a:fontRef>
+        </p:style>
+        <p:txBody>
+          <a:bodyPr rtlCol="0" anchor="ctr"/>
+          <a:lstStyle/>
+          <a:p>
+            <a:pPr algn="ctr"/>
+            <a:endParaRPr lang="ko-KR" altLang="en-US"/>
+          </a:p>
+        </p:txBody>
+      </p:sp>
+      <p:sp>
+        <p:nvSpPr>
+          <p:cNvPr id="210" name="타원 209"/>
+          <p:cNvSpPr/>
+          <p:nvPr/>
+        </p:nvSpPr>
+        <p:spPr>
+          <a:xfrm>
+            <a:off x="508000" y="1836209"/>
+            <a:ext cx="268515" cy="268515"/>
+          </a:xfrm>
+          <a:prstGeom prst="ellipse">
+            <a:avLst/>
+          </a:prstGeom>
+          <a:solidFill>
+            <a:schemeClr val="bg1"/>
+          </a:solidFill>
+          <a:ln>
+            <a:solidFill>
+              <a:schemeClr val="tx1"/>
+            </a:solidFill>
+            <a:prstDash val="sysDot"/>
+          </a:ln>
+        </p:spPr>
+        <p:style>
+          <a:lnRef idx="2">
+            <a:schemeClr val="accent1">
+              <a:shade val="50000"/>
+            </a:schemeClr>
+          </a:lnRef>
+          <a:fillRef idx="1">
+            <a:schemeClr val="accent1"/>
+          </a:fillRef>
+          <a:effectRef idx="0">
+            <a:schemeClr val="accent1"/>
+          </a:effectRef>
+          <a:fontRef idx="minor">
+            <a:schemeClr val="lt1"/>
+          </a:fontRef>
+        </p:style>
+        <p:txBody>
+          <a:bodyPr rtlCol="0" anchor="ctr"/>
+          <a:lstStyle/>
+          <a:p>
+            <a:pPr algn="ctr"/>
+            <a:endParaRPr lang="ko-KR" altLang="en-US"/>
+          </a:p>
+        </p:txBody>
+      </p:sp>
+      <p:sp>
+        <p:nvSpPr>
+          <p:cNvPr id="211" name="타원 210"/>
+          <p:cNvSpPr/>
+          <p:nvPr/>
+        </p:nvSpPr>
+        <p:spPr>
+          <a:xfrm>
+            <a:off x="910772" y="1836208"/>
+            <a:ext cx="268515" cy="268515"/>
+          </a:xfrm>
+          <a:prstGeom prst="ellipse">
+            <a:avLst/>
+          </a:prstGeom>
+          <a:solidFill>
+            <a:schemeClr val="bg1"/>
+          </a:solidFill>
+          <a:ln>
+            <a:solidFill>
+              <a:schemeClr val="tx1"/>
+            </a:solidFill>
+            <a:prstDash val="sysDot"/>
+          </a:ln>
+        </p:spPr>
+        <p:style>
+          <a:lnRef idx="2">
+            <a:schemeClr val="accent1">
+              <a:shade val="50000"/>
+            </a:schemeClr>
+          </a:lnRef>
+          <a:fillRef idx="1">
+            <a:schemeClr val="accent1"/>
+          </a:fillRef>
+          <a:effectRef idx="0">
+            <a:schemeClr val="accent1"/>
+          </a:effectRef>
+          <a:fontRef idx="minor">
+            <a:schemeClr val="lt1"/>
+          </a:fontRef>
+        </p:style>
+        <p:txBody>
+          <a:bodyPr rtlCol="0" anchor="ctr"/>
+          <a:lstStyle/>
+          <a:p>
+            <a:pPr algn="ctr"/>
+            <a:endParaRPr lang="ko-KR" altLang="en-US"/>
+          </a:p>
+        </p:txBody>
+      </p:sp>
+      <p:sp>
+        <p:nvSpPr>
+          <p:cNvPr id="212" name="타원 211"/>
+          <p:cNvSpPr/>
+          <p:nvPr/>
+        </p:nvSpPr>
+        <p:spPr>
+          <a:xfrm>
+            <a:off x="1317173" y="1836207"/>
+            <a:ext cx="268515" cy="268515"/>
+          </a:xfrm>
+          <a:prstGeom prst="ellipse">
+            <a:avLst/>
+          </a:prstGeom>
+          <a:solidFill>
+            <a:schemeClr val="bg1"/>
+          </a:solidFill>
+          <a:ln>
+            <a:solidFill>
+              <a:schemeClr val="tx1"/>
+            </a:solidFill>
+            <a:prstDash val="sysDot"/>
+          </a:ln>
+        </p:spPr>
+        <p:style>
+          <a:lnRef idx="2">
+            <a:schemeClr val="accent1">
+              <a:shade val="50000"/>
+            </a:schemeClr>
+          </a:lnRef>
+          <a:fillRef idx="1">
+            <a:schemeClr val="accent1"/>
+          </a:fillRef>
+          <a:effectRef idx="0">
+            <a:schemeClr val="accent1"/>
+          </a:effectRef>
+          <a:fontRef idx="minor">
+            <a:schemeClr val="lt1"/>
+          </a:fontRef>
+        </p:style>
+        <p:txBody>
+          <a:bodyPr rtlCol="0" anchor="ctr"/>
+          <a:lstStyle/>
+          <a:p>
+            <a:pPr algn="ctr"/>
+            <a:endParaRPr lang="ko-KR" altLang="en-US"/>
+          </a:p>
+        </p:txBody>
+      </p:sp>
+      <p:sp>
+        <p:nvSpPr>
+          <p:cNvPr id="213" name="타원 212"/>
+          <p:cNvSpPr/>
+          <p:nvPr/>
+        </p:nvSpPr>
+        <p:spPr>
+          <a:xfrm>
+            <a:off x="1723574" y="1836207"/>
+            <a:ext cx="268515" cy="268515"/>
+          </a:xfrm>
+          <a:prstGeom prst="ellipse">
+            <a:avLst/>
+          </a:prstGeom>
+          <a:solidFill>
+            <a:schemeClr val="accent2"/>
+          </a:solidFill>
+          <a:ln>
+            <a:solidFill>
+              <a:schemeClr val="tx1"/>
+            </a:solidFill>
+          </a:ln>
+        </p:spPr>
+        <p:style>
+          <a:lnRef idx="2">
+            <a:schemeClr val="accent1">
+              <a:shade val="50000"/>
+            </a:schemeClr>
+          </a:lnRef>
+          <a:fillRef idx="1">
+            <a:schemeClr val="accent1"/>
+          </a:fillRef>
+          <a:effectRef idx="0">
+            <a:schemeClr val="accent1"/>
+          </a:effectRef>
+          <a:fontRef idx="minor">
+            <a:schemeClr val="lt1"/>
+          </a:fontRef>
+        </p:style>
+        <p:txBody>
+          <a:bodyPr rtlCol="0" anchor="ctr"/>
+          <a:lstStyle/>
+          <a:p>
+            <a:pPr algn="ctr"/>
+            <a:endParaRPr lang="ko-KR" altLang="en-US"/>
+          </a:p>
+        </p:txBody>
+      </p:sp>
+      <p:sp>
+        <p:nvSpPr>
+          <p:cNvPr id="214" name="타원 213"/>
+          <p:cNvSpPr/>
+          <p:nvPr/>
+        </p:nvSpPr>
+        <p:spPr>
+          <a:xfrm>
+            <a:off x="2129975" y="1836206"/>
+            <a:ext cx="268515" cy="268515"/>
+          </a:xfrm>
+          <a:prstGeom prst="ellipse">
+            <a:avLst/>
+          </a:prstGeom>
+          <a:solidFill>
+            <a:schemeClr val="accent2"/>
+          </a:solidFill>
+          <a:ln>
+            <a:solidFill>
+              <a:schemeClr val="tx1"/>
+            </a:solidFill>
+          </a:ln>
+        </p:spPr>
+        <p:style>
+          <a:lnRef idx="2">
+            <a:schemeClr val="accent1">
+              <a:shade val="50000"/>
+            </a:schemeClr>
+          </a:lnRef>
+          <a:fillRef idx="1">
+            <a:schemeClr val="accent1"/>
+          </a:fillRef>
+          <a:effectRef idx="0">
+            <a:schemeClr val="accent1"/>
+          </a:effectRef>
+          <a:fontRef idx="minor">
+            <a:schemeClr val="lt1"/>
+          </a:fontRef>
+        </p:style>
+        <p:txBody>
+          <a:bodyPr rtlCol="0" anchor="ctr"/>
+          <a:lstStyle/>
+          <a:p>
+            <a:pPr algn="ctr"/>
+            <a:endParaRPr lang="ko-KR" altLang="en-US"/>
+          </a:p>
+        </p:txBody>
+      </p:sp>
+      <p:sp>
+        <p:nvSpPr>
+          <p:cNvPr id="215" name="타원 214"/>
+          <p:cNvSpPr/>
+          <p:nvPr/>
+        </p:nvSpPr>
+        <p:spPr>
+          <a:xfrm>
+            <a:off x="2540005" y="1836205"/>
+            <a:ext cx="268515" cy="268515"/>
+          </a:xfrm>
+          <a:prstGeom prst="ellipse">
+            <a:avLst/>
+          </a:prstGeom>
+          <a:solidFill>
+            <a:schemeClr val="accent2"/>
+          </a:solidFill>
+          <a:ln>
+            <a:solidFill>
+              <a:schemeClr val="tx1"/>
+            </a:solidFill>
+          </a:ln>
+        </p:spPr>
+        <p:style>
+          <a:lnRef idx="2">
+            <a:schemeClr val="accent1">
+              <a:shade val="50000"/>
+            </a:schemeClr>
+          </a:lnRef>
+          <a:fillRef idx="1">
+            <a:schemeClr val="accent1"/>
+          </a:fillRef>
+          <a:effectRef idx="0">
+            <a:schemeClr val="accent1"/>
+          </a:effectRef>
+          <a:fontRef idx="minor">
+            <a:schemeClr val="lt1"/>
+          </a:fontRef>
+        </p:style>
+        <p:txBody>
+          <a:bodyPr rtlCol="0" anchor="ctr"/>
+          <a:lstStyle/>
+          <a:p>
+            <a:pPr algn="ctr"/>
+            <a:endParaRPr lang="ko-KR" altLang="en-US"/>
+          </a:p>
+        </p:txBody>
+      </p:sp>
+      <p:sp>
+        <p:nvSpPr>
+          <p:cNvPr id="216" name="타원 215"/>
+          <p:cNvSpPr/>
+          <p:nvPr/>
+        </p:nvSpPr>
+        <p:spPr>
+          <a:xfrm>
+            <a:off x="2950035" y="1836205"/>
+            <a:ext cx="268515" cy="268515"/>
+          </a:xfrm>
+          <a:prstGeom prst="ellipse">
+            <a:avLst/>
+          </a:prstGeom>
+          <a:solidFill>
+            <a:schemeClr val="accent2"/>
+          </a:solidFill>
+          <a:ln>
+            <a:solidFill>
+              <a:schemeClr val="tx1"/>
+            </a:solidFill>
+          </a:ln>
+        </p:spPr>
+        <p:style>
+          <a:lnRef idx="2">
+            <a:schemeClr val="accent1">
+              <a:shade val="50000"/>
+            </a:schemeClr>
+          </a:lnRef>
+          <a:fillRef idx="1">
+            <a:schemeClr val="accent1"/>
+          </a:fillRef>
+          <a:effectRef idx="0">
+            <a:schemeClr val="accent1"/>
+          </a:effectRef>
+          <a:fontRef idx="minor">
+            <a:schemeClr val="lt1"/>
+          </a:fontRef>
+        </p:style>
+        <p:txBody>
+          <a:bodyPr rtlCol="0" anchor="ctr"/>
+          <a:lstStyle/>
+          <a:p>
+            <a:pPr algn="ctr"/>
+            <a:endParaRPr lang="ko-KR" altLang="en-US"/>
+          </a:p>
+        </p:txBody>
+      </p:sp>
+      <p:sp>
+        <p:nvSpPr>
+          <p:cNvPr id="217" name="타원 216"/>
+          <p:cNvSpPr/>
+          <p:nvPr/>
+        </p:nvSpPr>
+        <p:spPr>
+          <a:xfrm>
+            <a:off x="105228" y="2191810"/>
+            <a:ext cx="268515" cy="268515"/>
+          </a:xfrm>
+          <a:prstGeom prst="ellipse">
+            <a:avLst/>
+          </a:prstGeom>
+          <a:solidFill>
+            <a:schemeClr val="bg1"/>
+          </a:solidFill>
+          <a:ln>
+            <a:solidFill>
+              <a:schemeClr val="tx1"/>
+            </a:solidFill>
+            <a:prstDash val="sysDot"/>
+          </a:ln>
+        </p:spPr>
+        <p:style>
+          <a:lnRef idx="2">
+            <a:schemeClr val="accent1">
+              <a:shade val="50000"/>
+            </a:schemeClr>
+          </a:lnRef>
+          <a:fillRef idx="1">
+            <a:schemeClr val="accent1"/>
+          </a:fillRef>
+          <a:effectRef idx="0">
+            <a:schemeClr val="accent1"/>
+          </a:effectRef>
+          <a:fontRef idx="minor">
+            <a:schemeClr val="lt1"/>
+          </a:fontRef>
+        </p:style>
+        <p:txBody>
+          <a:bodyPr rtlCol="0" anchor="ctr"/>
+          <a:lstStyle/>
+          <a:p>
+            <a:pPr algn="ctr"/>
+            <a:endParaRPr lang="ko-KR" altLang="en-US"/>
+          </a:p>
+        </p:txBody>
+      </p:sp>
+      <p:sp>
+        <p:nvSpPr>
+          <p:cNvPr id="218" name="타원 217"/>
+          <p:cNvSpPr/>
+          <p:nvPr/>
+        </p:nvSpPr>
+        <p:spPr>
+          <a:xfrm>
+            <a:off x="508000" y="2191809"/>
+            <a:ext cx="268515" cy="268515"/>
+          </a:xfrm>
+          <a:prstGeom prst="ellipse">
+            <a:avLst/>
+          </a:prstGeom>
+          <a:solidFill>
+            <a:schemeClr val="bg1"/>
+          </a:solidFill>
+          <a:ln>
+            <a:solidFill>
+              <a:schemeClr val="tx1"/>
+            </a:solidFill>
+            <a:prstDash val="sysDot"/>
+          </a:ln>
+        </p:spPr>
+        <p:style>
+          <a:lnRef idx="2">
+            <a:schemeClr val="accent1">
+              <a:shade val="50000"/>
+            </a:schemeClr>
+          </a:lnRef>
+          <a:fillRef idx="1">
+            <a:schemeClr val="accent1"/>
+          </a:fillRef>
+          <a:effectRef idx="0">
+            <a:schemeClr val="accent1"/>
+          </a:effectRef>
+          <a:fontRef idx="minor">
+            <a:schemeClr val="lt1"/>
+          </a:fontRef>
+        </p:style>
+        <p:txBody>
+          <a:bodyPr rtlCol="0" anchor="ctr"/>
+          <a:lstStyle/>
+          <a:p>
+            <a:pPr algn="ctr"/>
+            <a:endParaRPr lang="ko-KR" altLang="en-US"/>
+          </a:p>
+        </p:txBody>
+      </p:sp>
+      <p:sp>
+        <p:nvSpPr>
+          <p:cNvPr id="219" name="타원 218"/>
+          <p:cNvSpPr/>
+          <p:nvPr/>
+        </p:nvSpPr>
+        <p:spPr>
+          <a:xfrm>
+            <a:off x="910772" y="2191808"/>
+            <a:ext cx="268515" cy="268515"/>
+          </a:xfrm>
+          <a:prstGeom prst="ellipse">
+            <a:avLst/>
+          </a:prstGeom>
+          <a:solidFill>
+            <a:schemeClr val="bg1"/>
+          </a:solidFill>
+          <a:ln>
+            <a:solidFill>
+              <a:schemeClr val="tx1"/>
+            </a:solidFill>
+            <a:prstDash val="sysDot"/>
+          </a:ln>
+        </p:spPr>
+        <p:style>
+          <a:lnRef idx="2">
+            <a:schemeClr val="accent1">
+              <a:shade val="50000"/>
+            </a:schemeClr>
+          </a:lnRef>
+          <a:fillRef idx="1">
+            <a:schemeClr val="accent1"/>
+          </a:fillRef>
+          <a:effectRef idx="0">
+            <a:schemeClr val="accent1"/>
+          </a:effectRef>
+          <a:fontRef idx="minor">
+            <a:schemeClr val="lt1"/>
+          </a:fontRef>
+        </p:style>
+        <p:txBody>
+          <a:bodyPr rtlCol="0" anchor="ctr"/>
+          <a:lstStyle/>
+          <a:p>
+            <a:pPr algn="ctr"/>
+            <a:endParaRPr lang="ko-KR" altLang="en-US"/>
+          </a:p>
+        </p:txBody>
+      </p:sp>
+      <p:sp>
+        <p:nvSpPr>
+          <p:cNvPr id="220" name="타원 219"/>
+          <p:cNvSpPr/>
+          <p:nvPr/>
+        </p:nvSpPr>
+        <p:spPr>
+          <a:xfrm>
+            <a:off x="1317173" y="2191807"/>
+            <a:ext cx="268515" cy="268515"/>
+          </a:xfrm>
+          <a:prstGeom prst="ellipse">
+            <a:avLst/>
+          </a:prstGeom>
+          <a:solidFill>
+            <a:schemeClr val="bg1"/>
+          </a:solidFill>
+          <a:ln>
+            <a:solidFill>
+              <a:schemeClr val="tx1"/>
+            </a:solidFill>
+            <a:prstDash val="sysDot"/>
+          </a:ln>
+        </p:spPr>
+        <p:style>
+          <a:lnRef idx="2">
+            <a:schemeClr val="accent1">
+              <a:shade val="50000"/>
+            </a:schemeClr>
+          </a:lnRef>
+          <a:fillRef idx="1">
+            <a:schemeClr val="accent1"/>
+          </a:fillRef>
+          <a:effectRef idx="0">
+            <a:schemeClr val="accent1"/>
+          </a:effectRef>
+          <a:fontRef idx="minor">
+            <a:schemeClr val="lt1"/>
+          </a:fontRef>
+        </p:style>
+        <p:txBody>
+          <a:bodyPr rtlCol="0" anchor="ctr"/>
+          <a:lstStyle/>
+          <a:p>
+            <a:pPr algn="ctr"/>
+            <a:endParaRPr lang="ko-KR" altLang="en-US"/>
+          </a:p>
+        </p:txBody>
+      </p:sp>
+      <p:sp>
+        <p:nvSpPr>
+          <p:cNvPr id="221" name="타원 220"/>
+          <p:cNvSpPr/>
+          <p:nvPr/>
+        </p:nvSpPr>
+        <p:spPr>
+          <a:xfrm>
+            <a:off x="1723574" y="2191807"/>
+            <a:ext cx="268515" cy="268515"/>
+          </a:xfrm>
+          <a:prstGeom prst="ellipse">
+            <a:avLst/>
+          </a:prstGeom>
+          <a:solidFill>
+            <a:schemeClr val="accent2"/>
+          </a:solidFill>
+          <a:ln>
+            <a:solidFill>
+              <a:schemeClr val="tx1"/>
+            </a:solidFill>
+          </a:ln>
+        </p:spPr>
+        <p:style>
+          <a:lnRef idx="2">
+            <a:schemeClr val="accent1">
+              <a:shade val="50000"/>
+            </a:schemeClr>
+          </a:lnRef>
+          <a:fillRef idx="1">
+            <a:schemeClr val="accent1"/>
+          </a:fillRef>
+          <a:effectRef idx="0">
+            <a:schemeClr val="accent1"/>
+          </a:effectRef>
+          <a:fontRef idx="minor">
+            <a:schemeClr val="lt1"/>
+          </a:fontRef>
+        </p:style>
+        <p:txBody>
+          <a:bodyPr rtlCol="0" anchor="ctr"/>
+          <a:lstStyle/>
+          <a:p>
+            <a:pPr algn="ctr"/>
+            <a:endParaRPr lang="ko-KR" altLang="en-US"/>
+          </a:p>
+        </p:txBody>
+      </p:sp>
+      <p:sp>
+        <p:nvSpPr>
+          <p:cNvPr id="222" name="타원 221"/>
+          <p:cNvSpPr/>
+          <p:nvPr/>
+        </p:nvSpPr>
+        <p:spPr>
+          <a:xfrm>
+            <a:off x="2129975" y="2191806"/>
+            <a:ext cx="268515" cy="268515"/>
+          </a:xfrm>
+          <a:prstGeom prst="ellipse">
+            <a:avLst/>
+          </a:prstGeom>
+          <a:solidFill>
+            <a:schemeClr val="accent2"/>
+          </a:solidFill>
+          <a:ln>
+            <a:solidFill>
+              <a:schemeClr val="tx1"/>
+            </a:solidFill>
+          </a:ln>
+        </p:spPr>
+        <p:style>
+          <a:lnRef idx="2">
+            <a:schemeClr val="accent1">
+              <a:shade val="50000"/>
+            </a:schemeClr>
+          </a:lnRef>
+          <a:fillRef idx="1">
+            <a:schemeClr val="accent1"/>
+          </a:fillRef>
+          <a:effectRef idx="0">
+            <a:schemeClr val="accent1"/>
+          </a:effectRef>
+          <a:fontRef idx="minor">
+            <a:schemeClr val="lt1"/>
+          </a:fontRef>
+        </p:style>
+        <p:txBody>
+          <a:bodyPr rtlCol="0" anchor="ctr"/>
+          <a:lstStyle/>
+          <a:p>
+            <a:pPr algn="ctr"/>
+            <a:endParaRPr lang="ko-KR" altLang="en-US"/>
+          </a:p>
+        </p:txBody>
+      </p:sp>
+      <p:sp>
+        <p:nvSpPr>
+          <p:cNvPr id="223" name="타원 222"/>
+          <p:cNvSpPr/>
+          <p:nvPr/>
+        </p:nvSpPr>
+        <p:spPr>
+          <a:xfrm>
+            <a:off x="2540005" y="2191805"/>
+            <a:ext cx="268515" cy="268515"/>
+          </a:xfrm>
+          <a:prstGeom prst="ellipse">
+            <a:avLst/>
+          </a:prstGeom>
+          <a:solidFill>
+            <a:schemeClr val="accent2"/>
+          </a:solidFill>
+          <a:ln>
+            <a:solidFill>
+              <a:schemeClr val="tx1"/>
+            </a:solidFill>
+          </a:ln>
+        </p:spPr>
+        <p:style>
+          <a:lnRef idx="2">
+            <a:schemeClr val="accent1">
+              <a:shade val="50000"/>
+            </a:schemeClr>
+          </a:lnRef>
+          <a:fillRef idx="1">
+            <a:schemeClr val="accent1"/>
+          </a:fillRef>
+          <a:effectRef idx="0">
+            <a:schemeClr val="accent1"/>
+          </a:effectRef>
+          <a:fontRef idx="minor">
+            <a:schemeClr val="lt1"/>
+          </a:fontRef>
+        </p:style>
+        <p:txBody>
+          <a:bodyPr rtlCol="0" anchor="ctr"/>
+          <a:lstStyle/>
+          <a:p>
+            <a:pPr algn="ctr"/>
+            <a:endParaRPr lang="ko-KR" altLang="en-US"/>
+          </a:p>
+        </p:txBody>
+      </p:sp>
+      <p:sp>
+        <p:nvSpPr>
+          <p:cNvPr id="224" name="타원 223"/>
+          <p:cNvSpPr/>
+          <p:nvPr/>
+        </p:nvSpPr>
+        <p:spPr>
+          <a:xfrm>
+            <a:off x="2950035" y="2191805"/>
+            <a:ext cx="268515" cy="268515"/>
+          </a:xfrm>
+          <a:prstGeom prst="ellipse">
+            <a:avLst/>
+          </a:prstGeom>
+          <a:solidFill>
+            <a:schemeClr val="accent2"/>
+          </a:solidFill>
+          <a:ln>
+            <a:solidFill>
+              <a:schemeClr val="tx1"/>
+            </a:solidFill>
+          </a:ln>
+        </p:spPr>
+        <p:style>
+          <a:lnRef idx="2">
+            <a:schemeClr val="accent1">
+              <a:shade val="50000"/>
+            </a:schemeClr>
+          </a:lnRef>
+          <a:fillRef idx="1">
+            <a:schemeClr val="accent1"/>
+          </a:fillRef>
+          <a:effectRef idx="0">
+            <a:schemeClr val="accent1"/>
+          </a:effectRef>
+          <a:fontRef idx="minor">
+            <a:schemeClr val="lt1"/>
+          </a:fontRef>
+        </p:style>
+        <p:txBody>
+          <a:bodyPr rtlCol="0" anchor="ctr"/>
+          <a:lstStyle/>
+          <a:p>
+            <a:pPr algn="ctr"/>
+            <a:endParaRPr lang="ko-KR" altLang="en-US"/>
+          </a:p>
+        </p:txBody>
+      </p:sp>
+      <p:sp>
+        <p:nvSpPr>
+          <p:cNvPr id="225" name="타원 224"/>
+          <p:cNvSpPr/>
+          <p:nvPr/>
+        </p:nvSpPr>
+        <p:spPr>
+          <a:xfrm>
+            <a:off x="105228" y="2547410"/>
+            <a:ext cx="268515" cy="268515"/>
+          </a:xfrm>
+          <a:prstGeom prst="ellipse">
+            <a:avLst/>
+          </a:prstGeom>
+          <a:solidFill>
+            <a:schemeClr val="bg1"/>
+          </a:solidFill>
+          <a:ln>
+            <a:solidFill>
+              <a:schemeClr val="tx1"/>
+            </a:solidFill>
+            <a:prstDash val="sysDot"/>
+          </a:ln>
+        </p:spPr>
+        <p:style>
+          <a:lnRef idx="2">
+            <a:schemeClr val="accent1">
+              <a:shade val="50000"/>
+            </a:schemeClr>
+          </a:lnRef>
+          <a:fillRef idx="1">
+            <a:schemeClr val="accent1"/>
+          </a:fillRef>
+          <a:effectRef idx="0">
+            <a:schemeClr val="accent1"/>
+          </a:effectRef>
+          <a:fontRef idx="minor">
+            <a:schemeClr val="lt1"/>
+          </a:fontRef>
+        </p:style>
+        <p:txBody>
+          <a:bodyPr rtlCol="0" anchor="ctr"/>
+          <a:lstStyle/>
+          <a:p>
+            <a:pPr algn="ctr"/>
+            <a:endParaRPr lang="ko-KR" altLang="en-US"/>
+          </a:p>
+        </p:txBody>
+      </p:sp>
+      <p:sp>
+        <p:nvSpPr>
+          <p:cNvPr id="226" name="타원 225"/>
+          <p:cNvSpPr/>
+          <p:nvPr/>
+        </p:nvSpPr>
+        <p:spPr>
+          <a:xfrm>
+            <a:off x="508000" y="2547409"/>
+            <a:ext cx="268515" cy="268515"/>
+          </a:xfrm>
+          <a:prstGeom prst="ellipse">
+            <a:avLst/>
+          </a:prstGeom>
+          <a:solidFill>
+            <a:schemeClr val="bg1"/>
+          </a:solidFill>
+          <a:ln>
+            <a:solidFill>
+              <a:schemeClr val="tx1"/>
+            </a:solidFill>
+            <a:prstDash val="sysDot"/>
+          </a:ln>
+        </p:spPr>
+        <p:style>
+          <a:lnRef idx="2">
+            <a:schemeClr val="accent1">
+              <a:shade val="50000"/>
+            </a:schemeClr>
+          </a:lnRef>
+          <a:fillRef idx="1">
+            <a:schemeClr val="accent1"/>
+          </a:fillRef>
+          <a:effectRef idx="0">
+            <a:schemeClr val="accent1"/>
+          </a:effectRef>
+          <a:fontRef idx="minor">
+            <a:schemeClr val="lt1"/>
+          </a:fontRef>
+        </p:style>
+        <p:txBody>
+          <a:bodyPr rtlCol="0" anchor="ctr"/>
+          <a:lstStyle/>
+          <a:p>
+            <a:pPr algn="ctr"/>
+            <a:endParaRPr lang="ko-KR" altLang="en-US"/>
+          </a:p>
+        </p:txBody>
+      </p:sp>
+      <p:sp>
+        <p:nvSpPr>
+          <p:cNvPr id="227" name="타원 226"/>
+          <p:cNvSpPr/>
+          <p:nvPr/>
+        </p:nvSpPr>
+        <p:spPr>
+          <a:xfrm>
+            <a:off x="910772" y="2547408"/>
+            <a:ext cx="268515" cy="268515"/>
+          </a:xfrm>
+          <a:prstGeom prst="ellipse">
+            <a:avLst/>
+          </a:prstGeom>
+          <a:solidFill>
+            <a:schemeClr val="bg1"/>
+          </a:solidFill>
+          <a:ln>
+            <a:solidFill>
+              <a:schemeClr val="tx1"/>
+            </a:solidFill>
+            <a:prstDash val="sysDot"/>
+          </a:ln>
+        </p:spPr>
+        <p:style>
+          <a:lnRef idx="2">
+            <a:schemeClr val="accent1">
+              <a:shade val="50000"/>
+            </a:schemeClr>
+          </a:lnRef>
+          <a:fillRef idx="1">
+            <a:schemeClr val="accent1"/>
+          </a:fillRef>
+          <a:effectRef idx="0">
+            <a:schemeClr val="accent1"/>
+          </a:effectRef>
+          <a:fontRef idx="minor">
+            <a:schemeClr val="lt1"/>
+          </a:fontRef>
+        </p:style>
+        <p:txBody>
+          <a:bodyPr rtlCol="0" anchor="ctr"/>
+          <a:lstStyle/>
+          <a:p>
+            <a:pPr algn="ctr"/>
+            <a:endParaRPr lang="ko-KR" altLang="en-US"/>
+          </a:p>
+        </p:txBody>
+      </p:sp>
+      <p:sp>
+        <p:nvSpPr>
+          <p:cNvPr id="228" name="타원 227"/>
+          <p:cNvSpPr/>
+          <p:nvPr/>
+        </p:nvSpPr>
+        <p:spPr>
+          <a:xfrm>
+            <a:off x="1317173" y="2547407"/>
+            <a:ext cx="268515" cy="268515"/>
+          </a:xfrm>
+          <a:prstGeom prst="ellipse">
+            <a:avLst/>
+          </a:prstGeom>
+          <a:solidFill>
+            <a:schemeClr val="bg1"/>
+          </a:solidFill>
+          <a:ln>
+            <a:solidFill>
+              <a:schemeClr val="tx1"/>
+            </a:solidFill>
+            <a:prstDash val="sysDot"/>
+          </a:ln>
+        </p:spPr>
+        <p:style>
+          <a:lnRef idx="2">
+            <a:schemeClr val="accent1">
+              <a:shade val="50000"/>
+            </a:schemeClr>
+          </a:lnRef>
+          <a:fillRef idx="1">
+            <a:schemeClr val="accent1"/>
+          </a:fillRef>
+          <a:effectRef idx="0">
+            <a:schemeClr val="accent1"/>
+          </a:effectRef>
+          <a:fontRef idx="minor">
+            <a:schemeClr val="lt1"/>
+          </a:fontRef>
+        </p:style>
+        <p:txBody>
+          <a:bodyPr rtlCol="0" anchor="ctr"/>
+          <a:lstStyle/>
+          <a:p>
+            <a:pPr algn="ctr"/>
+            <a:endParaRPr lang="ko-KR" altLang="en-US"/>
+          </a:p>
+        </p:txBody>
+      </p:sp>
+      <p:sp>
+        <p:nvSpPr>
+          <p:cNvPr id="229" name="타원 228"/>
+          <p:cNvSpPr/>
+          <p:nvPr/>
+        </p:nvSpPr>
+        <p:spPr>
+          <a:xfrm>
+            <a:off x="1723574" y="2547407"/>
+            <a:ext cx="268515" cy="268515"/>
+          </a:xfrm>
+          <a:prstGeom prst="ellipse">
+            <a:avLst/>
+          </a:prstGeom>
+          <a:solidFill>
+            <a:schemeClr val="accent2"/>
+          </a:solidFill>
+          <a:ln>
+            <a:solidFill>
+              <a:schemeClr val="tx1"/>
+            </a:solidFill>
+          </a:ln>
+        </p:spPr>
+        <p:style>
+          <a:lnRef idx="2">
+            <a:schemeClr val="accent1">
+              <a:shade val="50000"/>
+            </a:schemeClr>
+          </a:lnRef>
+          <a:fillRef idx="1">
+            <a:schemeClr val="accent1"/>
+          </a:fillRef>
+          <a:effectRef idx="0">
+            <a:schemeClr val="accent1"/>
+          </a:effectRef>
+          <a:fontRef idx="minor">
+            <a:schemeClr val="lt1"/>
+          </a:fontRef>
+        </p:style>
+        <p:txBody>
+          <a:bodyPr rtlCol="0" anchor="ctr"/>
+          <a:lstStyle/>
+          <a:p>
+            <a:pPr algn="ctr"/>
+            <a:endParaRPr lang="ko-KR" altLang="en-US"/>
+          </a:p>
+        </p:txBody>
+      </p:sp>
+      <p:sp>
+        <p:nvSpPr>
+          <p:cNvPr id="230" name="타원 229"/>
+          <p:cNvSpPr/>
+          <p:nvPr/>
+        </p:nvSpPr>
+        <p:spPr>
+          <a:xfrm>
+            <a:off x="2129975" y="2547406"/>
+            <a:ext cx="268515" cy="268515"/>
+          </a:xfrm>
+          <a:prstGeom prst="ellipse">
+            <a:avLst/>
+          </a:prstGeom>
+          <a:solidFill>
+            <a:schemeClr val="accent2"/>
+          </a:solidFill>
+          <a:ln>
+            <a:solidFill>
+              <a:schemeClr val="tx1"/>
+            </a:solidFill>
+          </a:ln>
+        </p:spPr>
+        <p:style>
+          <a:lnRef idx="2">
+            <a:schemeClr val="accent1">
+              <a:shade val="50000"/>
+            </a:schemeClr>
+          </a:lnRef>
+          <a:fillRef idx="1">
+            <a:schemeClr val="accent1"/>
+          </a:fillRef>
+          <a:effectRef idx="0">
+            <a:schemeClr val="accent1"/>
+          </a:effectRef>
+          <a:fontRef idx="minor">
+            <a:schemeClr val="lt1"/>
+          </a:fontRef>
+        </p:style>
+        <p:txBody>
+          <a:bodyPr rtlCol="0" anchor="ctr"/>
+          <a:lstStyle/>
+          <a:p>
+            <a:pPr algn="ctr"/>
+            <a:endParaRPr lang="ko-KR" altLang="en-US"/>
+          </a:p>
+        </p:txBody>
+      </p:sp>
+      <p:sp>
+        <p:nvSpPr>
+          <p:cNvPr id="231" name="타원 230"/>
+          <p:cNvSpPr/>
+          <p:nvPr/>
+        </p:nvSpPr>
+        <p:spPr>
+          <a:xfrm>
+            <a:off x="2540005" y="2547405"/>
+            <a:ext cx="268515" cy="268515"/>
+          </a:xfrm>
+          <a:prstGeom prst="ellipse">
+            <a:avLst/>
+          </a:prstGeom>
+          <a:solidFill>
+            <a:schemeClr val="accent2"/>
+          </a:solidFill>
+          <a:ln>
+            <a:solidFill>
+              <a:schemeClr val="tx1"/>
+            </a:solidFill>
+          </a:ln>
+        </p:spPr>
+        <p:style>
+          <a:lnRef idx="2">
+            <a:schemeClr val="accent1">
+              <a:shade val="50000"/>
+            </a:schemeClr>
+          </a:lnRef>
+          <a:fillRef idx="1">
+            <a:schemeClr val="accent1"/>
+          </a:fillRef>
+          <a:effectRef idx="0">
+            <a:schemeClr val="accent1"/>
+          </a:effectRef>
+          <a:fontRef idx="minor">
+            <a:schemeClr val="lt1"/>
+          </a:fontRef>
+        </p:style>
+        <p:txBody>
+          <a:bodyPr rtlCol="0" anchor="ctr"/>
+          <a:lstStyle/>
+          <a:p>
+            <a:pPr algn="ctr"/>
+            <a:endParaRPr lang="ko-KR" altLang="en-US"/>
+          </a:p>
+        </p:txBody>
+      </p:sp>
+      <p:sp>
+        <p:nvSpPr>
+          <p:cNvPr id="232" name="타원 231"/>
+          <p:cNvSpPr/>
+          <p:nvPr/>
+        </p:nvSpPr>
+        <p:spPr>
+          <a:xfrm>
+            <a:off x="2950035" y="2547405"/>
+            <a:ext cx="268515" cy="268515"/>
+          </a:xfrm>
+          <a:prstGeom prst="ellipse">
+            <a:avLst/>
+          </a:prstGeom>
+          <a:solidFill>
+            <a:schemeClr val="accent2"/>
+          </a:solidFill>
+          <a:ln>
+            <a:solidFill>
+              <a:schemeClr val="tx1"/>
+            </a:solidFill>
+          </a:ln>
+        </p:spPr>
+        <p:style>
+          <a:lnRef idx="2">
+            <a:schemeClr val="accent1">
+              <a:shade val="50000"/>
+            </a:schemeClr>
+          </a:lnRef>
+          <a:fillRef idx="1">
+            <a:schemeClr val="accent1"/>
+          </a:fillRef>
+          <a:effectRef idx="0">
+            <a:schemeClr val="accent1"/>
+          </a:effectRef>
+          <a:fontRef idx="minor">
+            <a:schemeClr val="lt1"/>
+          </a:fontRef>
+        </p:style>
+        <p:txBody>
+          <a:bodyPr rtlCol="0" anchor="ctr"/>
+          <a:lstStyle/>
+          <a:p>
+            <a:pPr algn="ctr"/>
+            <a:endParaRPr lang="ko-KR" altLang="en-US"/>
+          </a:p>
+        </p:txBody>
+      </p:sp>
+      <p:sp>
+        <p:nvSpPr>
+          <p:cNvPr id="233" name="타원 232"/>
+          <p:cNvSpPr/>
+          <p:nvPr/>
+        </p:nvSpPr>
+        <p:spPr>
+          <a:xfrm>
+            <a:off x="3356436" y="1836208"/>
+            <a:ext cx="268515" cy="268515"/>
+          </a:xfrm>
+          <a:prstGeom prst="ellipse">
+            <a:avLst/>
+          </a:prstGeom>
+          <a:solidFill>
+            <a:srgbClr val="FFC000"/>
+          </a:solidFill>
+          <a:ln>
+            <a:noFill/>
+          </a:ln>
+        </p:spPr>
+        <p:style>
+          <a:lnRef idx="2">
+            <a:schemeClr val="accent1">
+              <a:shade val="50000"/>
+            </a:schemeClr>
+          </a:lnRef>
+          <a:fillRef idx="1">
+            <a:schemeClr val="accent1"/>
+          </a:fillRef>
+          <a:effectRef idx="0">
+            <a:schemeClr val="accent1"/>
+          </a:effectRef>
+          <a:fontRef idx="minor">
+            <a:schemeClr val="lt1"/>
+          </a:fontRef>
+        </p:style>
+        <p:txBody>
+          <a:bodyPr rtlCol="0" anchor="ctr"/>
+          <a:lstStyle/>
+          <a:p>
+            <a:pPr algn="ctr"/>
+            <a:endParaRPr lang="ko-KR" altLang="en-US"/>
+          </a:p>
+        </p:txBody>
+      </p:sp>
+      <p:sp>
+        <p:nvSpPr>
+          <p:cNvPr id="234" name="타원 233"/>
+          <p:cNvSpPr/>
+          <p:nvPr/>
+        </p:nvSpPr>
+        <p:spPr>
+          <a:xfrm>
+            <a:off x="3762837" y="1836207"/>
+            <a:ext cx="268515" cy="268515"/>
+          </a:xfrm>
+          <a:prstGeom prst="ellipse">
+            <a:avLst/>
+          </a:prstGeom>
+          <a:solidFill>
+            <a:srgbClr val="FFC000"/>
+          </a:solidFill>
+          <a:ln>
+            <a:noFill/>
+          </a:ln>
+        </p:spPr>
+        <p:style>
+          <a:lnRef idx="2">
+            <a:schemeClr val="accent1">
+              <a:shade val="50000"/>
+            </a:schemeClr>
+          </a:lnRef>
+          <a:fillRef idx="1">
+            <a:schemeClr val="accent1"/>
+          </a:fillRef>
+          <a:effectRef idx="0">
+            <a:schemeClr val="accent1"/>
+          </a:effectRef>
+          <a:fontRef idx="minor">
+            <a:schemeClr val="lt1"/>
+          </a:fontRef>
+        </p:style>
+        <p:txBody>
+          <a:bodyPr rtlCol="0" anchor="ctr"/>
+          <a:lstStyle/>
+          <a:p>
+            <a:pPr algn="ctr"/>
+            <a:endParaRPr lang="ko-KR" altLang="en-US"/>
+          </a:p>
+        </p:txBody>
+      </p:sp>
+      <p:sp>
+        <p:nvSpPr>
+          <p:cNvPr id="235" name="타원 234"/>
+          <p:cNvSpPr/>
+          <p:nvPr/>
+        </p:nvSpPr>
+        <p:spPr>
+          <a:xfrm>
+            <a:off x="4169238" y="1836207"/>
+            <a:ext cx="268515" cy="268515"/>
+          </a:xfrm>
+          <a:prstGeom prst="ellipse">
+            <a:avLst/>
+          </a:prstGeom>
+          <a:solidFill>
+            <a:srgbClr val="FFC000"/>
+          </a:solidFill>
+          <a:ln>
+            <a:noFill/>
+          </a:ln>
+        </p:spPr>
+        <p:style>
+          <a:lnRef idx="2">
+            <a:schemeClr val="accent1">
+              <a:shade val="50000"/>
+            </a:schemeClr>
+          </a:lnRef>
+          <a:fillRef idx="1">
+            <a:schemeClr val="accent1"/>
+          </a:fillRef>
+          <a:effectRef idx="0">
+            <a:schemeClr val="accent1"/>
+          </a:effectRef>
+          <a:fontRef idx="minor">
+            <a:schemeClr val="lt1"/>
+          </a:fontRef>
+        </p:style>
+        <p:txBody>
+          <a:bodyPr rtlCol="0" anchor="ctr"/>
+          <a:lstStyle/>
+          <a:p>
+            <a:pPr algn="ctr"/>
+            <a:endParaRPr lang="ko-KR" altLang="en-US"/>
+          </a:p>
+        </p:txBody>
+      </p:sp>
+      <p:sp>
+        <p:nvSpPr>
+          <p:cNvPr id="236" name="타원 235"/>
+          <p:cNvSpPr/>
+          <p:nvPr/>
+        </p:nvSpPr>
+        <p:spPr>
+          <a:xfrm>
+            <a:off x="4575639" y="1836206"/>
+            <a:ext cx="268515" cy="268515"/>
+          </a:xfrm>
+          <a:prstGeom prst="ellipse">
+            <a:avLst/>
+          </a:prstGeom>
+          <a:solidFill>
+            <a:srgbClr val="FFC000"/>
+          </a:solidFill>
+          <a:ln>
+            <a:noFill/>
+          </a:ln>
+        </p:spPr>
+        <p:style>
+          <a:lnRef idx="2">
+            <a:schemeClr val="accent1">
+              <a:shade val="50000"/>
+            </a:schemeClr>
+          </a:lnRef>
+          <a:fillRef idx="1">
+            <a:schemeClr val="accent1"/>
+          </a:fillRef>
+          <a:effectRef idx="0">
+            <a:schemeClr val="accent1"/>
+          </a:effectRef>
+          <a:fontRef idx="minor">
+            <a:schemeClr val="lt1"/>
+          </a:fontRef>
+        </p:style>
+        <p:txBody>
+          <a:bodyPr rtlCol="0" anchor="ctr"/>
+          <a:lstStyle/>
+          <a:p>
+            <a:pPr algn="ctr"/>
+            <a:endParaRPr lang="ko-KR" altLang="en-US"/>
+          </a:p>
+        </p:txBody>
+      </p:sp>
+      <p:sp>
+        <p:nvSpPr>
+          <p:cNvPr id="237" name="타원 236"/>
+          <p:cNvSpPr/>
+          <p:nvPr/>
+        </p:nvSpPr>
+        <p:spPr>
+          <a:xfrm>
+            <a:off x="4985669" y="1836205"/>
+            <a:ext cx="268515" cy="268515"/>
+          </a:xfrm>
+          <a:prstGeom prst="ellipse">
+            <a:avLst/>
+          </a:prstGeom>
+          <a:solidFill>
+            <a:srgbClr val="FFC000"/>
+          </a:solidFill>
+          <a:ln>
+            <a:noFill/>
+          </a:ln>
+        </p:spPr>
+        <p:style>
+          <a:lnRef idx="2">
+            <a:schemeClr val="accent1">
+              <a:shade val="50000"/>
+            </a:schemeClr>
+          </a:lnRef>
+          <a:fillRef idx="1">
+            <a:schemeClr val="accent1"/>
+          </a:fillRef>
+          <a:effectRef idx="0">
+            <a:schemeClr val="accent1"/>
+          </a:effectRef>
+          <a:fontRef idx="minor">
+            <a:schemeClr val="lt1"/>
+          </a:fontRef>
+        </p:style>
+        <p:txBody>
+          <a:bodyPr rtlCol="0" anchor="ctr"/>
+          <a:lstStyle/>
+          <a:p>
+            <a:pPr algn="ctr"/>
+            <a:endParaRPr lang="ko-KR" altLang="en-US"/>
+          </a:p>
+        </p:txBody>
+      </p:sp>
+      <p:sp>
+        <p:nvSpPr>
+          <p:cNvPr id="238" name="타원 237"/>
+          <p:cNvSpPr/>
+          <p:nvPr/>
+        </p:nvSpPr>
+        <p:spPr>
+          <a:xfrm>
+            <a:off x="5395699" y="1836205"/>
+            <a:ext cx="268515" cy="268515"/>
+          </a:xfrm>
+          <a:prstGeom prst="ellipse">
+            <a:avLst/>
+          </a:prstGeom>
+          <a:solidFill>
+            <a:srgbClr val="FFC000"/>
+          </a:solidFill>
+          <a:ln>
+            <a:noFill/>
+          </a:ln>
+        </p:spPr>
+        <p:style>
+          <a:lnRef idx="2">
+            <a:schemeClr val="accent1">
+              <a:shade val="50000"/>
+            </a:schemeClr>
+          </a:lnRef>
+          <a:fillRef idx="1">
+            <a:schemeClr val="accent1"/>
+          </a:fillRef>
+          <a:effectRef idx="0">
+            <a:schemeClr val="accent1"/>
+          </a:effectRef>
+          <a:fontRef idx="minor">
+            <a:schemeClr val="lt1"/>
+          </a:fontRef>
+        </p:style>
+        <p:txBody>
+          <a:bodyPr rtlCol="0" anchor="ctr"/>
+          <a:lstStyle/>
+          <a:p>
+            <a:pPr algn="ctr"/>
+            <a:endParaRPr lang="ko-KR" altLang="en-US"/>
+          </a:p>
+        </p:txBody>
+      </p:sp>
+      <p:sp>
+        <p:nvSpPr>
+          <p:cNvPr id="239" name="타원 238"/>
+          <p:cNvSpPr/>
+          <p:nvPr/>
+        </p:nvSpPr>
+        <p:spPr>
+          <a:xfrm>
+            <a:off x="3356436" y="2191808"/>
+            <a:ext cx="268515" cy="268515"/>
+          </a:xfrm>
+          <a:prstGeom prst="ellipse">
+            <a:avLst/>
+          </a:prstGeom>
+          <a:solidFill>
+            <a:srgbClr val="FFC000"/>
+          </a:solidFill>
+          <a:ln>
+            <a:noFill/>
+          </a:ln>
+        </p:spPr>
+        <p:style>
+          <a:lnRef idx="2">
+            <a:schemeClr val="accent1">
+              <a:shade val="50000"/>
+            </a:schemeClr>
+          </a:lnRef>
+          <a:fillRef idx="1">
+            <a:schemeClr val="accent1"/>
+          </a:fillRef>
+          <a:effectRef idx="0">
+            <a:schemeClr val="accent1"/>
+          </a:effectRef>
+          <a:fontRef idx="minor">
+            <a:schemeClr val="lt1"/>
+          </a:fontRef>
+        </p:style>
+        <p:txBody>
+          <a:bodyPr rtlCol="0" anchor="ctr"/>
+          <a:lstStyle/>
+          <a:p>
+            <a:pPr algn="ctr"/>
+            <a:endParaRPr lang="ko-KR" altLang="en-US"/>
+          </a:p>
+        </p:txBody>
+      </p:sp>
+      <p:sp>
+        <p:nvSpPr>
+          <p:cNvPr id="240" name="타원 239"/>
+          <p:cNvSpPr/>
+          <p:nvPr/>
+        </p:nvSpPr>
+        <p:spPr>
+          <a:xfrm>
+            <a:off x="3762837" y="2191807"/>
+            <a:ext cx="268515" cy="268515"/>
+          </a:xfrm>
+          <a:prstGeom prst="ellipse">
+            <a:avLst/>
+          </a:prstGeom>
+          <a:solidFill>
+            <a:srgbClr val="FFC000"/>
+          </a:solidFill>
+          <a:ln>
+            <a:noFill/>
+          </a:ln>
+        </p:spPr>
+        <p:style>
+          <a:lnRef idx="2">
+            <a:schemeClr val="accent1">
+              <a:shade val="50000"/>
+            </a:schemeClr>
+          </a:lnRef>
+          <a:fillRef idx="1">
+            <a:schemeClr val="accent1"/>
+          </a:fillRef>
+          <a:effectRef idx="0">
+            <a:schemeClr val="accent1"/>
+          </a:effectRef>
+          <a:fontRef idx="minor">
+            <a:schemeClr val="lt1"/>
+          </a:fontRef>
+        </p:style>
+        <p:txBody>
+          <a:bodyPr rtlCol="0" anchor="ctr"/>
+          <a:lstStyle/>
+          <a:p>
+            <a:pPr algn="ctr"/>
+            <a:endParaRPr lang="ko-KR" altLang="en-US"/>
+          </a:p>
+        </p:txBody>
+      </p:sp>
+      <p:sp>
+        <p:nvSpPr>
+          <p:cNvPr id="241" name="타원 240"/>
+          <p:cNvSpPr/>
+          <p:nvPr/>
+        </p:nvSpPr>
+        <p:spPr>
+          <a:xfrm>
+            <a:off x="4169238" y="2191807"/>
+            <a:ext cx="268515" cy="268515"/>
+          </a:xfrm>
+          <a:prstGeom prst="ellipse">
+            <a:avLst/>
+          </a:prstGeom>
+          <a:solidFill>
+            <a:srgbClr val="FFC000"/>
+          </a:solidFill>
+          <a:ln>
+            <a:noFill/>
+          </a:ln>
+        </p:spPr>
+        <p:style>
+          <a:lnRef idx="2">
+            <a:schemeClr val="accent1">
+              <a:shade val="50000"/>
+            </a:schemeClr>
+          </a:lnRef>
+          <a:fillRef idx="1">
+            <a:schemeClr val="accent1"/>
+          </a:fillRef>
+          <a:effectRef idx="0">
+            <a:schemeClr val="accent1"/>
+          </a:effectRef>
+          <a:fontRef idx="minor">
+            <a:schemeClr val="lt1"/>
+          </a:fontRef>
+        </p:style>
+        <p:txBody>
+          <a:bodyPr rtlCol="0" anchor="ctr"/>
+          <a:lstStyle/>
+          <a:p>
+            <a:pPr algn="ctr"/>
+            <a:endParaRPr lang="ko-KR" altLang="en-US"/>
+          </a:p>
+        </p:txBody>
+      </p:sp>
+      <p:sp>
+        <p:nvSpPr>
+          <p:cNvPr id="242" name="타원 241"/>
+          <p:cNvSpPr/>
+          <p:nvPr/>
+        </p:nvSpPr>
+        <p:spPr>
+          <a:xfrm>
+            <a:off x="4575639" y="2191806"/>
+            <a:ext cx="268515" cy="268515"/>
+          </a:xfrm>
+          <a:prstGeom prst="ellipse">
+            <a:avLst/>
+          </a:prstGeom>
+          <a:solidFill>
+            <a:srgbClr val="FFC000"/>
+          </a:solidFill>
+          <a:ln>
+            <a:noFill/>
+          </a:ln>
+        </p:spPr>
+        <p:style>
+          <a:lnRef idx="2">
+            <a:schemeClr val="accent1">
+              <a:shade val="50000"/>
+            </a:schemeClr>
+          </a:lnRef>
+          <a:fillRef idx="1">
+            <a:schemeClr val="accent1"/>
+          </a:fillRef>
+          <a:effectRef idx="0">
+            <a:schemeClr val="accent1"/>
+          </a:effectRef>
+          <a:fontRef idx="minor">
+            <a:schemeClr val="lt1"/>
+          </a:fontRef>
+        </p:style>
+        <p:txBody>
+          <a:bodyPr rtlCol="0" anchor="ctr"/>
+          <a:lstStyle/>
+          <a:p>
+            <a:pPr algn="ctr"/>
+            <a:endParaRPr lang="ko-KR" altLang="en-US"/>
+          </a:p>
+        </p:txBody>
+      </p:sp>
+      <p:sp>
+        <p:nvSpPr>
+          <p:cNvPr id="243" name="타원 242"/>
+          <p:cNvSpPr/>
+          <p:nvPr/>
+        </p:nvSpPr>
+        <p:spPr>
+          <a:xfrm>
+            <a:off x="4985669" y="2191805"/>
+            <a:ext cx="268515" cy="268515"/>
+          </a:xfrm>
+          <a:prstGeom prst="ellipse">
+            <a:avLst/>
+          </a:prstGeom>
+          <a:solidFill>
+            <a:srgbClr val="FFC000"/>
+          </a:solidFill>
+          <a:ln>
+            <a:noFill/>
+          </a:ln>
+        </p:spPr>
+        <p:style>
+          <a:lnRef idx="2">
+            <a:schemeClr val="accent1">
+              <a:shade val="50000"/>
+            </a:schemeClr>
+          </a:lnRef>
+          <a:fillRef idx="1">
+            <a:schemeClr val="accent1"/>
+          </a:fillRef>
+          <a:effectRef idx="0">
+            <a:schemeClr val="accent1"/>
+          </a:effectRef>
+          <a:fontRef idx="minor">
+            <a:schemeClr val="lt1"/>
+          </a:fontRef>
+        </p:style>
+        <p:txBody>
+          <a:bodyPr rtlCol="0" anchor="ctr"/>
+          <a:lstStyle/>
+          <a:p>
+            <a:pPr algn="ctr"/>
+            <a:endParaRPr lang="ko-KR" altLang="en-US"/>
+          </a:p>
+        </p:txBody>
+      </p:sp>
+      <p:sp>
+        <p:nvSpPr>
+          <p:cNvPr id="244" name="타원 243"/>
+          <p:cNvSpPr/>
+          <p:nvPr/>
+        </p:nvSpPr>
+        <p:spPr>
+          <a:xfrm>
+            <a:off x="5395699" y="2191805"/>
+            <a:ext cx="268515" cy="268515"/>
+          </a:xfrm>
+          <a:prstGeom prst="ellipse">
+            <a:avLst/>
+          </a:prstGeom>
+          <a:solidFill>
+            <a:srgbClr val="FFC000"/>
+          </a:solidFill>
+          <a:ln>
+            <a:noFill/>
+          </a:ln>
+        </p:spPr>
+        <p:style>
+          <a:lnRef idx="2">
+            <a:schemeClr val="accent1">
+              <a:shade val="50000"/>
+            </a:schemeClr>
+          </a:lnRef>
+          <a:fillRef idx="1">
+            <a:schemeClr val="accent1"/>
+          </a:fillRef>
+          <a:effectRef idx="0">
+            <a:schemeClr val="accent1"/>
+          </a:effectRef>
+          <a:fontRef idx="minor">
+            <a:schemeClr val="lt1"/>
+          </a:fontRef>
+        </p:style>
+        <p:txBody>
+          <a:bodyPr rtlCol="0" anchor="ctr"/>
+          <a:lstStyle/>
+          <a:p>
+            <a:pPr algn="ctr"/>
+            <a:endParaRPr lang="ko-KR" altLang="en-US"/>
+          </a:p>
+        </p:txBody>
+      </p:sp>
+      <p:sp>
+        <p:nvSpPr>
+          <p:cNvPr id="245" name="타원 244"/>
+          <p:cNvSpPr/>
+          <p:nvPr/>
+        </p:nvSpPr>
+        <p:spPr>
+          <a:xfrm>
+            <a:off x="3356436" y="2547408"/>
+            <a:ext cx="268515" cy="268515"/>
+          </a:xfrm>
+          <a:prstGeom prst="ellipse">
+            <a:avLst/>
+          </a:prstGeom>
+          <a:solidFill>
+            <a:srgbClr val="FFC000"/>
+          </a:solidFill>
+          <a:ln>
+            <a:noFill/>
+          </a:ln>
+        </p:spPr>
+        <p:style>
+          <a:lnRef idx="2">
+            <a:schemeClr val="accent1">
+              <a:shade val="50000"/>
+            </a:schemeClr>
+          </a:lnRef>
+          <a:fillRef idx="1">
+            <a:schemeClr val="accent1"/>
+          </a:fillRef>
+          <a:effectRef idx="0">
+            <a:schemeClr val="accent1"/>
+          </a:effectRef>
+          <a:fontRef idx="minor">
+            <a:schemeClr val="lt1"/>
+          </a:fontRef>
+        </p:style>
+        <p:txBody>
+          <a:bodyPr rtlCol="0" anchor="ctr"/>
+          <a:lstStyle/>
+          <a:p>
+            <a:pPr algn="ctr"/>
+            <a:endParaRPr lang="ko-KR" altLang="en-US"/>
+          </a:p>
+        </p:txBody>
+      </p:sp>
+      <p:sp>
+        <p:nvSpPr>
+          <p:cNvPr id="246" name="타원 245"/>
+          <p:cNvSpPr/>
+          <p:nvPr/>
+        </p:nvSpPr>
+        <p:spPr>
+          <a:xfrm>
+            <a:off x="3762837" y="2547407"/>
+            <a:ext cx="268515" cy="268515"/>
+          </a:xfrm>
+          <a:prstGeom prst="ellipse">
+            <a:avLst/>
+          </a:prstGeom>
+          <a:solidFill>
+            <a:srgbClr val="FFC000"/>
+          </a:solidFill>
+          <a:ln>
+            <a:noFill/>
+          </a:ln>
+        </p:spPr>
+        <p:style>
+          <a:lnRef idx="2">
+            <a:schemeClr val="accent1">
+              <a:shade val="50000"/>
+            </a:schemeClr>
+          </a:lnRef>
+          <a:fillRef idx="1">
+            <a:schemeClr val="accent1"/>
+          </a:fillRef>
+          <a:effectRef idx="0">
+            <a:schemeClr val="accent1"/>
+          </a:effectRef>
+          <a:fontRef idx="minor">
+            <a:schemeClr val="lt1"/>
+          </a:fontRef>
+        </p:style>
+        <p:txBody>
+          <a:bodyPr rtlCol="0" anchor="ctr"/>
+          <a:lstStyle/>
+          <a:p>
+            <a:pPr algn="ctr"/>
+            <a:endParaRPr lang="ko-KR" altLang="en-US"/>
+          </a:p>
+        </p:txBody>
+      </p:sp>
+      <p:sp>
+        <p:nvSpPr>
+          <p:cNvPr id="247" name="타원 246"/>
+          <p:cNvSpPr/>
+          <p:nvPr/>
+        </p:nvSpPr>
+        <p:spPr>
+          <a:xfrm>
+            <a:off x="4169238" y="2547407"/>
+            <a:ext cx="268515" cy="268515"/>
+          </a:xfrm>
+          <a:prstGeom prst="ellipse">
+            <a:avLst/>
+          </a:prstGeom>
+          <a:solidFill>
+            <a:srgbClr val="FFC000"/>
+          </a:solidFill>
+          <a:ln>
+            <a:noFill/>
+          </a:ln>
+        </p:spPr>
+        <p:style>
+          <a:lnRef idx="2">
+            <a:schemeClr val="accent1">
+              <a:shade val="50000"/>
+            </a:schemeClr>
+          </a:lnRef>
+          <a:fillRef idx="1">
+            <a:schemeClr val="accent1"/>
+          </a:fillRef>
+          <a:effectRef idx="0">
+            <a:schemeClr val="accent1"/>
+          </a:effectRef>
+          <a:fontRef idx="minor">
+            <a:schemeClr val="lt1"/>
+          </a:fontRef>
+        </p:style>
+        <p:txBody>
+          <a:bodyPr rtlCol="0" anchor="ctr"/>
+          <a:lstStyle/>
+          <a:p>
+            <a:pPr algn="ctr"/>
+            <a:endParaRPr lang="ko-KR" altLang="en-US"/>
+          </a:p>
+        </p:txBody>
+      </p:sp>
+      <p:sp>
+        <p:nvSpPr>
+          <p:cNvPr id="248" name="타원 247"/>
+          <p:cNvSpPr/>
+          <p:nvPr/>
+        </p:nvSpPr>
+        <p:spPr>
+          <a:xfrm>
+            <a:off x="4575639" y="2547406"/>
+            <a:ext cx="268515" cy="268515"/>
+          </a:xfrm>
+          <a:prstGeom prst="ellipse">
+            <a:avLst/>
+          </a:prstGeom>
+          <a:solidFill>
+            <a:srgbClr val="FFC000"/>
+          </a:solidFill>
+          <a:ln>
+            <a:noFill/>
+          </a:ln>
+        </p:spPr>
+        <p:style>
+          <a:lnRef idx="2">
+            <a:schemeClr val="accent1">
+              <a:shade val="50000"/>
+            </a:schemeClr>
+          </a:lnRef>
+          <a:fillRef idx="1">
+            <a:schemeClr val="accent1"/>
+          </a:fillRef>
+          <a:effectRef idx="0">
+            <a:schemeClr val="accent1"/>
+          </a:effectRef>
+          <a:fontRef idx="minor">
+            <a:schemeClr val="lt1"/>
+          </a:fontRef>
+        </p:style>
+        <p:txBody>
+          <a:bodyPr rtlCol="0" anchor="ctr"/>
+          <a:lstStyle/>
+          <a:p>
+            <a:pPr algn="ctr"/>
+            <a:endParaRPr lang="ko-KR" altLang="en-US"/>
+          </a:p>
+        </p:txBody>
+      </p:sp>
+      <p:sp>
+        <p:nvSpPr>
+          <p:cNvPr id="249" name="타원 248"/>
+          <p:cNvSpPr/>
+          <p:nvPr/>
+        </p:nvSpPr>
+        <p:spPr>
+          <a:xfrm>
+            <a:off x="4985669" y="2547405"/>
+            <a:ext cx="268515" cy="268515"/>
+          </a:xfrm>
+          <a:prstGeom prst="ellipse">
+            <a:avLst/>
+          </a:prstGeom>
+          <a:solidFill>
+            <a:srgbClr val="FFC000"/>
+          </a:solidFill>
+          <a:ln>
+            <a:noFill/>
+          </a:ln>
+        </p:spPr>
+        <p:style>
+          <a:lnRef idx="2">
+            <a:schemeClr val="accent1">
+              <a:shade val="50000"/>
+            </a:schemeClr>
+          </a:lnRef>
+          <a:fillRef idx="1">
+            <a:schemeClr val="accent1"/>
+          </a:fillRef>
+          <a:effectRef idx="0">
+            <a:schemeClr val="accent1"/>
+          </a:effectRef>
+          <a:fontRef idx="minor">
+            <a:schemeClr val="lt1"/>
+          </a:fontRef>
+        </p:style>
+        <p:txBody>
+          <a:bodyPr rtlCol="0" anchor="ctr"/>
+          <a:lstStyle/>
+          <a:p>
+            <a:pPr algn="ctr"/>
+            <a:endParaRPr lang="ko-KR" altLang="en-US"/>
+          </a:p>
+        </p:txBody>
+      </p:sp>
+      <p:sp>
+        <p:nvSpPr>
+          <p:cNvPr id="250" name="타원 249"/>
+          <p:cNvSpPr/>
+          <p:nvPr/>
+        </p:nvSpPr>
+        <p:spPr>
+          <a:xfrm>
+            <a:off x="5395699" y="2547405"/>
+            <a:ext cx="268515" cy="268515"/>
+          </a:xfrm>
+          <a:prstGeom prst="ellipse">
+            <a:avLst/>
+          </a:prstGeom>
+          <a:solidFill>
+            <a:srgbClr val="FFC000"/>
+          </a:solidFill>
+          <a:ln>
+            <a:noFill/>
+          </a:ln>
+        </p:spPr>
+        <p:style>
+          <a:lnRef idx="2">
+            <a:schemeClr val="accent1">
+              <a:shade val="50000"/>
+            </a:schemeClr>
+          </a:lnRef>
+          <a:fillRef idx="1">
+            <a:schemeClr val="accent1"/>
+          </a:fillRef>
+          <a:effectRef idx="0">
+            <a:schemeClr val="accent1"/>
+          </a:effectRef>
+          <a:fontRef idx="minor">
+            <a:schemeClr val="lt1"/>
+          </a:fontRef>
+        </p:style>
+        <p:txBody>
+          <a:bodyPr rtlCol="0" anchor="ctr"/>
+          <a:lstStyle/>
+          <a:p>
+            <a:pPr algn="ctr"/>
+            <a:endParaRPr lang="ko-KR" altLang="en-US"/>
+          </a:p>
+        </p:txBody>
+      </p:sp>
+      <p:sp>
+        <p:nvSpPr>
+          <p:cNvPr id="251" name="타원 250"/>
+          <p:cNvSpPr/>
+          <p:nvPr/>
+        </p:nvSpPr>
+        <p:spPr>
+          <a:xfrm>
+            <a:off x="6208501" y="1480605"/>
+            <a:ext cx="268515" cy="268515"/>
+          </a:xfrm>
+          <a:prstGeom prst="ellipse">
+            <a:avLst/>
+          </a:prstGeom>
+          <a:solidFill>
+            <a:schemeClr val="accent2"/>
+          </a:solidFill>
+          <a:ln>
+            <a:solidFill>
+              <a:schemeClr val="tx1"/>
+            </a:solidFill>
+          </a:ln>
+        </p:spPr>
+        <p:style>
+          <a:lnRef idx="2">
+            <a:schemeClr val="accent1">
+              <a:shade val="50000"/>
+            </a:schemeClr>
+          </a:lnRef>
+          <a:fillRef idx="1">
+            <a:schemeClr val="accent1"/>
+          </a:fillRef>
+          <a:effectRef idx="0">
+            <a:schemeClr val="accent1"/>
+          </a:effectRef>
+          <a:fontRef idx="minor">
+            <a:schemeClr val="lt1"/>
+          </a:fontRef>
+        </p:style>
+        <p:txBody>
+          <a:bodyPr rtlCol="0" anchor="ctr"/>
+          <a:lstStyle/>
+          <a:p>
+            <a:pPr algn="ctr"/>
+            <a:endParaRPr lang="ko-KR" altLang="en-US"/>
+          </a:p>
+        </p:txBody>
+      </p:sp>
+      <p:sp>
+        <p:nvSpPr>
+          <p:cNvPr id="252" name="타원 251"/>
+          <p:cNvSpPr/>
+          <p:nvPr/>
+        </p:nvSpPr>
+        <p:spPr>
+          <a:xfrm>
+            <a:off x="6208501" y="1836205"/>
+            <a:ext cx="268515" cy="268515"/>
+          </a:xfrm>
+          <a:prstGeom prst="ellipse">
+            <a:avLst/>
+          </a:prstGeom>
+          <a:solidFill>
+            <a:schemeClr val="accent2"/>
+          </a:solidFill>
+          <a:ln>
+            <a:solidFill>
+              <a:schemeClr val="tx1"/>
+            </a:solidFill>
+          </a:ln>
+        </p:spPr>
+        <p:style>
+          <a:lnRef idx="2">
+            <a:schemeClr val="accent1">
+              <a:shade val="50000"/>
+            </a:schemeClr>
+          </a:lnRef>
+          <a:fillRef idx="1">
+            <a:schemeClr val="accent1"/>
+          </a:fillRef>
+          <a:effectRef idx="0">
+            <a:schemeClr val="accent1"/>
+          </a:effectRef>
+          <a:fontRef idx="minor">
+            <a:schemeClr val="lt1"/>
+          </a:fontRef>
+        </p:style>
+        <p:txBody>
+          <a:bodyPr rtlCol="0" anchor="ctr"/>
+          <a:lstStyle/>
+          <a:p>
+            <a:pPr algn="ctr"/>
+            <a:endParaRPr lang="ko-KR" altLang="en-US"/>
+          </a:p>
+        </p:txBody>
+      </p:sp>
+      <p:sp>
+        <p:nvSpPr>
+          <p:cNvPr id="253" name="타원 252"/>
+          <p:cNvSpPr/>
+          <p:nvPr/>
+        </p:nvSpPr>
+        <p:spPr>
+          <a:xfrm>
+            <a:off x="6208501" y="2191805"/>
+            <a:ext cx="268515" cy="268515"/>
+          </a:xfrm>
+          <a:prstGeom prst="ellipse">
+            <a:avLst/>
+          </a:prstGeom>
+          <a:solidFill>
+            <a:schemeClr val="accent2"/>
+          </a:solidFill>
+          <a:ln>
+            <a:solidFill>
+              <a:schemeClr val="tx1"/>
+            </a:solidFill>
+          </a:ln>
+        </p:spPr>
+        <p:style>
+          <a:lnRef idx="2">
+            <a:schemeClr val="accent1">
+              <a:shade val="50000"/>
+            </a:schemeClr>
+          </a:lnRef>
+          <a:fillRef idx="1">
+            <a:schemeClr val="accent1"/>
+          </a:fillRef>
+          <a:effectRef idx="0">
+            <a:schemeClr val="accent1"/>
+          </a:effectRef>
+          <a:fontRef idx="minor">
+            <a:schemeClr val="lt1"/>
+          </a:fontRef>
+        </p:style>
+        <p:txBody>
+          <a:bodyPr rtlCol="0" anchor="ctr"/>
+          <a:lstStyle/>
+          <a:p>
+            <a:pPr algn="ctr"/>
+            <a:endParaRPr lang="ko-KR" altLang="en-US"/>
+          </a:p>
+        </p:txBody>
+      </p:sp>
+      <p:sp>
+        <p:nvSpPr>
+          <p:cNvPr id="254" name="아래쪽 화살표 253"/>
+          <p:cNvSpPr/>
+          <p:nvPr/>
+        </p:nvSpPr>
+        <p:spPr>
+          <a:xfrm>
+            <a:off x="2739572" y="1440690"/>
+            <a:ext cx="406400" cy="348343"/>
+          </a:xfrm>
+          <a:prstGeom prst="downArrow">
+            <a:avLst/>
+          </a:prstGeom>
+          <a:solidFill>
+            <a:schemeClr val="accent2"/>
+          </a:solidFill>
+          <a:ln>
+            <a:noFill/>
+          </a:ln>
+        </p:spPr>
+        <p:style>
+          <a:lnRef idx="2">
+            <a:schemeClr val="accent1">
+              <a:shade val="50000"/>
+            </a:schemeClr>
+          </a:lnRef>
+          <a:fillRef idx="1">
+            <a:schemeClr val="accent1"/>
+          </a:fillRef>
+          <a:effectRef idx="0">
+            <a:schemeClr val="accent1"/>
+          </a:effectRef>
+          <a:fontRef idx="minor">
+            <a:schemeClr val="lt1"/>
+          </a:fontRef>
+        </p:style>
+        <p:txBody>
+          <a:bodyPr rtlCol="0" anchor="ctr"/>
+          <a:lstStyle/>
+          <a:p>
+            <a:pPr algn="ctr"/>
+            <a:endParaRPr lang="ko-KR" altLang="en-US"/>
+          </a:p>
+        </p:txBody>
+      </p:sp>
+      <p:sp>
+        <p:nvSpPr>
+          <p:cNvPr id="255" name="타원 254"/>
+          <p:cNvSpPr/>
+          <p:nvPr/>
+        </p:nvSpPr>
+        <p:spPr>
+          <a:xfrm>
+            <a:off x="5976268" y="370265"/>
+            <a:ext cx="268515" cy="268515"/>
+          </a:xfrm>
+          <a:prstGeom prst="ellipse">
+            <a:avLst/>
+          </a:prstGeom>
+          <a:solidFill>
+            <a:srgbClr val="FFC000"/>
+          </a:solidFill>
+          <a:ln>
+            <a:noFill/>
+          </a:ln>
+        </p:spPr>
+        <p:style>
+          <a:lnRef idx="2">
+            <a:schemeClr val="accent1">
+              <a:shade val="50000"/>
+            </a:schemeClr>
+          </a:lnRef>
+          <a:fillRef idx="1">
+            <a:schemeClr val="accent1"/>
+          </a:fillRef>
+          <a:effectRef idx="0">
+            <a:schemeClr val="accent1"/>
+          </a:effectRef>
+          <a:fontRef idx="minor">
+            <a:schemeClr val="lt1"/>
+          </a:fontRef>
+        </p:style>
+        <p:txBody>
+          <a:bodyPr rtlCol="0" anchor="ctr"/>
+          <a:lstStyle/>
+          <a:p>
+            <a:pPr algn="ctr"/>
+            <a:endParaRPr lang="ko-KR" altLang="en-US"/>
+          </a:p>
+        </p:txBody>
+      </p:sp>
+      <p:sp>
+        <p:nvSpPr>
+          <p:cNvPr id="256" name="타원 255"/>
+          <p:cNvSpPr/>
+          <p:nvPr/>
+        </p:nvSpPr>
+        <p:spPr>
+          <a:xfrm>
+            <a:off x="5976268" y="725865"/>
+            <a:ext cx="268515" cy="268515"/>
+          </a:xfrm>
+          <a:prstGeom prst="ellipse">
+            <a:avLst/>
+          </a:prstGeom>
+          <a:solidFill>
+            <a:srgbClr val="FFC000"/>
+          </a:solidFill>
+          <a:ln>
+            <a:noFill/>
+          </a:ln>
+        </p:spPr>
+        <p:style>
+          <a:lnRef idx="2">
+            <a:schemeClr val="accent1">
+              <a:shade val="50000"/>
+            </a:schemeClr>
+          </a:lnRef>
+          <a:fillRef idx="1">
+            <a:schemeClr val="accent1"/>
+          </a:fillRef>
+          <a:effectRef idx="0">
+            <a:schemeClr val="accent1"/>
+          </a:effectRef>
+          <a:fontRef idx="minor">
+            <a:schemeClr val="lt1"/>
+          </a:fontRef>
+        </p:style>
+        <p:txBody>
+          <a:bodyPr rtlCol="0" anchor="ctr"/>
+          <a:lstStyle/>
+          <a:p>
+            <a:pPr algn="ctr"/>
+            <a:endParaRPr lang="ko-KR" altLang="en-US"/>
+          </a:p>
+        </p:txBody>
+      </p:sp>
+      <p:sp>
+        <p:nvSpPr>
+          <p:cNvPr id="257" name="타원 256"/>
+          <p:cNvSpPr/>
+          <p:nvPr/>
+        </p:nvSpPr>
+        <p:spPr>
+          <a:xfrm>
+            <a:off x="5976268" y="1081465"/>
+            <a:ext cx="268515" cy="268515"/>
+          </a:xfrm>
+          <a:prstGeom prst="ellipse">
+            <a:avLst/>
+          </a:prstGeom>
+          <a:solidFill>
+            <a:srgbClr val="FFC000"/>
+          </a:solidFill>
+          <a:ln>
+            <a:noFill/>
+          </a:ln>
+        </p:spPr>
+        <p:style>
+          <a:lnRef idx="2">
+            <a:schemeClr val="accent1">
+              <a:shade val="50000"/>
+            </a:schemeClr>
+          </a:lnRef>
+          <a:fillRef idx="1">
+            <a:schemeClr val="accent1"/>
+          </a:fillRef>
+          <a:effectRef idx="0">
+            <a:schemeClr val="accent1"/>
+          </a:effectRef>
+          <a:fontRef idx="minor">
+            <a:schemeClr val="lt1"/>
+          </a:fontRef>
+        </p:style>
+        <p:txBody>
+          <a:bodyPr rtlCol="0" anchor="ctr"/>
+          <a:lstStyle/>
+          <a:p>
+            <a:pPr algn="ctr"/>
+            <a:endParaRPr lang="ko-KR" altLang="en-US"/>
+          </a:p>
+        </p:txBody>
+      </p:sp>
+      <p:sp>
+        <p:nvSpPr>
+          <p:cNvPr id="258" name="타원 257"/>
+          <p:cNvSpPr/>
+          <p:nvPr/>
+        </p:nvSpPr>
+        <p:spPr>
+          <a:xfrm>
+            <a:off x="5802100" y="1836205"/>
+            <a:ext cx="268515" cy="268515"/>
+          </a:xfrm>
+          <a:prstGeom prst="ellipse">
+            <a:avLst/>
+          </a:prstGeom>
+          <a:solidFill>
+            <a:srgbClr val="FFC000"/>
+          </a:solidFill>
+          <a:ln>
+            <a:noFill/>
+          </a:ln>
+        </p:spPr>
+        <p:style>
+          <a:lnRef idx="2">
+            <a:schemeClr val="accent1">
+              <a:shade val="50000"/>
+            </a:schemeClr>
+          </a:lnRef>
+          <a:fillRef idx="1">
+            <a:schemeClr val="accent1"/>
+          </a:fillRef>
+          <a:effectRef idx="0">
+            <a:schemeClr val="accent1"/>
+          </a:effectRef>
+          <a:fontRef idx="minor">
+            <a:schemeClr val="lt1"/>
+          </a:fontRef>
+        </p:style>
+        <p:txBody>
+          <a:bodyPr rtlCol="0" anchor="ctr"/>
+          <a:lstStyle/>
+          <a:p>
+            <a:pPr algn="ctr"/>
+            <a:endParaRPr lang="ko-KR" altLang="en-US"/>
+          </a:p>
+        </p:txBody>
+      </p:sp>
+      <p:sp>
+        <p:nvSpPr>
+          <p:cNvPr id="259" name="타원 258"/>
+          <p:cNvSpPr/>
+          <p:nvPr/>
+        </p:nvSpPr>
+        <p:spPr>
+          <a:xfrm>
+            <a:off x="5802100" y="2191805"/>
+            <a:ext cx="268515" cy="268515"/>
+          </a:xfrm>
+          <a:prstGeom prst="ellipse">
+            <a:avLst/>
+          </a:prstGeom>
+          <a:solidFill>
+            <a:srgbClr val="FFC000"/>
+          </a:solidFill>
+          <a:ln>
+            <a:noFill/>
+          </a:ln>
+        </p:spPr>
+        <p:style>
+          <a:lnRef idx="2">
+            <a:schemeClr val="accent1">
+              <a:shade val="50000"/>
+            </a:schemeClr>
+          </a:lnRef>
+          <a:fillRef idx="1">
+            <a:schemeClr val="accent1"/>
+          </a:fillRef>
+          <a:effectRef idx="0">
+            <a:schemeClr val="accent1"/>
+          </a:effectRef>
+          <a:fontRef idx="minor">
+            <a:schemeClr val="lt1"/>
+          </a:fontRef>
+        </p:style>
+        <p:txBody>
+          <a:bodyPr rtlCol="0" anchor="ctr"/>
+          <a:lstStyle/>
+          <a:p>
+            <a:pPr algn="ctr"/>
+            <a:endParaRPr lang="ko-KR" altLang="en-US"/>
+          </a:p>
+        </p:txBody>
+      </p:sp>
+      <p:sp>
+        <p:nvSpPr>
+          <p:cNvPr id="260" name="타원 259"/>
+          <p:cNvSpPr/>
+          <p:nvPr/>
+        </p:nvSpPr>
+        <p:spPr>
+          <a:xfrm>
+            <a:off x="5802100" y="2547405"/>
+            <a:ext cx="268515" cy="268515"/>
+          </a:xfrm>
+          <a:prstGeom prst="ellipse">
+            <a:avLst/>
+          </a:prstGeom>
+          <a:solidFill>
+            <a:srgbClr val="FFC000"/>
+          </a:solidFill>
+          <a:ln>
+            <a:noFill/>
+          </a:ln>
+        </p:spPr>
+        <p:style>
+          <a:lnRef idx="2">
+            <a:schemeClr val="accent1">
+              <a:shade val="50000"/>
+            </a:schemeClr>
+          </a:lnRef>
+          <a:fillRef idx="1">
+            <a:schemeClr val="accent1"/>
+          </a:fillRef>
+          <a:effectRef idx="0">
+            <a:schemeClr val="accent1"/>
+          </a:effectRef>
+          <a:fontRef idx="minor">
+            <a:schemeClr val="lt1"/>
+          </a:fontRef>
+        </p:style>
+        <p:txBody>
+          <a:bodyPr rtlCol="0" anchor="ctr"/>
+          <a:lstStyle/>
+          <a:p>
+            <a:pPr algn="ctr"/>
+            <a:endParaRPr lang="ko-KR" altLang="en-US"/>
+          </a:p>
+        </p:txBody>
+      </p:sp>
+      <p:sp>
+        <p:nvSpPr>
+          <p:cNvPr id="261" name="TextBox 260"/>
+          <p:cNvSpPr txBox="1"/>
+          <p:nvPr/>
+        </p:nvSpPr>
+        <p:spPr>
+          <a:xfrm>
+            <a:off x="230966" y="3117482"/>
+            <a:ext cx="645886" cy="369332"/>
+          </a:xfrm>
+          <a:prstGeom prst="rect">
+            <a:avLst/>
+          </a:prstGeom>
+          <a:noFill/>
+        </p:spPr>
+        <p:txBody>
+          <a:bodyPr wrap="square" rtlCol="0">
+            <a:spAutoFit/>
+          </a:bodyPr>
+          <a:lstStyle/>
+          <a:p>
+            <a:r>
+              <a:rPr lang="en-US" altLang="ko-KR" dirty="0" smtClean="0"/>
+              <a:t>L =3</a:t>
+            </a:r>
+            <a:endParaRPr lang="ko-KR" altLang="en-US" dirty="0"/>
+          </a:p>
+        </p:txBody>
+      </p:sp>
+      <p:sp>
+        <p:nvSpPr>
+          <p:cNvPr id="262" name="타원 261"/>
+          <p:cNvSpPr/>
+          <p:nvPr/>
+        </p:nvSpPr>
+        <p:spPr>
+          <a:xfrm>
+            <a:off x="508000" y="3473078"/>
+            <a:ext cx="268515" cy="268515"/>
+          </a:xfrm>
+          <a:prstGeom prst="ellipse">
+            <a:avLst/>
+          </a:prstGeom>
+          <a:solidFill>
+            <a:schemeClr val="accent2"/>
+          </a:solidFill>
+          <a:ln>
+            <a:solidFill>
+              <a:schemeClr val="tx1"/>
+            </a:solidFill>
+          </a:ln>
+        </p:spPr>
+        <p:style>
+          <a:lnRef idx="2">
+            <a:schemeClr val="accent1">
+              <a:shade val="50000"/>
+            </a:schemeClr>
+          </a:lnRef>
+          <a:fillRef idx="1">
+            <a:schemeClr val="accent1"/>
+          </a:fillRef>
+          <a:effectRef idx="0">
+            <a:schemeClr val="accent1"/>
+          </a:effectRef>
+          <a:fontRef idx="minor">
+            <a:schemeClr val="lt1"/>
+          </a:fontRef>
+        </p:style>
+        <p:txBody>
+          <a:bodyPr rtlCol="0" anchor="ctr"/>
+          <a:lstStyle/>
+          <a:p>
+            <a:pPr algn="ctr"/>
+            <a:endParaRPr lang="ko-KR" altLang="en-US"/>
+          </a:p>
+        </p:txBody>
+      </p:sp>
+      <p:sp>
+        <p:nvSpPr>
+          <p:cNvPr id="263" name="타원 262"/>
+          <p:cNvSpPr/>
+          <p:nvPr/>
+        </p:nvSpPr>
+        <p:spPr>
+          <a:xfrm>
+            <a:off x="910772" y="3473077"/>
+            <a:ext cx="268515" cy="268515"/>
+          </a:xfrm>
+          <a:prstGeom prst="ellipse">
+            <a:avLst/>
+          </a:prstGeom>
+          <a:solidFill>
+            <a:schemeClr val="accent2"/>
+          </a:solidFill>
+          <a:ln>
+            <a:solidFill>
+              <a:schemeClr val="tx1"/>
+            </a:solidFill>
+          </a:ln>
+        </p:spPr>
+        <p:style>
+          <a:lnRef idx="2">
+            <a:schemeClr val="accent1">
+              <a:shade val="50000"/>
+            </a:schemeClr>
+          </a:lnRef>
+          <a:fillRef idx="1">
+            <a:schemeClr val="accent1"/>
+          </a:fillRef>
+          <a:effectRef idx="0">
+            <a:schemeClr val="accent1"/>
+          </a:effectRef>
+          <a:fontRef idx="minor">
+            <a:schemeClr val="lt1"/>
+          </a:fontRef>
+        </p:style>
+        <p:txBody>
+          <a:bodyPr rtlCol="0" anchor="ctr"/>
+          <a:lstStyle/>
+          <a:p>
+            <a:pPr algn="ctr"/>
+            <a:endParaRPr lang="ko-KR" altLang="en-US"/>
+          </a:p>
+        </p:txBody>
+      </p:sp>
+      <p:sp>
+        <p:nvSpPr>
+          <p:cNvPr id="264" name="타원 263"/>
+          <p:cNvSpPr/>
+          <p:nvPr/>
+        </p:nvSpPr>
+        <p:spPr>
+          <a:xfrm>
+            <a:off x="1317173" y="3473076"/>
+            <a:ext cx="268515" cy="268515"/>
+          </a:xfrm>
+          <a:prstGeom prst="ellipse">
+            <a:avLst/>
+          </a:prstGeom>
+          <a:solidFill>
+            <a:schemeClr val="accent2"/>
+          </a:solidFill>
+          <a:ln>
+            <a:solidFill>
+              <a:schemeClr val="tx1"/>
+            </a:solidFill>
+          </a:ln>
+        </p:spPr>
+        <p:style>
+          <a:lnRef idx="2">
+            <a:schemeClr val="accent1">
+              <a:shade val="50000"/>
+            </a:schemeClr>
+          </a:lnRef>
+          <a:fillRef idx="1">
+            <a:schemeClr val="accent1"/>
+          </a:fillRef>
+          <a:effectRef idx="0">
+            <a:schemeClr val="accent1"/>
+          </a:effectRef>
+          <a:fontRef idx="minor">
+            <a:schemeClr val="lt1"/>
+          </a:fontRef>
+        </p:style>
+        <p:txBody>
+          <a:bodyPr rtlCol="0" anchor="ctr"/>
+          <a:lstStyle/>
+          <a:p>
+            <a:pPr algn="ctr"/>
+            <a:endParaRPr lang="ko-KR" altLang="en-US"/>
+          </a:p>
+        </p:txBody>
+      </p:sp>
+      <p:sp>
+        <p:nvSpPr>
+          <p:cNvPr id="265" name="타원 264"/>
+          <p:cNvSpPr/>
+          <p:nvPr/>
+        </p:nvSpPr>
+        <p:spPr>
+          <a:xfrm>
+            <a:off x="500742" y="3842412"/>
+            <a:ext cx="268515" cy="268515"/>
+          </a:xfrm>
+          <a:prstGeom prst="ellipse">
+            <a:avLst/>
+          </a:prstGeom>
+          <a:solidFill>
+            <a:schemeClr val="accent2"/>
+          </a:solidFill>
+          <a:ln>
+            <a:solidFill>
+              <a:schemeClr val="tx1"/>
+            </a:solidFill>
+          </a:ln>
+        </p:spPr>
+        <p:style>
+          <a:lnRef idx="2">
+            <a:schemeClr val="accent1">
+              <a:shade val="50000"/>
+            </a:schemeClr>
+          </a:lnRef>
+          <a:fillRef idx="1">
+            <a:schemeClr val="accent1"/>
+          </a:fillRef>
+          <a:effectRef idx="0">
+            <a:schemeClr val="accent1"/>
+          </a:effectRef>
+          <a:fontRef idx="minor">
+            <a:schemeClr val="lt1"/>
+          </a:fontRef>
+        </p:style>
+        <p:txBody>
+          <a:bodyPr rtlCol="0" anchor="ctr"/>
+          <a:lstStyle/>
+          <a:p>
+            <a:pPr algn="ctr"/>
+            <a:endParaRPr lang="ko-KR" altLang="en-US"/>
+          </a:p>
+        </p:txBody>
+      </p:sp>
+      <p:sp>
+        <p:nvSpPr>
+          <p:cNvPr id="266" name="타원 265"/>
+          <p:cNvSpPr/>
+          <p:nvPr/>
+        </p:nvSpPr>
+        <p:spPr>
+          <a:xfrm>
+            <a:off x="907143" y="3842411"/>
+            <a:ext cx="268515" cy="268515"/>
+          </a:xfrm>
+          <a:prstGeom prst="ellipse">
+            <a:avLst/>
+          </a:prstGeom>
+          <a:solidFill>
+            <a:srgbClr val="FFC000"/>
+          </a:solidFill>
+          <a:ln>
+            <a:noFill/>
+          </a:ln>
+        </p:spPr>
+        <p:style>
+          <a:lnRef idx="2">
+            <a:schemeClr val="accent1">
+              <a:shade val="50000"/>
+            </a:schemeClr>
+          </a:lnRef>
+          <a:fillRef idx="1">
+            <a:schemeClr val="accent1"/>
+          </a:fillRef>
+          <a:effectRef idx="0">
+            <a:schemeClr val="accent1"/>
+          </a:effectRef>
+          <a:fontRef idx="minor">
+            <a:schemeClr val="lt1"/>
+          </a:fontRef>
+        </p:style>
+        <p:txBody>
+          <a:bodyPr rtlCol="0" anchor="ctr"/>
+          <a:lstStyle/>
+          <a:p>
+            <a:pPr algn="ctr"/>
+            <a:endParaRPr lang="ko-KR" altLang="en-US"/>
+          </a:p>
+        </p:txBody>
+      </p:sp>
+      <p:sp>
+        <p:nvSpPr>
+          <p:cNvPr id="267" name="타원 266"/>
+          <p:cNvSpPr/>
+          <p:nvPr/>
+        </p:nvSpPr>
+        <p:spPr>
+          <a:xfrm>
+            <a:off x="1317173" y="3842410"/>
+            <a:ext cx="268515" cy="268515"/>
+          </a:xfrm>
+          <a:prstGeom prst="ellipse">
+            <a:avLst/>
+          </a:prstGeom>
+          <a:solidFill>
+            <a:srgbClr val="FFC000"/>
+          </a:solidFill>
+          <a:ln>
+            <a:noFill/>
+          </a:ln>
+        </p:spPr>
+        <p:style>
+          <a:lnRef idx="2">
+            <a:schemeClr val="accent1">
+              <a:shade val="50000"/>
+            </a:schemeClr>
+          </a:lnRef>
+          <a:fillRef idx="1">
+            <a:schemeClr val="accent1"/>
+          </a:fillRef>
+          <a:effectRef idx="0">
+            <a:schemeClr val="accent1"/>
+          </a:effectRef>
+          <a:fontRef idx="minor">
+            <a:schemeClr val="lt1"/>
+          </a:fontRef>
+        </p:style>
+        <p:txBody>
+          <a:bodyPr rtlCol="0" anchor="ctr"/>
+          <a:lstStyle/>
+          <a:p>
+            <a:pPr algn="ctr"/>
+            <a:endParaRPr lang="ko-KR" altLang="en-US"/>
+          </a:p>
+        </p:txBody>
+      </p:sp>
+      <p:sp>
+        <p:nvSpPr>
+          <p:cNvPr id="268" name="타원 267"/>
+          <p:cNvSpPr/>
+          <p:nvPr/>
+        </p:nvSpPr>
+        <p:spPr>
+          <a:xfrm>
+            <a:off x="504371" y="4211742"/>
+            <a:ext cx="268515" cy="268515"/>
+          </a:xfrm>
+          <a:prstGeom prst="ellipse">
+            <a:avLst/>
+          </a:prstGeom>
+          <a:solidFill>
+            <a:srgbClr val="FFC000"/>
+          </a:solidFill>
+          <a:ln>
+            <a:noFill/>
+          </a:ln>
+        </p:spPr>
+        <p:style>
+          <a:lnRef idx="2">
+            <a:schemeClr val="accent1">
+              <a:shade val="50000"/>
+            </a:schemeClr>
+          </a:lnRef>
+          <a:fillRef idx="1">
+            <a:schemeClr val="accent1"/>
+          </a:fillRef>
+          <a:effectRef idx="0">
+            <a:schemeClr val="accent1"/>
+          </a:effectRef>
+          <a:fontRef idx="minor">
+            <a:schemeClr val="lt1"/>
+          </a:fontRef>
+        </p:style>
+        <p:txBody>
+          <a:bodyPr rtlCol="0" anchor="ctr"/>
+          <a:lstStyle/>
+          <a:p>
+            <a:pPr algn="ctr"/>
+            <a:endParaRPr lang="ko-KR" altLang="en-US"/>
+          </a:p>
+        </p:txBody>
+      </p:sp>
+      <p:sp>
+        <p:nvSpPr>
+          <p:cNvPr id="269" name="타원 268"/>
+          <p:cNvSpPr/>
+          <p:nvPr/>
+        </p:nvSpPr>
+        <p:spPr>
+          <a:xfrm>
+            <a:off x="910772" y="4211745"/>
+            <a:ext cx="268515" cy="268515"/>
+          </a:xfrm>
+          <a:prstGeom prst="ellipse">
+            <a:avLst/>
+          </a:prstGeom>
+          <a:solidFill>
+            <a:srgbClr val="FFC000"/>
+          </a:solidFill>
+          <a:ln>
+            <a:noFill/>
+          </a:ln>
+        </p:spPr>
+        <p:style>
+          <a:lnRef idx="2">
+            <a:schemeClr val="accent1">
+              <a:shade val="50000"/>
+            </a:schemeClr>
+          </a:lnRef>
+          <a:fillRef idx="1">
+            <a:schemeClr val="accent1"/>
+          </a:fillRef>
+          <a:effectRef idx="0">
+            <a:schemeClr val="accent1"/>
+          </a:effectRef>
+          <a:fontRef idx="minor">
+            <a:schemeClr val="lt1"/>
+          </a:fontRef>
+        </p:style>
+        <p:txBody>
+          <a:bodyPr rtlCol="0" anchor="ctr"/>
+          <a:lstStyle/>
+          <a:p>
+            <a:pPr algn="ctr"/>
+            <a:endParaRPr lang="ko-KR" altLang="en-US"/>
+          </a:p>
+        </p:txBody>
+      </p:sp>
+      <p:sp>
+        <p:nvSpPr>
+          <p:cNvPr id="270" name="타원 269"/>
+          <p:cNvSpPr/>
+          <p:nvPr/>
+        </p:nvSpPr>
+        <p:spPr>
+          <a:xfrm>
+            <a:off x="1317173" y="4211744"/>
+            <a:ext cx="268515" cy="268515"/>
+          </a:xfrm>
+          <a:prstGeom prst="ellipse">
+            <a:avLst/>
+          </a:prstGeom>
+          <a:solidFill>
+            <a:srgbClr val="FFC000"/>
+          </a:solidFill>
+          <a:ln>
+            <a:noFill/>
+          </a:ln>
+        </p:spPr>
+        <p:style>
+          <a:lnRef idx="2">
+            <a:schemeClr val="accent1">
+              <a:shade val="50000"/>
+            </a:schemeClr>
+          </a:lnRef>
+          <a:fillRef idx="1">
+            <a:schemeClr val="accent1"/>
+          </a:fillRef>
+          <a:effectRef idx="0">
+            <a:schemeClr val="accent1"/>
+          </a:effectRef>
+          <a:fontRef idx="minor">
+            <a:schemeClr val="lt1"/>
+          </a:fontRef>
+        </p:style>
+        <p:txBody>
+          <a:bodyPr rtlCol="0" anchor="ctr"/>
+          <a:lstStyle/>
+          <a:p>
+            <a:pPr algn="ctr"/>
+            <a:endParaRPr lang="ko-KR" altLang="en-US"/>
+          </a:p>
+        </p:txBody>
+      </p:sp>
+      <p:sp>
+        <p:nvSpPr>
+          <p:cNvPr id="271" name="타원 270"/>
+          <p:cNvSpPr/>
+          <p:nvPr/>
+        </p:nvSpPr>
+        <p:spPr>
+          <a:xfrm>
+            <a:off x="500742" y="4581074"/>
+            <a:ext cx="268515" cy="268515"/>
+          </a:xfrm>
+          <a:prstGeom prst="ellipse">
+            <a:avLst/>
+          </a:prstGeom>
+          <a:solidFill>
+            <a:srgbClr val="FFC000"/>
+          </a:solidFill>
+          <a:ln>
+            <a:noFill/>
+          </a:ln>
+        </p:spPr>
+        <p:style>
+          <a:lnRef idx="2">
+            <a:schemeClr val="accent1">
+              <a:shade val="50000"/>
+            </a:schemeClr>
+          </a:lnRef>
+          <a:fillRef idx="1">
+            <a:schemeClr val="accent1"/>
+          </a:fillRef>
+          <a:effectRef idx="0">
+            <a:schemeClr val="accent1"/>
+          </a:effectRef>
+          <a:fontRef idx="minor">
+            <a:schemeClr val="lt1"/>
+          </a:fontRef>
+        </p:style>
+        <p:txBody>
+          <a:bodyPr rtlCol="0" anchor="ctr"/>
+          <a:lstStyle/>
+          <a:p>
+            <a:pPr algn="ctr"/>
+            <a:endParaRPr lang="ko-KR" altLang="en-US"/>
+          </a:p>
+        </p:txBody>
+      </p:sp>
+      <p:sp>
+        <p:nvSpPr>
+          <p:cNvPr id="272" name="타원 271"/>
+          <p:cNvSpPr/>
+          <p:nvPr/>
+        </p:nvSpPr>
+        <p:spPr>
+          <a:xfrm>
+            <a:off x="907143" y="4581073"/>
+            <a:ext cx="268515" cy="268515"/>
+          </a:xfrm>
+          <a:prstGeom prst="ellipse">
+            <a:avLst/>
+          </a:prstGeom>
+          <a:solidFill>
+            <a:srgbClr val="FFC000"/>
+          </a:solidFill>
+          <a:ln>
+            <a:noFill/>
+          </a:ln>
+        </p:spPr>
+        <p:style>
+          <a:lnRef idx="2">
+            <a:schemeClr val="accent1">
+              <a:shade val="50000"/>
+            </a:schemeClr>
+          </a:lnRef>
+          <a:fillRef idx="1">
+            <a:schemeClr val="accent1"/>
+          </a:fillRef>
+          <a:effectRef idx="0">
+            <a:schemeClr val="accent1"/>
+          </a:effectRef>
+          <a:fontRef idx="minor">
+            <a:schemeClr val="lt1"/>
+          </a:fontRef>
+        </p:style>
+        <p:txBody>
+          <a:bodyPr rtlCol="0" anchor="ctr"/>
+          <a:lstStyle/>
+          <a:p>
+            <a:pPr algn="ctr"/>
+            <a:endParaRPr lang="ko-KR" altLang="en-US"/>
+          </a:p>
+        </p:txBody>
+      </p:sp>
+      <p:sp>
+        <p:nvSpPr>
+          <p:cNvPr id="273" name="타원 272"/>
+          <p:cNvSpPr/>
+          <p:nvPr/>
+        </p:nvSpPr>
+        <p:spPr>
+          <a:xfrm>
+            <a:off x="1317173" y="4581072"/>
+            <a:ext cx="268515" cy="268515"/>
+          </a:xfrm>
+          <a:prstGeom prst="ellipse">
+            <a:avLst/>
+          </a:prstGeom>
+          <a:solidFill>
+            <a:schemeClr val="accent2"/>
+          </a:solidFill>
+          <a:ln>
+            <a:solidFill>
+              <a:schemeClr val="tx1"/>
+            </a:solidFill>
+          </a:ln>
+        </p:spPr>
+        <p:style>
+          <a:lnRef idx="2">
+            <a:schemeClr val="accent1">
+              <a:shade val="50000"/>
+            </a:schemeClr>
+          </a:lnRef>
+          <a:fillRef idx="1">
+            <a:schemeClr val="accent1"/>
+          </a:fillRef>
+          <a:effectRef idx="0">
+            <a:schemeClr val="accent1"/>
+          </a:effectRef>
+          <a:fontRef idx="minor">
+            <a:schemeClr val="lt1"/>
+          </a:fontRef>
+        </p:style>
+        <p:txBody>
+          <a:bodyPr rtlCol="0" anchor="ctr"/>
+          <a:lstStyle/>
+          <a:p>
+            <a:pPr algn="ctr"/>
+            <a:endParaRPr lang="ko-KR" altLang="en-US"/>
+          </a:p>
+        </p:txBody>
+      </p:sp>
+      <p:sp>
+        <p:nvSpPr>
+          <p:cNvPr id="274" name="타원 273"/>
+          <p:cNvSpPr/>
+          <p:nvPr/>
+        </p:nvSpPr>
+        <p:spPr>
+          <a:xfrm>
+            <a:off x="500742" y="4955987"/>
+            <a:ext cx="268515" cy="268515"/>
+          </a:xfrm>
+          <a:prstGeom prst="ellipse">
+            <a:avLst/>
+          </a:prstGeom>
+          <a:solidFill>
+            <a:schemeClr val="accent2"/>
+          </a:solidFill>
+          <a:ln>
+            <a:solidFill>
+              <a:schemeClr val="tx1"/>
+            </a:solidFill>
+          </a:ln>
+        </p:spPr>
+        <p:style>
+          <a:lnRef idx="2">
+            <a:schemeClr val="accent1">
+              <a:shade val="50000"/>
+            </a:schemeClr>
+          </a:lnRef>
+          <a:fillRef idx="1">
+            <a:schemeClr val="accent1"/>
+          </a:fillRef>
+          <a:effectRef idx="0">
+            <a:schemeClr val="accent1"/>
+          </a:effectRef>
+          <a:fontRef idx="minor">
+            <a:schemeClr val="lt1"/>
+          </a:fontRef>
+        </p:style>
+        <p:txBody>
+          <a:bodyPr rtlCol="0" anchor="ctr"/>
+          <a:lstStyle/>
+          <a:p>
+            <a:pPr algn="ctr"/>
+            <a:endParaRPr lang="ko-KR" altLang="en-US"/>
+          </a:p>
+        </p:txBody>
+      </p:sp>
+      <p:sp>
+        <p:nvSpPr>
+          <p:cNvPr id="275" name="타원 274"/>
+          <p:cNvSpPr/>
+          <p:nvPr/>
+        </p:nvSpPr>
+        <p:spPr>
+          <a:xfrm>
+            <a:off x="1313544" y="4955987"/>
+            <a:ext cx="268515" cy="268515"/>
+          </a:xfrm>
+          <a:prstGeom prst="ellipse">
+            <a:avLst/>
+          </a:prstGeom>
+          <a:solidFill>
+            <a:schemeClr val="accent2"/>
+          </a:solidFill>
+          <a:ln>
+            <a:solidFill>
+              <a:schemeClr val="tx1"/>
+            </a:solidFill>
+          </a:ln>
+        </p:spPr>
+        <p:style>
+          <a:lnRef idx="2">
+            <a:schemeClr val="accent1">
+              <a:shade val="50000"/>
+            </a:schemeClr>
+          </a:lnRef>
+          <a:fillRef idx="1">
+            <a:schemeClr val="accent1"/>
+          </a:fillRef>
+          <a:effectRef idx="0">
+            <a:schemeClr val="accent1"/>
+          </a:effectRef>
+          <a:fontRef idx="minor">
+            <a:schemeClr val="lt1"/>
+          </a:fontRef>
+        </p:style>
+        <p:txBody>
+          <a:bodyPr rtlCol="0" anchor="ctr"/>
+          <a:lstStyle/>
+          <a:p>
+            <a:pPr algn="ctr"/>
+            <a:endParaRPr lang="ko-KR" altLang="en-US"/>
+          </a:p>
+        </p:txBody>
+      </p:sp>
+      <p:sp>
+        <p:nvSpPr>
+          <p:cNvPr id="276" name="타원 275"/>
+          <p:cNvSpPr/>
+          <p:nvPr/>
+        </p:nvSpPr>
+        <p:spPr>
+          <a:xfrm>
+            <a:off x="907143" y="4955987"/>
+            <a:ext cx="268515" cy="268515"/>
+          </a:xfrm>
+          <a:prstGeom prst="ellipse">
+            <a:avLst/>
+          </a:prstGeom>
+          <a:solidFill>
+            <a:schemeClr val="accent2"/>
+          </a:solidFill>
+          <a:ln>
+            <a:solidFill>
+              <a:schemeClr val="tx1"/>
+            </a:solidFill>
+          </a:ln>
+        </p:spPr>
+        <p:style>
+          <a:lnRef idx="2">
+            <a:schemeClr val="accent1">
+              <a:shade val="50000"/>
+            </a:schemeClr>
+          </a:lnRef>
+          <a:fillRef idx="1">
+            <a:schemeClr val="accent1"/>
+          </a:fillRef>
+          <a:effectRef idx="0">
+            <a:schemeClr val="accent1"/>
+          </a:effectRef>
+          <a:fontRef idx="minor">
+            <a:schemeClr val="lt1"/>
+          </a:fontRef>
+        </p:style>
+        <p:txBody>
+          <a:bodyPr rtlCol="0" anchor="ctr"/>
+          <a:lstStyle/>
+          <a:p>
+            <a:pPr algn="ctr"/>
+            <a:endParaRPr lang="ko-KR" altLang="en-US"/>
+          </a:p>
+        </p:txBody>
+      </p:sp>
+      <p:sp>
+        <p:nvSpPr>
+          <p:cNvPr id="277" name="타원 276"/>
+          <p:cNvSpPr/>
+          <p:nvPr/>
+        </p:nvSpPr>
+        <p:spPr>
+          <a:xfrm>
+            <a:off x="1908629" y="3473078"/>
+            <a:ext cx="268515" cy="268515"/>
+          </a:xfrm>
+          <a:prstGeom prst="ellipse">
+            <a:avLst/>
+          </a:prstGeom>
+          <a:solidFill>
+            <a:schemeClr val="accent2"/>
+          </a:solidFill>
+          <a:ln>
+            <a:solidFill>
+              <a:schemeClr val="tx1"/>
+            </a:solidFill>
+          </a:ln>
+        </p:spPr>
+        <p:style>
+          <a:lnRef idx="2">
+            <a:schemeClr val="accent1">
+              <a:shade val="50000"/>
+            </a:schemeClr>
+          </a:lnRef>
+          <a:fillRef idx="1">
+            <a:schemeClr val="accent1"/>
+          </a:fillRef>
+          <a:effectRef idx="0">
+            <a:schemeClr val="accent1"/>
+          </a:effectRef>
+          <a:fontRef idx="minor">
+            <a:schemeClr val="lt1"/>
+          </a:fontRef>
+        </p:style>
+        <p:txBody>
+          <a:bodyPr rtlCol="0" anchor="ctr"/>
+          <a:lstStyle/>
+          <a:p>
+            <a:pPr algn="ctr"/>
+            <a:endParaRPr lang="ko-KR" altLang="en-US"/>
+          </a:p>
+        </p:txBody>
+      </p:sp>
+      <p:sp>
+        <p:nvSpPr>
+          <p:cNvPr id="278" name="타원 277"/>
+          <p:cNvSpPr/>
+          <p:nvPr/>
+        </p:nvSpPr>
+        <p:spPr>
+          <a:xfrm>
+            <a:off x="2311401" y="3473077"/>
+            <a:ext cx="268515" cy="268515"/>
+          </a:xfrm>
+          <a:prstGeom prst="ellipse">
+            <a:avLst/>
+          </a:prstGeom>
+          <a:solidFill>
+            <a:schemeClr val="accent2"/>
+          </a:solidFill>
+          <a:ln>
+            <a:solidFill>
+              <a:schemeClr val="tx1"/>
+            </a:solidFill>
+          </a:ln>
+        </p:spPr>
+        <p:style>
+          <a:lnRef idx="2">
+            <a:schemeClr val="accent1">
+              <a:shade val="50000"/>
+            </a:schemeClr>
+          </a:lnRef>
+          <a:fillRef idx="1">
+            <a:schemeClr val="accent1"/>
+          </a:fillRef>
+          <a:effectRef idx="0">
+            <a:schemeClr val="accent1"/>
+          </a:effectRef>
+          <a:fontRef idx="minor">
+            <a:schemeClr val="lt1"/>
+          </a:fontRef>
+        </p:style>
+        <p:txBody>
+          <a:bodyPr rtlCol="0" anchor="ctr"/>
+          <a:lstStyle/>
+          <a:p>
+            <a:pPr algn="ctr"/>
+            <a:endParaRPr lang="ko-KR" altLang="en-US"/>
+          </a:p>
+        </p:txBody>
+      </p:sp>
+      <p:sp>
+        <p:nvSpPr>
+          <p:cNvPr id="279" name="타원 278"/>
+          <p:cNvSpPr/>
+          <p:nvPr/>
+        </p:nvSpPr>
+        <p:spPr>
+          <a:xfrm>
+            <a:off x="2717802" y="3473076"/>
+            <a:ext cx="268515" cy="268515"/>
+          </a:xfrm>
+          <a:prstGeom prst="ellipse">
+            <a:avLst/>
+          </a:prstGeom>
+          <a:solidFill>
+            <a:schemeClr val="accent2"/>
+          </a:solidFill>
+          <a:ln>
+            <a:solidFill>
+              <a:schemeClr val="tx1"/>
+            </a:solidFill>
+          </a:ln>
+        </p:spPr>
+        <p:style>
+          <a:lnRef idx="2">
+            <a:schemeClr val="accent1">
+              <a:shade val="50000"/>
+            </a:schemeClr>
+          </a:lnRef>
+          <a:fillRef idx="1">
+            <a:schemeClr val="accent1"/>
+          </a:fillRef>
+          <a:effectRef idx="0">
+            <a:schemeClr val="accent1"/>
+          </a:effectRef>
+          <a:fontRef idx="minor">
+            <a:schemeClr val="lt1"/>
+          </a:fontRef>
+        </p:style>
+        <p:txBody>
+          <a:bodyPr rtlCol="0" anchor="ctr"/>
+          <a:lstStyle/>
+          <a:p>
+            <a:pPr algn="ctr"/>
+            <a:endParaRPr lang="ko-KR" altLang="en-US"/>
+          </a:p>
+        </p:txBody>
+      </p:sp>
+      <p:sp>
+        <p:nvSpPr>
+          <p:cNvPr id="280" name="타원 279"/>
+          <p:cNvSpPr/>
+          <p:nvPr/>
+        </p:nvSpPr>
+        <p:spPr>
+          <a:xfrm>
+            <a:off x="3124203" y="3473076"/>
+            <a:ext cx="268515" cy="268515"/>
+          </a:xfrm>
+          <a:prstGeom prst="ellipse">
+            <a:avLst/>
+          </a:prstGeom>
+          <a:solidFill>
+            <a:schemeClr val="accent2"/>
+          </a:solidFill>
+          <a:ln>
+            <a:solidFill>
+              <a:schemeClr val="tx1"/>
+            </a:solidFill>
+          </a:ln>
+        </p:spPr>
+        <p:style>
+          <a:lnRef idx="2">
+            <a:schemeClr val="accent1">
+              <a:shade val="50000"/>
+            </a:schemeClr>
+          </a:lnRef>
+          <a:fillRef idx="1">
+            <a:schemeClr val="accent1"/>
+          </a:fillRef>
+          <a:effectRef idx="0">
+            <a:schemeClr val="accent1"/>
+          </a:effectRef>
+          <a:fontRef idx="minor">
+            <a:schemeClr val="lt1"/>
+          </a:fontRef>
+        </p:style>
+        <p:txBody>
+          <a:bodyPr rtlCol="0" anchor="ctr"/>
+          <a:lstStyle/>
+          <a:p>
+            <a:pPr algn="ctr"/>
+            <a:endParaRPr lang="ko-KR" altLang="en-US"/>
+          </a:p>
+        </p:txBody>
+      </p:sp>
+      <p:sp>
+        <p:nvSpPr>
+          <p:cNvPr id="281" name="타원 280"/>
+          <p:cNvSpPr/>
+          <p:nvPr/>
+        </p:nvSpPr>
+        <p:spPr>
+          <a:xfrm>
+            <a:off x="3530604" y="3473075"/>
+            <a:ext cx="268515" cy="268515"/>
+          </a:xfrm>
+          <a:prstGeom prst="ellipse">
+            <a:avLst/>
+          </a:prstGeom>
+          <a:solidFill>
+            <a:schemeClr val="accent4"/>
+          </a:solidFill>
+          <a:ln>
+            <a:noFill/>
+          </a:ln>
+        </p:spPr>
+        <p:style>
+          <a:lnRef idx="2">
+            <a:schemeClr val="accent1">
+              <a:shade val="50000"/>
+            </a:schemeClr>
+          </a:lnRef>
+          <a:fillRef idx="1">
+            <a:schemeClr val="accent1"/>
+          </a:fillRef>
+          <a:effectRef idx="0">
+            <a:schemeClr val="accent1"/>
+          </a:effectRef>
+          <a:fontRef idx="minor">
+            <a:schemeClr val="lt1"/>
+          </a:fontRef>
+        </p:style>
+        <p:txBody>
+          <a:bodyPr rtlCol="0" anchor="ctr"/>
+          <a:lstStyle/>
+          <a:p>
+            <a:pPr algn="ctr"/>
+            <a:endParaRPr lang="ko-KR" altLang="en-US"/>
+          </a:p>
+        </p:txBody>
+      </p:sp>
+      <p:sp>
+        <p:nvSpPr>
+          <p:cNvPr id="282" name="타원 281"/>
+          <p:cNvSpPr/>
+          <p:nvPr/>
+        </p:nvSpPr>
+        <p:spPr>
+          <a:xfrm>
+            <a:off x="1911005" y="3842410"/>
+            <a:ext cx="268515" cy="268515"/>
+          </a:xfrm>
+          <a:prstGeom prst="ellipse">
+            <a:avLst/>
+          </a:prstGeom>
+          <a:solidFill>
+            <a:srgbClr val="FFC000"/>
+          </a:solidFill>
+          <a:ln>
+            <a:noFill/>
+          </a:ln>
+        </p:spPr>
+        <p:style>
+          <a:lnRef idx="2">
+            <a:schemeClr val="accent1">
+              <a:shade val="50000"/>
+            </a:schemeClr>
+          </a:lnRef>
+          <a:fillRef idx="1">
+            <a:schemeClr val="accent1"/>
+          </a:fillRef>
+          <a:effectRef idx="0">
+            <a:schemeClr val="accent1"/>
+          </a:effectRef>
+          <a:fontRef idx="minor">
+            <a:schemeClr val="lt1"/>
+          </a:fontRef>
+        </p:style>
+        <p:txBody>
+          <a:bodyPr rtlCol="0" anchor="ctr"/>
+          <a:lstStyle/>
+          <a:p>
+            <a:pPr algn="ctr"/>
+            <a:endParaRPr lang="ko-KR" altLang="en-US"/>
+          </a:p>
+        </p:txBody>
+      </p:sp>
+      <p:sp>
+        <p:nvSpPr>
+          <p:cNvPr id="283" name="타원 282"/>
+          <p:cNvSpPr/>
+          <p:nvPr/>
+        </p:nvSpPr>
+        <p:spPr>
+          <a:xfrm>
+            <a:off x="2321035" y="3842410"/>
+            <a:ext cx="268515" cy="268515"/>
+          </a:xfrm>
+          <a:prstGeom prst="ellipse">
+            <a:avLst/>
+          </a:prstGeom>
+          <a:solidFill>
+            <a:srgbClr val="FFC000"/>
+          </a:solidFill>
+          <a:ln>
+            <a:noFill/>
+          </a:ln>
+        </p:spPr>
+        <p:style>
+          <a:lnRef idx="2">
+            <a:schemeClr val="accent1">
+              <a:shade val="50000"/>
+            </a:schemeClr>
+          </a:lnRef>
+          <a:fillRef idx="1">
+            <a:schemeClr val="accent1"/>
+          </a:fillRef>
+          <a:effectRef idx="0">
+            <a:schemeClr val="accent1"/>
+          </a:effectRef>
+          <a:fontRef idx="minor">
+            <a:schemeClr val="lt1"/>
+          </a:fontRef>
+        </p:style>
+        <p:txBody>
+          <a:bodyPr rtlCol="0" anchor="ctr"/>
+          <a:lstStyle/>
+          <a:p>
+            <a:pPr algn="ctr"/>
+            <a:endParaRPr lang="ko-KR" altLang="en-US"/>
+          </a:p>
+        </p:txBody>
+      </p:sp>
+      <p:sp>
+        <p:nvSpPr>
+          <p:cNvPr id="284" name="타원 283"/>
+          <p:cNvSpPr/>
+          <p:nvPr/>
+        </p:nvSpPr>
+        <p:spPr>
+          <a:xfrm>
+            <a:off x="2727436" y="3842413"/>
+            <a:ext cx="268515" cy="268515"/>
+          </a:xfrm>
+          <a:prstGeom prst="ellipse">
+            <a:avLst/>
+          </a:prstGeom>
+          <a:solidFill>
+            <a:srgbClr val="FFC000"/>
+          </a:solidFill>
+          <a:ln>
+            <a:noFill/>
+          </a:ln>
+        </p:spPr>
+        <p:style>
+          <a:lnRef idx="2">
+            <a:schemeClr val="accent1">
+              <a:shade val="50000"/>
+            </a:schemeClr>
+          </a:lnRef>
+          <a:fillRef idx="1">
+            <a:schemeClr val="accent1"/>
+          </a:fillRef>
+          <a:effectRef idx="0">
+            <a:schemeClr val="accent1"/>
+          </a:effectRef>
+          <a:fontRef idx="minor">
+            <a:schemeClr val="lt1"/>
+          </a:fontRef>
+        </p:style>
+        <p:txBody>
+          <a:bodyPr rtlCol="0" anchor="ctr"/>
+          <a:lstStyle/>
+          <a:p>
+            <a:pPr algn="ctr"/>
+            <a:endParaRPr lang="ko-KR" altLang="en-US"/>
+          </a:p>
+        </p:txBody>
+      </p:sp>
+      <p:sp>
+        <p:nvSpPr>
+          <p:cNvPr id="285" name="타원 284"/>
+          <p:cNvSpPr/>
+          <p:nvPr/>
+        </p:nvSpPr>
+        <p:spPr>
+          <a:xfrm>
+            <a:off x="3133837" y="3842412"/>
+            <a:ext cx="268515" cy="268515"/>
+          </a:xfrm>
+          <a:prstGeom prst="ellipse">
+            <a:avLst/>
+          </a:prstGeom>
+          <a:solidFill>
+            <a:srgbClr val="FFC000"/>
+          </a:solidFill>
+          <a:ln>
+            <a:noFill/>
+          </a:ln>
+        </p:spPr>
+        <p:style>
+          <a:lnRef idx="2">
+            <a:schemeClr val="accent1">
+              <a:shade val="50000"/>
+            </a:schemeClr>
+          </a:lnRef>
+          <a:fillRef idx="1">
+            <a:schemeClr val="accent1"/>
+          </a:fillRef>
+          <a:effectRef idx="0">
+            <a:schemeClr val="accent1"/>
+          </a:effectRef>
+          <a:fontRef idx="minor">
+            <a:schemeClr val="lt1"/>
+          </a:fontRef>
+        </p:style>
+        <p:txBody>
+          <a:bodyPr rtlCol="0" anchor="ctr"/>
+          <a:lstStyle/>
+          <a:p>
+            <a:pPr algn="ctr"/>
+            <a:endParaRPr lang="ko-KR" altLang="en-US"/>
+          </a:p>
+        </p:txBody>
+      </p:sp>
+      <p:sp>
+        <p:nvSpPr>
+          <p:cNvPr id="286" name="타원 285"/>
+          <p:cNvSpPr/>
+          <p:nvPr/>
+        </p:nvSpPr>
+        <p:spPr>
+          <a:xfrm>
+            <a:off x="3540238" y="3842412"/>
+            <a:ext cx="268515" cy="268515"/>
+          </a:xfrm>
+          <a:prstGeom prst="ellipse">
+            <a:avLst/>
+          </a:prstGeom>
+          <a:solidFill>
+            <a:srgbClr val="FFC000"/>
+          </a:solidFill>
+          <a:ln>
+            <a:noFill/>
+          </a:ln>
+        </p:spPr>
+        <p:style>
+          <a:lnRef idx="2">
+            <a:schemeClr val="accent1">
+              <a:shade val="50000"/>
+            </a:schemeClr>
+          </a:lnRef>
+          <a:fillRef idx="1">
+            <a:schemeClr val="accent1"/>
+          </a:fillRef>
+          <a:effectRef idx="0">
+            <a:schemeClr val="accent1"/>
+          </a:effectRef>
+          <a:fontRef idx="minor">
+            <a:schemeClr val="lt1"/>
+          </a:fontRef>
+        </p:style>
+        <p:txBody>
+          <a:bodyPr rtlCol="0" anchor="ctr"/>
+          <a:lstStyle/>
+          <a:p>
+            <a:pPr algn="ctr"/>
+            <a:endParaRPr lang="ko-KR" altLang="en-US"/>
+          </a:p>
+        </p:txBody>
+      </p:sp>
+      <p:sp>
+        <p:nvSpPr>
+          <p:cNvPr id="287" name="타원 286"/>
+          <p:cNvSpPr/>
+          <p:nvPr/>
+        </p:nvSpPr>
+        <p:spPr>
+          <a:xfrm>
+            <a:off x="1908629" y="4231448"/>
+            <a:ext cx="268515" cy="268515"/>
+          </a:xfrm>
+          <a:prstGeom prst="ellipse">
+            <a:avLst/>
+          </a:prstGeom>
+          <a:solidFill>
+            <a:srgbClr val="FFC000"/>
+          </a:solidFill>
+          <a:ln>
+            <a:noFill/>
+          </a:ln>
+        </p:spPr>
+        <p:style>
+          <a:lnRef idx="2">
+            <a:schemeClr val="accent1">
+              <a:shade val="50000"/>
+            </a:schemeClr>
+          </a:lnRef>
+          <a:fillRef idx="1">
+            <a:schemeClr val="accent1"/>
+          </a:fillRef>
+          <a:effectRef idx="0">
+            <a:schemeClr val="accent1"/>
+          </a:effectRef>
+          <a:fontRef idx="minor">
+            <a:schemeClr val="lt1"/>
+          </a:fontRef>
+        </p:style>
+        <p:txBody>
+          <a:bodyPr rtlCol="0" anchor="ctr"/>
+          <a:lstStyle/>
+          <a:p>
+            <a:pPr algn="ctr"/>
+            <a:endParaRPr lang="ko-KR" altLang="en-US"/>
+          </a:p>
+        </p:txBody>
+      </p:sp>
+      <p:sp>
+        <p:nvSpPr>
+          <p:cNvPr id="288" name="타원 287"/>
+          <p:cNvSpPr/>
+          <p:nvPr/>
+        </p:nvSpPr>
+        <p:spPr>
+          <a:xfrm>
+            <a:off x="2318659" y="4231447"/>
+            <a:ext cx="268515" cy="268515"/>
+          </a:xfrm>
+          <a:prstGeom prst="ellipse">
+            <a:avLst/>
+          </a:prstGeom>
+          <a:solidFill>
+            <a:schemeClr val="accent2"/>
+          </a:solidFill>
+          <a:ln>
+            <a:solidFill>
+              <a:schemeClr val="tx1"/>
+            </a:solidFill>
+          </a:ln>
+        </p:spPr>
+        <p:style>
+          <a:lnRef idx="2">
+            <a:schemeClr val="accent1">
+              <a:shade val="50000"/>
+            </a:schemeClr>
+          </a:lnRef>
+          <a:fillRef idx="1">
+            <a:schemeClr val="accent1"/>
+          </a:fillRef>
+          <a:effectRef idx="0">
+            <a:schemeClr val="accent1"/>
+          </a:effectRef>
+          <a:fontRef idx="minor">
+            <a:schemeClr val="lt1"/>
+          </a:fontRef>
+        </p:style>
+        <p:txBody>
+          <a:bodyPr rtlCol="0" anchor="ctr"/>
+          <a:lstStyle/>
+          <a:p>
+            <a:pPr algn="ctr"/>
+            <a:endParaRPr lang="ko-KR" altLang="en-US"/>
+          </a:p>
+        </p:txBody>
+      </p:sp>
+      <p:sp>
+        <p:nvSpPr>
+          <p:cNvPr id="289" name="타원 288"/>
+          <p:cNvSpPr/>
+          <p:nvPr/>
+        </p:nvSpPr>
+        <p:spPr>
+          <a:xfrm>
+            <a:off x="2728689" y="4231447"/>
+            <a:ext cx="268515" cy="268515"/>
+          </a:xfrm>
+          <a:prstGeom prst="ellipse">
+            <a:avLst/>
+          </a:prstGeom>
+          <a:solidFill>
+            <a:schemeClr val="accent2"/>
+          </a:solidFill>
+          <a:ln>
+            <a:solidFill>
+              <a:schemeClr val="tx1"/>
+            </a:solidFill>
+          </a:ln>
+        </p:spPr>
+        <p:style>
+          <a:lnRef idx="2">
+            <a:schemeClr val="accent1">
+              <a:shade val="50000"/>
+            </a:schemeClr>
+          </a:lnRef>
+          <a:fillRef idx="1">
+            <a:schemeClr val="accent1"/>
+          </a:fillRef>
+          <a:effectRef idx="0">
+            <a:schemeClr val="accent1"/>
+          </a:effectRef>
+          <a:fontRef idx="minor">
+            <a:schemeClr val="lt1"/>
+          </a:fontRef>
+        </p:style>
+        <p:txBody>
+          <a:bodyPr rtlCol="0" anchor="ctr"/>
+          <a:lstStyle/>
+          <a:p>
+            <a:pPr algn="ctr"/>
+            <a:endParaRPr lang="ko-KR" altLang="en-US"/>
+          </a:p>
+        </p:txBody>
+      </p:sp>
+      <p:sp>
+        <p:nvSpPr>
+          <p:cNvPr id="290" name="타원 289"/>
+          <p:cNvSpPr/>
+          <p:nvPr/>
+        </p:nvSpPr>
+        <p:spPr>
+          <a:xfrm>
+            <a:off x="3541491" y="4231447"/>
+            <a:ext cx="268515" cy="268515"/>
+          </a:xfrm>
+          <a:prstGeom prst="ellipse">
+            <a:avLst/>
+          </a:prstGeom>
+          <a:solidFill>
+            <a:schemeClr val="accent2"/>
+          </a:solidFill>
+          <a:ln>
+            <a:solidFill>
+              <a:schemeClr val="tx1"/>
+            </a:solidFill>
+          </a:ln>
+        </p:spPr>
+        <p:style>
+          <a:lnRef idx="2">
+            <a:schemeClr val="accent1">
+              <a:shade val="50000"/>
+            </a:schemeClr>
+          </a:lnRef>
+          <a:fillRef idx="1">
+            <a:schemeClr val="accent1"/>
+          </a:fillRef>
+          <a:effectRef idx="0">
+            <a:schemeClr val="accent1"/>
+          </a:effectRef>
+          <a:fontRef idx="minor">
+            <a:schemeClr val="lt1"/>
+          </a:fontRef>
+        </p:style>
+        <p:txBody>
+          <a:bodyPr rtlCol="0" anchor="ctr"/>
+          <a:lstStyle/>
+          <a:p>
+            <a:pPr algn="ctr"/>
+            <a:endParaRPr lang="ko-KR" altLang="en-US"/>
+          </a:p>
+        </p:txBody>
+      </p:sp>
+      <p:sp>
+        <p:nvSpPr>
+          <p:cNvPr id="291" name="타원 290"/>
+          <p:cNvSpPr/>
+          <p:nvPr/>
+        </p:nvSpPr>
+        <p:spPr>
+          <a:xfrm>
+            <a:off x="3135090" y="4231447"/>
+            <a:ext cx="268515" cy="268515"/>
+          </a:xfrm>
+          <a:prstGeom prst="ellipse">
+            <a:avLst/>
+          </a:prstGeom>
+          <a:solidFill>
+            <a:schemeClr val="accent2"/>
+          </a:solidFill>
+          <a:ln>
+            <a:solidFill>
+              <a:schemeClr val="tx1"/>
+            </a:solidFill>
+          </a:ln>
+        </p:spPr>
+        <p:style>
+          <a:lnRef idx="2">
+            <a:schemeClr val="accent1">
+              <a:shade val="50000"/>
+            </a:schemeClr>
+          </a:lnRef>
+          <a:fillRef idx="1">
+            <a:schemeClr val="accent1"/>
+          </a:fillRef>
+          <a:effectRef idx="0">
+            <a:schemeClr val="accent1"/>
+          </a:effectRef>
+          <a:fontRef idx="minor">
+            <a:schemeClr val="lt1"/>
+          </a:fontRef>
+        </p:style>
+        <p:txBody>
+          <a:bodyPr rtlCol="0" anchor="ctr"/>
+          <a:lstStyle/>
+          <a:p>
+            <a:pPr algn="ctr"/>
+            <a:endParaRPr lang="ko-KR" altLang="en-US"/>
+          </a:p>
+        </p:txBody>
+      </p:sp>
+      <p:sp>
+        <p:nvSpPr>
+          <p:cNvPr id="292" name="TextBox 291"/>
+          <p:cNvSpPr txBox="1"/>
+          <p:nvPr/>
+        </p:nvSpPr>
+        <p:spPr>
+          <a:xfrm>
+            <a:off x="1827540" y="3117479"/>
+            <a:ext cx="645886" cy="369332"/>
+          </a:xfrm>
+          <a:prstGeom prst="rect">
+            <a:avLst/>
+          </a:prstGeom>
+          <a:noFill/>
+        </p:spPr>
+        <p:txBody>
+          <a:bodyPr wrap="square" rtlCol="0">
+            <a:spAutoFit/>
+          </a:bodyPr>
+          <a:lstStyle/>
+          <a:p>
+            <a:r>
+              <a:rPr lang="en-US" altLang="ko-KR" dirty="0" smtClean="0"/>
+              <a:t>L =5</a:t>
+            </a:r>
+            <a:endParaRPr lang="ko-KR" altLang="en-US" dirty="0"/>
+          </a:p>
+        </p:txBody>
+      </p:sp>
+      <p:sp>
+        <p:nvSpPr>
+          <p:cNvPr id="129" name="타원 128"/>
+          <p:cNvSpPr/>
+          <p:nvPr/>
+        </p:nvSpPr>
+        <p:spPr>
+          <a:xfrm>
+            <a:off x="6611273" y="1480605"/>
+            <a:ext cx="268515" cy="268515"/>
+          </a:xfrm>
+          <a:prstGeom prst="ellipse">
+            <a:avLst/>
+          </a:prstGeom>
+          <a:solidFill>
+            <a:schemeClr val="accent2"/>
+          </a:solidFill>
+          <a:ln>
+            <a:solidFill>
+              <a:schemeClr val="tx1"/>
+            </a:solidFill>
+          </a:ln>
+        </p:spPr>
+        <p:style>
+          <a:lnRef idx="2">
+            <a:schemeClr val="accent1">
+              <a:shade val="50000"/>
+            </a:schemeClr>
+          </a:lnRef>
+          <a:fillRef idx="1">
+            <a:schemeClr val="accent1"/>
+          </a:fillRef>
+          <a:effectRef idx="0">
+            <a:schemeClr val="accent1"/>
+          </a:effectRef>
+          <a:fontRef idx="minor">
+            <a:schemeClr val="lt1"/>
+          </a:fontRef>
+        </p:style>
+        <p:txBody>
+          <a:bodyPr rtlCol="0" anchor="ctr"/>
+          <a:lstStyle/>
+          <a:p>
+            <a:pPr algn="ctr"/>
+            <a:endParaRPr lang="ko-KR" altLang="en-US"/>
+          </a:p>
+        </p:txBody>
+      </p:sp>
+      <p:sp>
+        <p:nvSpPr>
+          <p:cNvPr id="130" name="타원 129"/>
+          <p:cNvSpPr/>
+          <p:nvPr/>
+        </p:nvSpPr>
+        <p:spPr>
+          <a:xfrm>
+            <a:off x="6611273" y="1836205"/>
+            <a:ext cx="268515" cy="268515"/>
+          </a:xfrm>
+          <a:prstGeom prst="ellipse">
+            <a:avLst/>
+          </a:prstGeom>
+          <a:solidFill>
+            <a:schemeClr val="accent2"/>
+          </a:solidFill>
+          <a:ln>
+            <a:solidFill>
+              <a:schemeClr val="tx1"/>
+            </a:solidFill>
+          </a:ln>
+        </p:spPr>
+        <p:style>
+          <a:lnRef idx="2">
+            <a:schemeClr val="accent1">
+              <a:shade val="50000"/>
+            </a:schemeClr>
+          </a:lnRef>
+          <a:fillRef idx="1">
+            <a:schemeClr val="accent1"/>
+          </a:fillRef>
+          <a:effectRef idx="0">
+            <a:schemeClr val="accent1"/>
+          </a:effectRef>
+          <a:fontRef idx="minor">
+            <a:schemeClr val="lt1"/>
+          </a:fontRef>
+        </p:style>
+        <p:txBody>
+          <a:bodyPr rtlCol="0" anchor="ctr"/>
+          <a:lstStyle/>
+          <a:p>
+            <a:pPr algn="ctr"/>
+            <a:endParaRPr lang="ko-KR" altLang="en-US"/>
+          </a:p>
+        </p:txBody>
+      </p:sp>
+      <p:sp>
+        <p:nvSpPr>
+          <p:cNvPr id="131" name="타원 130"/>
+          <p:cNvSpPr/>
+          <p:nvPr/>
+        </p:nvSpPr>
+        <p:spPr>
+          <a:xfrm>
+            <a:off x="6611273" y="2191805"/>
+            <a:ext cx="268515" cy="268515"/>
+          </a:xfrm>
+          <a:prstGeom prst="ellipse">
+            <a:avLst/>
+          </a:prstGeom>
+          <a:solidFill>
+            <a:schemeClr val="accent2"/>
+          </a:solidFill>
+          <a:ln>
+            <a:solidFill>
+              <a:schemeClr val="tx1"/>
+            </a:solidFill>
+          </a:ln>
+        </p:spPr>
+        <p:style>
+          <a:lnRef idx="2">
+            <a:schemeClr val="accent1">
+              <a:shade val="50000"/>
+            </a:schemeClr>
+          </a:lnRef>
+          <a:fillRef idx="1">
+            <a:schemeClr val="accent1"/>
+          </a:fillRef>
+          <a:effectRef idx="0">
+            <a:schemeClr val="accent1"/>
+          </a:effectRef>
+          <a:fontRef idx="minor">
+            <a:schemeClr val="lt1"/>
+          </a:fontRef>
+        </p:style>
+        <p:txBody>
+          <a:bodyPr rtlCol="0" anchor="ctr"/>
+          <a:lstStyle/>
+          <a:p>
+            <a:pPr algn="ctr"/>
+            <a:endParaRPr lang="ko-KR" altLang="en-US"/>
+          </a:p>
+        </p:txBody>
+      </p:sp>
+      <p:sp>
+        <p:nvSpPr>
+          <p:cNvPr id="132" name="타원 131"/>
+          <p:cNvSpPr/>
+          <p:nvPr/>
+        </p:nvSpPr>
+        <p:spPr>
+          <a:xfrm>
+            <a:off x="7014045" y="1480605"/>
+            <a:ext cx="268515" cy="268515"/>
+          </a:xfrm>
+          <a:prstGeom prst="ellipse">
+            <a:avLst/>
+          </a:prstGeom>
+          <a:solidFill>
+            <a:schemeClr val="accent2"/>
+          </a:solidFill>
+          <a:ln>
+            <a:solidFill>
+              <a:schemeClr val="tx1"/>
+            </a:solidFill>
+          </a:ln>
+        </p:spPr>
+        <p:style>
+          <a:lnRef idx="2">
+            <a:schemeClr val="accent1">
+              <a:shade val="50000"/>
+            </a:schemeClr>
+          </a:lnRef>
+          <a:fillRef idx="1">
+            <a:schemeClr val="accent1"/>
+          </a:fillRef>
+          <a:effectRef idx="0">
+            <a:schemeClr val="accent1"/>
+          </a:effectRef>
+          <a:fontRef idx="minor">
+            <a:schemeClr val="lt1"/>
+          </a:fontRef>
+        </p:style>
+        <p:txBody>
+          <a:bodyPr rtlCol="0" anchor="ctr"/>
+          <a:lstStyle/>
+          <a:p>
+            <a:pPr algn="ctr"/>
+            <a:endParaRPr lang="ko-KR" altLang="en-US"/>
+          </a:p>
+        </p:txBody>
+      </p:sp>
+      <p:sp>
+        <p:nvSpPr>
+          <p:cNvPr id="133" name="타원 132"/>
+          <p:cNvSpPr/>
+          <p:nvPr/>
+        </p:nvSpPr>
+        <p:spPr>
+          <a:xfrm>
+            <a:off x="7014045" y="1836205"/>
+            <a:ext cx="268515" cy="268515"/>
+          </a:xfrm>
+          <a:prstGeom prst="ellipse">
+            <a:avLst/>
+          </a:prstGeom>
+          <a:solidFill>
+            <a:schemeClr val="accent2"/>
+          </a:solidFill>
+          <a:ln>
+            <a:solidFill>
+              <a:schemeClr val="tx1"/>
+            </a:solidFill>
+          </a:ln>
+        </p:spPr>
+        <p:style>
+          <a:lnRef idx="2">
+            <a:schemeClr val="accent1">
+              <a:shade val="50000"/>
+            </a:schemeClr>
+          </a:lnRef>
+          <a:fillRef idx="1">
+            <a:schemeClr val="accent1"/>
+          </a:fillRef>
+          <a:effectRef idx="0">
+            <a:schemeClr val="accent1"/>
+          </a:effectRef>
+          <a:fontRef idx="minor">
+            <a:schemeClr val="lt1"/>
+          </a:fontRef>
+        </p:style>
+        <p:txBody>
+          <a:bodyPr rtlCol="0" anchor="ctr"/>
+          <a:lstStyle/>
+          <a:p>
+            <a:pPr algn="ctr"/>
+            <a:endParaRPr lang="ko-KR" altLang="en-US"/>
+          </a:p>
+        </p:txBody>
+      </p:sp>
+      <p:sp>
+        <p:nvSpPr>
+          <p:cNvPr id="134" name="타원 133"/>
+          <p:cNvSpPr/>
+          <p:nvPr/>
+        </p:nvSpPr>
+        <p:spPr>
+          <a:xfrm>
+            <a:off x="7014045" y="2191805"/>
+            <a:ext cx="268515" cy="268515"/>
+          </a:xfrm>
+          <a:prstGeom prst="ellipse">
+            <a:avLst/>
+          </a:prstGeom>
+          <a:solidFill>
+            <a:schemeClr val="accent2"/>
+          </a:solidFill>
+          <a:ln>
+            <a:solidFill>
+              <a:schemeClr val="tx1"/>
+            </a:solidFill>
+          </a:ln>
+        </p:spPr>
+        <p:style>
+          <a:lnRef idx="2">
+            <a:schemeClr val="accent1">
+              <a:shade val="50000"/>
+            </a:schemeClr>
+          </a:lnRef>
+          <a:fillRef idx="1">
+            <a:schemeClr val="accent1"/>
+          </a:fillRef>
+          <a:effectRef idx="0">
+            <a:schemeClr val="accent1"/>
+          </a:effectRef>
+          <a:fontRef idx="minor">
+            <a:schemeClr val="lt1"/>
+          </a:fontRef>
+        </p:style>
+        <p:txBody>
+          <a:bodyPr rtlCol="0" anchor="ctr"/>
+          <a:lstStyle/>
+          <a:p>
+            <a:pPr algn="ctr"/>
+            <a:endParaRPr lang="ko-KR" altLang="en-US"/>
+          </a:p>
+        </p:txBody>
+      </p:sp>
+      <p:sp>
+        <p:nvSpPr>
+          <p:cNvPr id="135" name="타원 134"/>
+          <p:cNvSpPr/>
+          <p:nvPr/>
+        </p:nvSpPr>
+        <p:spPr>
+          <a:xfrm>
+            <a:off x="7416817" y="1480605"/>
+            <a:ext cx="268515" cy="268515"/>
+          </a:xfrm>
+          <a:prstGeom prst="ellipse">
+            <a:avLst/>
+          </a:prstGeom>
+          <a:solidFill>
+            <a:schemeClr val="accent2"/>
+          </a:solidFill>
+          <a:ln>
+            <a:solidFill>
+              <a:schemeClr val="tx1"/>
+            </a:solidFill>
+          </a:ln>
+        </p:spPr>
+        <p:style>
+          <a:lnRef idx="2">
+            <a:schemeClr val="accent1">
+              <a:shade val="50000"/>
+            </a:schemeClr>
+          </a:lnRef>
+          <a:fillRef idx="1">
+            <a:schemeClr val="accent1"/>
+          </a:fillRef>
+          <a:effectRef idx="0">
+            <a:schemeClr val="accent1"/>
+          </a:effectRef>
+          <a:fontRef idx="minor">
+            <a:schemeClr val="lt1"/>
+          </a:fontRef>
+        </p:style>
+        <p:txBody>
+          <a:bodyPr rtlCol="0" anchor="ctr"/>
+          <a:lstStyle/>
+          <a:p>
+            <a:pPr algn="ctr"/>
+            <a:endParaRPr lang="ko-KR" altLang="en-US"/>
+          </a:p>
+        </p:txBody>
+      </p:sp>
+      <p:sp>
+        <p:nvSpPr>
+          <p:cNvPr id="136" name="타원 135"/>
+          <p:cNvSpPr/>
+          <p:nvPr/>
+        </p:nvSpPr>
+        <p:spPr>
+          <a:xfrm>
+            <a:off x="7416817" y="1836205"/>
+            <a:ext cx="268515" cy="268515"/>
+          </a:xfrm>
+          <a:prstGeom prst="ellipse">
+            <a:avLst/>
+          </a:prstGeom>
+          <a:solidFill>
+            <a:schemeClr val="accent2"/>
+          </a:solidFill>
+          <a:ln>
+            <a:solidFill>
+              <a:schemeClr val="tx1"/>
+            </a:solidFill>
+          </a:ln>
+        </p:spPr>
+        <p:style>
+          <a:lnRef idx="2">
+            <a:schemeClr val="accent1">
+              <a:shade val="50000"/>
+            </a:schemeClr>
+          </a:lnRef>
+          <a:fillRef idx="1">
+            <a:schemeClr val="accent1"/>
+          </a:fillRef>
+          <a:effectRef idx="0">
+            <a:schemeClr val="accent1"/>
+          </a:effectRef>
+          <a:fontRef idx="minor">
+            <a:schemeClr val="lt1"/>
+          </a:fontRef>
+        </p:style>
+        <p:txBody>
+          <a:bodyPr rtlCol="0" anchor="ctr"/>
+          <a:lstStyle/>
+          <a:p>
+            <a:pPr algn="ctr"/>
+            <a:endParaRPr lang="ko-KR" altLang="en-US"/>
+          </a:p>
+        </p:txBody>
+      </p:sp>
+      <p:sp>
+        <p:nvSpPr>
+          <p:cNvPr id="137" name="타원 136"/>
+          <p:cNvSpPr/>
+          <p:nvPr/>
+        </p:nvSpPr>
+        <p:spPr>
+          <a:xfrm>
+            <a:off x="7416817" y="2191805"/>
+            <a:ext cx="268515" cy="268515"/>
+          </a:xfrm>
+          <a:prstGeom prst="ellipse">
+            <a:avLst/>
+          </a:prstGeom>
+          <a:solidFill>
+            <a:schemeClr val="accent2"/>
+          </a:solidFill>
+          <a:ln>
+            <a:solidFill>
+              <a:schemeClr val="tx1"/>
+            </a:solidFill>
+          </a:ln>
+        </p:spPr>
+        <p:style>
+          <a:lnRef idx="2">
+            <a:schemeClr val="accent1">
+              <a:shade val="50000"/>
+            </a:schemeClr>
+          </a:lnRef>
+          <a:fillRef idx="1">
+            <a:schemeClr val="accent1"/>
+          </a:fillRef>
+          <a:effectRef idx="0">
+            <a:schemeClr val="accent1"/>
+          </a:effectRef>
+          <a:fontRef idx="minor">
+            <a:schemeClr val="lt1"/>
+          </a:fontRef>
+        </p:style>
+        <p:txBody>
+          <a:bodyPr rtlCol="0" anchor="ctr"/>
+          <a:lstStyle/>
+          <a:p>
+            <a:pPr algn="ctr"/>
+            <a:endParaRPr lang="ko-KR" altLang="en-US"/>
+          </a:p>
+        </p:txBody>
+      </p:sp>
+      <p:pic>
+        <p:nvPicPr>
+          <p:cNvPr id="2" name="그림 1"/>
+          <p:cNvPicPr>
+            <a:picLocks noChangeAspect="1"/>
+          </p:cNvPicPr>
+          <p:nvPr/>
+        </p:nvPicPr>
+        <p:blipFill>
+          <a:blip r:embed="rId2"/>
+          <a:stretch>
+            <a:fillRect/>
+          </a:stretch>
+        </p:blipFill>
+        <p:spPr>
+          <a:xfrm>
+            <a:off x="4477663" y="4236849"/>
+            <a:ext cx="4371975" cy="1438275"/>
+          </a:xfrm>
+          <a:prstGeom prst="rect">
+            <a:avLst/>
+          </a:prstGeom>
+        </p:spPr>
+      </p:pic>
+    </p:spTree>
+    <p:extLst>
+      <p:ext uri="{BB962C8B-B14F-4D97-AF65-F5344CB8AC3E}">
+        <p14:creationId xmlns:p14="http://schemas.microsoft.com/office/powerpoint/2010/main" val="1777122706"/>
       </p:ext>
     </p:extLst>
   </p:cSld>
